--- a/ppt/第1章-系统思想.pptx
+++ b/ppt/第1章-系统思想.pptx
@@ -150,7 +150,7 @@
   </p:defaultTextStyle>
   <p:extLst>
     <p:ext uri="{EFAFB233-063F-42B5-8137-9DF3F51BA10A}">
-      <p15:sldGuideLst xmlns:p15="http://schemas.microsoft.com/office/powerpoint/2012/main">
+      <p15:sldGuideLst xmlns:p15="http://schemas.microsoft.com/office/powerpoint/2012/main" xmlns="">
         <p15:guide id="1" orient="horz" pos="2160">
           <p15:clr>
             <a:srgbClr val="A4A3A4"/>
@@ -194,7 +194,7 @@
           <p:cNvPr id="2" name="页眉占位符 1">
             <a:extLst>
               <a:ext uri="{FF2B5EF4-FFF2-40B4-BE49-F238E27FC236}">
-                <a16:creationId xmlns:a16="http://schemas.microsoft.com/office/drawing/2014/main" id="{4D0EA93C-64E6-400E-A7C4-629E182E349C}"/>
+                <a16:creationId xmlns:a16="http://schemas.microsoft.com/office/drawing/2014/main" xmlns="" id="{4D0EA93C-64E6-400E-A7C4-629E182E349C}"/>
               </a:ext>
             </a:extLst>
           </p:cNvPr>
@@ -231,7 +231,7 @@
           <p:cNvPr id="3" name="日期占位符 2">
             <a:extLst>
               <a:ext uri="{FF2B5EF4-FFF2-40B4-BE49-F238E27FC236}">
-                <a16:creationId xmlns:a16="http://schemas.microsoft.com/office/drawing/2014/main" id="{0A438FF5-47DD-402F-9B8E-9D04623892C2}"/>
+                <a16:creationId xmlns:a16="http://schemas.microsoft.com/office/drawing/2014/main" xmlns="" id="{0A438FF5-47DD-402F-9B8E-9D04623892C2}"/>
               </a:ext>
             </a:extLst>
           </p:cNvPr>
@@ -261,7 +261,8 @@
           <a:p>
             <a:fld id="{1422F3CC-357D-493A-AC3A-D56FADEA6296}" type="datetimeFigureOut">
               <a:rPr lang="zh-CN" altLang="en-US" smtClean="0"/>
-              <a:t>2018-03-05</a:t>
+              <a:pPr/>
+              <a:t>2019-02-25</a:t>
             </a:fld>
             <a:endParaRPr lang="zh-CN" altLang="en-US"/>
           </a:p>
@@ -272,7 +273,7 @@
           <p:cNvPr id="4" name="页脚占位符 3">
             <a:extLst>
               <a:ext uri="{FF2B5EF4-FFF2-40B4-BE49-F238E27FC236}">
-                <a16:creationId xmlns:a16="http://schemas.microsoft.com/office/drawing/2014/main" id="{B775E386-D899-49B6-9C27-1B9CD2C6F455}"/>
+                <a16:creationId xmlns:a16="http://schemas.microsoft.com/office/drawing/2014/main" xmlns="" id="{B775E386-D899-49B6-9C27-1B9CD2C6F455}"/>
               </a:ext>
             </a:extLst>
           </p:cNvPr>
@@ -309,7 +310,7 @@
           <p:cNvPr id="5" name="灯片编号占位符 4">
             <a:extLst>
               <a:ext uri="{FF2B5EF4-FFF2-40B4-BE49-F238E27FC236}">
-                <a16:creationId xmlns:a16="http://schemas.microsoft.com/office/drawing/2014/main" id="{57577BCE-6AD0-4DA6-8506-8D8BD7075405}"/>
+                <a16:creationId xmlns:a16="http://schemas.microsoft.com/office/drawing/2014/main" xmlns="" id="{57577BCE-6AD0-4DA6-8506-8D8BD7075405}"/>
               </a:ext>
             </a:extLst>
           </p:cNvPr>
@@ -339,6 +340,7 @@
           <a:p>
             <a:fld id="{6119E668-F858-4015-9DDF-ABB511B8E8A0}" type="slidenum">
               <a:rPr lang="zh-CN" altLang="en-US" smtClean="0"/>
+              <a:pPr/>
               <a:t>‹#›</a:t>
             </a:fld>
             <a:endParaRPr lang="zh-CN" altLang="en-US"/>
@@ -348,7 +350,7 @@
     </p:spTree>
     <p:extLst>
       <p:ext uri="{BB962C8B-B14F-4D97-AF65-F5344CB8AC3E}">
-        <p14:creationId xmlns:p14="http://schemas.microsoft.com/office/powerpoint/2010/main" val="790695374"/>
+        <p14:creationId xmlns:p14="http://schemas.microsoft.com/office/powerpoint/2010/main" xmlns="" val="790695374"/>
       </p:ext>
     </p:extLst>
   </p:cSld>
@@ -386,7 +388,7 @@
           <p:cNvPr id="13314" name="Rectangle 2">
             <a:extLst>
               <a:ext uri="{FF2B5EF4-FFF2-40B4-BE49-F238E27FC236}">
-                <a16:creationId xmlns:a16="http://schemas.microsoft.com/office/drawing/2014/main" id="{6FB69E1B-1BF8-4672-97A2-3D15FF4F151D}"/>
+                <a16:creationId xmlns:a16="http://schemas.microsoft.com/office/drawing/2014/main" xmlns="" id="{6FB69E1B-1BF8-4672-97A2-3D15FF4F151D}"/>
               </a:ext>
             </a:extLst>
           </p:cNvPr>
@@ -412,14 +414,14 @@
           <a:effectLst/>
           <a:extLst>
             <a:ext uri="{909E8E84-426E-40DD-AFC4-6F175D3DCCD1}">
-              <a14:hiddenFill xmlns:a14="http://schemas.microsoft.com/office/drawing/2010/main">
+              <a14:hiddenFill xmlns:a14="http://schemas.microsoft.com/office/drawing/2010/main" xmlns="">
                 <a:solidFill>
                   <a:schemeClr val="accent1"/>
                 </a:solidFill>
               </a14:hiddenFill>
             </a:ext>
             <a:ext uri="{91240B29-F687-4F45-9708-019B960494DF}">
-              <a14:hiddenLine xmlns:a14="http://schemas.microsoft.com/office/drawing/2010/main" w="9525">
+              <a14:hiddenLine xmlns:a14="http://schemas.microsoft.com/office/drawing/2010/main" xmlns="" w="9525">
                 <a:solidFill>
                   <a:schemeClr val="tx1"/>
                 </a:solidFill>
@@ -429,7 +431,7 @@
               </a14:hiddenLine>
             </a:ext>
             <a:ext uri="{AF507438-7753-43E0-B8FC-AC1667EBCBE1}">
-              <a14:hiddenEffects xmlns:a14="http://schemas.microsoft.com/office/drawing/2010/main">
+              <a14:hiddenEffects xmlns:a14="http://schemas.microsoft.com/office/drawing/2010/main" xmlns="">
                 <a:effectLst>
                   <a:outerShdw dist="35921" dir="2700000" algn="ctr" rotWithShape="0">
                     <a:schemeClr val="bg2"/>
@@ -463,7 +465,7 @@
           <p:cNvPr id="13315" name="Rectangle 3">
             <a:extLst>
               <a:ext uri="{FF2B5EF4-FFF2-40B4-BE49-F238E27FC236}">
-                <a16:creationId xmlns:a16="http://schemas.microsoft.com/office/drawing/2014/main" id="{7ACEC5D1-4C3D-41D6-9280-3EFB86EC8EB4}"/>
+                <a16:creationId xmlns:a16="http://schemas.microsoft.com/office/drawing/2014/main" xmlns="" id="{7ACEC5D1-4C3D-41D6-9280-3EFB86EC8EB4}"/>
               </a:ext>
             </a:extLst>
           </p:cNvPr>
@@ -489,14 +491,14 @@
           <a:effectLst/>
           <a:extLst>
             <a:ext uri="{909E8E84-426E-40DD-AFC4-6F175D3DCCD1}">
-              <a14:hiddenFill xmlns:a14="http://schemas.microsoft.com/office/drawing/2010/main">
+              <a14:hiddenFill xmlns:a14="http://schemas.microsoft.com/office/drawing/2010/main" xmlns="">
                 <a:solidFill>
                   <a:schemeClr val="accent1"/>
                 </a:solidFill>
               </a14:hiddenFill>
             </a:ext>
             <a:ext uri="{91240B29-F687-4F45-9708-019B960494DF}">
-              <a14:hiddenLine xmlns:a14="http://schemas.microsoft.com/office/drawing/2010/main" w="9525">
+              <a14:hiddenLine xmlns:a14="http://schemas.microsoft.com/office/drawing/2010/main" xmlns="" w="9525">
                 <a:solidFill>
                   <a:schemeClr val="tx1"/>
                 </a:solidFill>
@@ -506,7 +508,7 @@
               </a14:hiddenLine>
             </a:ext>
             <a:ext uri="{AF507438-7753-43E0-B8FC-AC1667EBCBE1}">
-              <a14:hiddenEffects xmlns:a14="http://schemas.microsoft.com/office/drawing/2010/main">
+              <a14:hiddenEffects xmlns:a14="http://schemas.microsoft.com/office/drawing/2010/main" xmlns="">
                 <a:effectLst>
                   <a:outerShdw dist="35921" dir="2700000" algn="ctr" rotWithShape="0">
                     <a:schemeClr val="bg2"/>
@@ -540,7 +542,7 @@
           <p:cNvPr id="2052" name="Rectangle 4">
             <a:extLst>
               <a:ext uri="{FF2B5EF4-FFF2-40B4-BE49-F238E27FC236}">
-                <a16:creationId xmlns:a16="http://schemas.microsoft.com/office/drawing/2014/main" id="{18EB8091-4FD3-4F0B-B567-9525ABCEF78B}"/>
+                <a16:creationId xmlns:a16="http://schemas.microsoft.com/office/drawing/2014/main" xmlns="" id="{18EB8091-4FD3-4F0B-B567-9525ABCEF78B}"/>
               </a:ext>
             </a:extLst>
           </p:cNvPr>
@@ -571,14 +573,14 @@
           <a:effectLst/>
           <a:extLst>
             <a:ext uri="{909E8E84-426E-40DD-AFC4-6F175D3DCCD1}">
-              <a14:hiddenFill xmlns:a14="http://schemas.microsoft.com/office/drawing/2010/main">
+              <a14:hiddenFill xmlns:a14="http://schemas.microsoft.com/office/drawing/2010/main" xmlns="">
                 <a:solidFill>
                   <a:srgbClr val="FFFFFF"/>
                 </a:solidFill>
               </a14:hiddenFill>
             </a:ext>
             <a:ext uri="{AF507438-7753-43E0-B8FC-AC1667EBCBE1}">
-              <a14:hiddenEffects xmlns:a14="http://schemas.microsoft.com/office/drawing/2010/main">
+              <a14:hiddenEffects xmlns:a14="http://schemas.microsoft.com/office/drawing/2010/main" xmlns="">
                 <a:effectLst>
                   <a:outerShdw dist="35921" dir="2700000" algn="ctr" rotWithShape="0">
                     <a:srgbClr val="808080"/>
@@ -587,7 +589,7 @@
               </a14:hiddenEffects>
             </a:ext>
             <a:ext uri="{53640926-AAD7-44D8-BBD7-CCE9431645EC}">
-              <a14:shadowObscured xmlns:a14="http://schemas.microsoft.com/office/drawing/2010/main" val="1"/>
+              <a14:shadowObscured xmlns:a14="http://schemas.microsoft.com/office/drawing/2010/main" xmlns="" val="1"/>
             </a:ext>
           </a:extLst>
         </p:spPr>
@@ -597,7 +599,7 @@
           <p:cNvPr id="13317" name="Rectangle 5">
             <a:extLst>
               <a:ext uri="{FF2B5EF4-FFF2-40B4-BE49-F238E27FC236}">
-                <a16:creationId xmlns:a16="http://schemas.microsoft.com/office/drawing/2014/main" id="{6DACA897-8BF9-465F-91C1-080DFB124B06}"/>
+                <a16:creationId xmlns:a16="http://schemas.microsoft.com/office/drawing/2014/main" xmlns="" id="{6DACA897-8BF9-465F-91C1-080DFB124B06}"/>
               </a:ext>
             </a:extLst>
           </p:cNvPr>
@@ -623,14 +625,14 @@
           <a:effectLst/>
           <a:extLst>
             <a:ext uri="{909E8E84-426E-40DD-AFC4-6F175D3DCCD1}">
-              <a14:hiddenFill xmlns:a14="http://schemas.microsoft.com/office/drawing/2010/main">
+              <a14:hiddenFill xmlns:a14="http://schemas.microsoft.com/office/drawing/2010/main" xmlns="">
                 <a:solidFill>
                   <a:schemeClr val="accent1"/>
                 </a:solidFill>
               </a14:hiddenFill>
             </a:ext>
             <a:ext uri="{91240B29-F687-4F45-9708-019B960494DF}">
-              <a14:hiddenLine xmlns:a14="http://schemas.microsoft.com/office/drawing/2010/main" w="9525">
+              <a14:hiddenLine xmlns:a14="http://schemas.microsoft.com/office/drawing/2010/main" xmlns="" w="9525">
                 <a:solidFill>
                   <a:schemeClr val="tx1"/>
                 </a:solidFill>
@@ -640,7 +642,7 @@
               </a14:hiddenLine>
             </a:ext>
             <a:ext uri="{AF507438-7753-43E0-B8FC-AC1667EBCBE1}">
-              <a14:hiddenEffects xmlns:a14="http://schemas.microsoft.com/office/drawing/2010/main">
+              <a14:hiddenEffects xmlns:a14="http://schemas.microsoft.com/office/drawing/2010/main" xmlns="">
                 <a:effectLst>
                   <a:outerShdw dist="35921" dir="2700000" algn="ctr" rotWithShape="0">
                     <a:schemeClr val="bg2"/>
@@ -699,7 +701,7 @@
           <p:cNvPr id="13318" name="Rectangle 6">
             <a:extLst>
               <a:ext uri="{FF2B5EF4-FFF2-40B4-BE49-F238E27FC236}">
-                <a16:creationId xmlns:a16="http://schemas.microsoft.com/office/drawing/2014/main" id="{E6F06049-CD33-415D-92EF-6BFC0FF501E6}"/>
+                <a16:creationId xmlns:a16="http://schemas.microsoft.com/office/drawing/2014/main" xmlns="" id="{E6F06049-CD33-415D-92EF-6BFC0FF501E6}"/>
               </a:ext>
             </a:extLst>
           </p:cNvPr>
@@ -725,14 +727,14 @@
           <a:effectLst/>
           <a:extLst>
             <a:ext uri="{909E8E84-426E-40DD-AFC4-6F175D3DCCD1}">
-              <a14:hiddenFill xmlns:a14="http://schemas.microsoft.com/office/drawing/2010/main">
+              <a14:hiddenFill xmlns:a14="http://schemas.microsoft.com/office/drawing/2010/main" xmlns="">
                 <a:solidFill>
                   <a:schemeClr val="accent1"/>
                 </a:solidFill>
               </a14:hiddenFill>
             </a:ext>
             <a:ext uri="{91240B29-F687-4F45-9708-019B960494DF}">
-              <a14:hiddenLine xmlns:a14="http://schemas.microsoft.com/office/drawing/2010/main" w="9525">
+              <a14:hiddenLine xmlns:a14="http://schemas.microsoft.com/office/drawing/2010/main" xmlns="" w="9525">
                 <a:solidFill>
                   <a:schemeClr val="tx1"/>
                 </a:solidFill>
@@ -742,7 +744,7 @@
               </a14:hiddenLine>
             </a:ext>
             <a:ext uri="{AF507438-7753-43E0-B8FC-AC1667EBCBE1}">
-              <a14:hiddenEffects xmlns:a14="http://schemas.microsoft.com/office/drawing/2010/main">
+              <a14:hiddenEffects xmlns:a14="http://schemas.microsoft.com/office/drawing/2010/main" xmlns="">
                 <a:effectLst>
                   <a:outerShdw dist="35921" dir="2700000" algn="ctr" rotWithShape="0">
                     <a:schemeClr val="bg2"/>
@@ -776,7 +778,7 @@
           <p:cNvPr id="13319" name="Rectangle 7">
             <a:extLst>
               <a:ext uri="{FF2B5EF4-FFF2-40B4-BE49-F238E27FC236}">
-                <a16:creationId xmlns:a16="http://schemas.microsoft.com/office/drawing/2014/main" id="{53998757-4799-4304-A2EC-DC8699F6DA6F}"/>
+                <a16:creationId xmlns:a16="http://schemas.microsoft.com/office/drawing/2014/main" xmlns="" id="{53998757-4799-4304-A2EC-DC8699F6DA6F}"/>
               </a:ext>
             </a:extLst>
           </p:cNvPr>
@@ -802,14 +804,14 @@
           <a:effectLst/>
           <a:extLst>
             <a:ext uri="{909E8E84-426E-40DD-AFC4-6F175D3DCCD1}">
-              <a14:hiddenFill xmlns:a14="http://schemas.microsoft.com/office/drawing/2010/main">
+              <a14:hiddenFill xmlns:a14="http://schemas.microsoft.com/office/drawing/2010/main" xmlns="">
                 <a:solidFill>
                   <a:schemeClr val="accent1"/>
                 </a:solidFill>
               </a14:hiddenFill>
             </a:ext>
             <a:ext uri="{91240B29-F687-4F45-9708-019B960494DF}">
-              <a14:hiddenLine xmlns:a14="http://schemas.microsoft.com/office/drawing/2010/main" w="9525">
+              <a14:hiddenLine xmlns:a14="http://schemas.microsoft.com/office/drawing/2010/main" xmlns="" w="9525">
                 <a:solidFill>
                   <a:schemeClr val="tx1"/>
                 </a:solidFill>
@@ -819,7 +821,7 @@
               </a14:hiddenLine>
             </a:ext>
             <a:ext uri="{AF507438-7753-43E0-B8FC-AC1667EBCBE1}">
-              <a14:hiddenEffects xmlns:a14="http://schemas.microsoft.com/office/drawing/2010/main">
+              <a14:hiddenEffects xmlns:a14="http://schemas.microsoft.com/office/drawing/2010/main" xmlns="">
                 <a:effectLst>
                   <a:outerShdw dist="35921" dir="2700000" algn="ctr" rotWithShape="0">
                     <a:schemeClr val="bg2"/>
@@ -1063,7 +1065,7 @@
     </p:spTree>
     <p:extLst>
       <p:ext uri="{BB962C8B-B14F-4D97-AF65-F5344CB8AC3E}">
-        <p14:creationId xmlns:p14="http://schemas.microsoft.com/office/powerpoint/2010/main" val="3765380159"/>
+        <p14:creationId xmlns:p14="http://schemas.microsoft.com/office/powerpoint/2010/main" xmlns="" val="3765380159"/>
       </p:ext>
     </p:extLst>
   </p:cSld>
@@ -1095,7 +1097,7 @@
           <p:cNvPr id="23554" name="Rectangle 7">
             <a:extLst>
               <a:ext uri="{FF2B5EF4-FFF2-40B4-BE49-F238E27FC236}">
-                <a16:creationId xmlns:a16="http://schemas.microsoft.com/office/drawing/2014/main" id="{379356A6-26F2-4462-A76F-04236488A395}"/>
+                <a16:creationId xmlns:a16="http://schemas.microsoft.com/office/drawing/2014/main" xmlns="" id="{379356A6-26F2-4462-A76F-04236488A395}"/>
               </a:ext>
             </a:extLst>
           </p:cNvPr>
@@ -1233,7 +1235,7 @@
           <p:cNvPr id="23555" name="Rectangle 2">
             <a:extLst>
               <a:ext uri="{FF2B5EF4-FFF2-40B4-BE49-F238E27FC236}">
-                <a16:creationId xmlns:a16="http://schemas.microsoft.com/office/drawing/2014/main" id="{30E8F42E-AC38-4FA9-B484-ACA8FEEC64CB}"/>
+                <a16:creationId xmlns:a16="http://schemas.microsoft.com/office/drawing/2014/main" xmlns="" id="{30E8F42E-AC38-4FA9-B484-ACA8FEEC64CB}"/>
               </a:ext>
             </a:extLst>
           </p:cNvPr>
@@ -1253,7 +1255,7 @@
           <p:cNvPr id="23556" name="Rectangle 3">
             <a:extLst>
               <a:ext uri="{FF2B5EF4-FFF2-40B4-BE49-F238E27FC236}">
-                <a16:creationId xmlns:a16="http://schemas.microsoft.com/office/drawing/2014/main" id="{0DFA53B9-1168-44D0-8913-3A176542FF31}"/>
+                <a16:creationId xmlns:a16="http://schemas.microsoft.com/office/drawing/2014/main" xmlns="" id="{0DFA53B9-1168-44D0-8913-3A176542FF31}"/>
               </a:ext>
             </a:extLst>
           </p:cNvPr>
@@ -1415,8 +1417,36 @@
                 <a:latin typeface="微软雅黑" panose="020B0503020204020204" pitchFamily="34" charset="-122"/>
                 <a:ea typeface="微软雅黑" panose="020B0503020204020204" pitchFamily="34" charset="-122"/>
               </a:rPr>
-              <a:t>的信息量比五比特少。香农指出，它的准确信息量应该是</a:t>
-            </a:r>
+              <a:t>的信息量比五比特少。香农指出，它的准确信息量应该</a:t>
+            </a:r>
+            <a:r>
+              <a:rPr lang="zh-CN" altLang="en-US" dirty="0" smtClean="0">
+                <a:solidFill>
+                  <a:srgbClr val="333333"/>
+                </a:solidFill>
+                <a:latin typeface="微软雅黑" panose="020B0503020204020204" pitchFamily="34" charset="-122"/>
+                <a:ea typeface="微软雅黑" panose="020B0503020204020204" pitchFamily="34" charset="-122"/>
+              </a:rPr>
+              <a:t>是</a:t>
+            </a:r>
+            <a:r>
+              <a:rPr lang="en-US" sz="1200" b="0" i="0" kern="1200" dirty="0" smtClean="0">
+                <a:solidFill>
+                  <a:schemeClr val="tx1"/>
+                </a:solidFill>
+                <a:latin typeface="Arial" panose="020B0604020202020204" pitchFamily="34" charset="0"/>
+                <a:ea typeface="宋体" panose="02010600030101010101" pitchFamily="2" charset="-122"/>
+                <a:cs typeface="+mn-cs"/>
+              </a:rPr>
+              <a:t>-(p1*log(2,p1) + p2 * log(2,p2) +　．．．　+p32 *log(2,p32))</a:t>
+            </a:r>
+            <a:endParaRPr lang="zh-CN" altLang="en-US" dirty="0">
+              <a:solidFill>
+                <a:srgbClr val="333333"/>
+              </a:solidFill>
+              <a:latin typeface="微软雅黑" panose="020B0503020204020204" pitchFamily="34" charset="-122"/>
+              <a:ea typeface="微软雅黑" panose="020B0503020204020204" pitchFamily="34" charset="-122"/>
+            </a:endParaRPr>
           </a:p>
           <a:p>
             <a:endParaRPr lang="zh-CN" altLang="en-US" dirty="0"/>
@@ -1455,7 +1485,7 @@
     </p:spTree>
     <p:extLst>
       <p:ext uri="{BB962C8B-B14F-4D97-AF65-F5344CB8AC3E}">
-        <p14:creationId xmlns:p14="http://schemas.microsoft.com/office/powerpoint/2010/main" val="3732113477"/>
+        <p14:creationId xmlns:p14="http://schemas.microsoft.com/office/powerpoint/2010/main" xmlns="" val="3732113477"/>
       </p:ext>
     </p:extLst>
   </p:cSld>
@@ -1551,7 +1581,7 @@
     </p:spTree>
     <p:extLst>
       <p:ext uri="{BB962C8B-B14F-4D97-AF65-F5344CB8AC3E}">
-        <p14:creationId xmlns:p14="http://schemas.microsoft.com/office/powerpoint/2010/main" val="1926963841"/>
+        <p14:creationId xmlns:p14="http://schemas.microsoft.com/office/powerpoint/2010/main" xmlns="" val="1926963841"/>
       </p:ext>
     </p:extLst>
   </p:cSld>
@@ -1665,7 +1695,7 @@
     </p:spTree>
     <p:extLst>
       <p:ext uri="{BB962C8B-B14F-4D97-AF65-F5344CB8AC3E}">
-        <p14:creationId xmlns:p14="http://schemas.microsoft.com/office/powerpoint/2010/main" val="1258102523"/>
+        <p14:creationId xmlns:p14="http://schemas.microsoft.com/office/powerpoint/2010/main" xmlns="" val="1258102523"/>
       </p:ext>
     </p:extLst>
   </p:cSld>
@@ -1704,7 +1734,7 @@
           <a:blip r:embed="rId2">
             <a:extLst>
               <a:ext uri="{28A0092B-C50C-407E-A947-70E740481C1C}">
-                <a14:useLocalDpi xmlns:a14="http://schemas.microsoft.com/office/drawing/2010/main" val="0"/>
+                <a14:useLocalDpi xmlns:a14="http://schemas.microsoft.com/office/drawing/2010/main" xmlns="" val="0"/>
               </a:ext>
             </a:extLst>
           </a:blip>
@@ -1972,7 +2002,7 @@
           <p:cNvPr id="10" name="文本框 9">
             <a:extLst>
               <a:ext uri="{FF2B5EF4-FFF2-40B4-BE49-F238E27FC236}">
-                <a16:creationId xmlns:a16="http://schemas.microsoft.com/office/drawing/2014/main" id="{600BB100-A1FF-4877-8B29-9C17FF2892E9}"/>
+                <a16:creationId xmlns:a16="http://schemas.microsoft.com/office/drawing/2014/main" xmlns="" id="{600BB100-A1FF-4877-8B29-9C17FF2892E9}"/>
               </a:ext>
             </a:extLst>
           </p:cNvPr>
@@ -2054,7 +2084,7 @@
           <p:cNvPr id="11" name="文本框 10">
             <a:extLst>
               <a:ext uri="{FF2B5EF4-FFF2-40B4-BE49-F238E27FC236}">
-                <a16:creationId xmlns:a16="http://schemas.microsoft.com/office/drawing/2014/main" id="{E8578AC6-7863-476B-A59C-1EFF57AFAC27}"/>
+                <a16:creationId xmlns:a16="http://schemas.microsoft.com/office/drawing/2014/main" xmlns="" id="{E8578AC6-7863-476B-A59C-1EFF57AFAC27}"/>
               </a:ext>
             </a:extLst>
           </p:cNvPr>
@@ -2102,7 +2132,7 @@
           <p:cNvPr id="12" name="文本框 11">
             <a:extLst>
               <a:ext uri="{FF2B5EF4-FFF2-40B4-BE49-F238E27FC236}">
-                <a16:creationId xmlns:a16="http://schemas.microsoft.com/office/drawing/2014/main" id="{B5E949CC-FE0D-4B97-851A-C3BA0539AD4B}"/>
+                <a16:creationId xmlns:a16="http://schemas.microsoft.com/office/drawing/2014/main" xmlns="" id="{B5E949CC-FE0D-4B97-851A-C3BA0539AD4B}"/>
               </a:ext>
             </a:extLst>
           </p:cNvPr>
@@ -2215,7 +2245,7 @@
     </p:spTree>
     <p:extLst>
       <p:ext uri="{BB962C8B-B14F-4D97-AF65-F5344CB8AC3E}">
-        <p14:creationId xmlns:p14="http://schemas.microsoft.com/office/powerpoint/2010/main" val="2258434566"/>
+        <p14:creationId xmlns:p14="http://schemas.microsoft.com/office/powerpoint/2010/main" xmlns="" val="2258434566"/>
       </p:ext>
     </p:extLst>
   </p:cSld>
@@ -2506,7 +2536,7 @@
     </p:spTree>
     <p:extLst>
       <p:ext uri="{BB962C8B-B14F-4D97-AF65-F5344CB8AC3E}">
-        <p14:creationId xmlns:p14="http://schemas.microsoft.com/office/powerpoint/2010/main" val="1331492475"/>
+        <p14:creationId xmlns:p14="http://schemas.microsoft.com/office/powerpoint/2010/main" xmlns="" val="1331492475"/>
       </p:ext>
     </p:extLst>
   </p:cSld>
@@ -2800,7 +2830,7 @@
     </p:spTree>
     <p:extLst>
       <p:ext uri="{BB962C8B-B14F-4D97-AF65-F5344CB8AC3E}">
-        <p14:creationId xmlns:p14="http://schemas.microsoft.com/office/powerpoint/2010/main" val="1421981978"/>
+        <p14:creationId xmlns:p14="http://schemas.microsoft.com/office/powerpoint/2010/main" xmlns="" val="1421981978"/>
       </p:ext>
     </p:extLst>
   </p:cSld>
@@ -3222,7 +3252,7 @@
     </p:spTree>
     <p:extLst>
       <p:ext uri="{BB962C8B-B14F-4D97-AF65-F5344CB8AC3E}">
-        <p14:creationId xmlns:p14="http://schemas.microsoft.com/office/powerpoint/2010/main" val="1136734274"/>
+        <p14:creationId xmlns:p14="http://schemas.microsoft.com/office/powerpoint/2010/main" xmlns="" val="1136734274"/>
       </p:ext>
     </p:extLst>
   </p:cSld>
@@ -3478,7 +3508,7 @@
     </p:spTree>
     <p:extLst>
       <p:ext uri="{BB962C8B-B14F-4D97-AF65-F5344CB8AC3E}">
-        <p14:creationId xmlns:p14="http://schemas.microsoft.com/office/powerpoint/2010/main" val="1394297174"/>
+        <p14:creationId xmlns:p14="http://schemas.microsoft.com/office/powerpoint/2010/main" xmlns="" val="1394297174"/>
       </p:ext>
     </p:extLst>
   </p:cSld>
@@ -3966,7 +3996,7 @@
     </p:spTree>
     <p:extLst>
       <p:ext uri="{BB962C8B-B14F-4D97-AF65-F5344CB8AC3E}">
-        <p14:creationId xmlns:p14="http://schemas.microsoft.com/office/powerpoint/2010/main" val="3285857529"/>
+        <p14:creationId xmlns:p14="http://schemas.microsoft.com/office/powerpoint/2010/main" xmlns="" val="3285857529"/>
       </p:ext>
     </p:extLst>
   </p:cSld>
@@ -4383,7 +4413,7 @@
     </p:spTree>
     <p:extLst>
       <p:ext uri="{BB962C8B-B14F-4D97-AF65-F5344CB8AC3E}">
-        <p14:creationId xmlns:p14="http://schemas.microsoft.com/office/powerpoint/2010/main" val="3718876851"/>
+        <p14:creationId xmlns:p14="http://schemas.microsoft.com/office/powerpoint/2010/main" xmlns="" val="3718876851"/>
       </p:ext>
     </p:extLst>
   </p:cSld>
@@ -4608,7 +4638,7 @@
     </p:spTree>
     <p:extLst>
       <p:ext uri="{BB962C8B-B14F-4D97-AF65-F5344CB8AC3E}">
-        <p14:creationId xmlns:p14="http://schemas.microsoft.com/office/powerpoint/2010/main" val="2659320743"/>
+        <p14:creationId xmlns:p14="http://schemas.microsoft.com/office/powerpoint/2010/main" xmlns="" val="2659320743"/>
       </p:ext>
     </p:extLst>
   </p:cSld>
@@ -4834,7 +4864,7 @@
     </p:spTree>
     <p:extLst>
       <p:ext uri="{BB962C8B-B14F-4D97-AF65-F5344CB8AC3E}">
-        <p14:creationId xmlns:p14="http://schemas.microsoft.com/office/powerpoint/2010/main" val="147917109"/>
+        <p14:creationId xmlns:p14="http://schemas.microsoft.com/office/powerpoint/2010/main" xmlns="" val="147917109"/>
       </p:ext>
     </p:extLst>
   </p:cSld>
@@ -5086,7 +5116,7 @@
     </p:spTree>
     <p:extLst>
       <p:ext uri="{BB962C8B-B14F-4D97-AF65-F5344CB8AC3E}">
-        <p14:creationId xmlns:p14="http://schemas.microsoft.com/office/powerpoint/2010/main" val="3826455407"/>
+        <p14:creationId xmlns:p14="http://schemas.microsoft.com/office/powerpoint/2010/main" xmlns="" val="3826455407"/>
       </p:ext>
     </p:extLst>
   </p:cSld>
@@ -5380,7 +5410,7 @@
     </p:spTree>
     <p:extLst>
       <p:ext uri="{BB962C8B-B14F-4D97-AF65-F5344CB8AC3E}">
-        <p14:creationId xmlns:p14="http://schemas.microsoft.com/office/powerpoint/2010/main" val="2586185681"/>
+        <p14:creationId xmlns:p14="http://schemas.microsoft.com/office/powerpoint/2010/main" xmlns="" val="2586185681"/>
       </p:ext>
     </p:extLst>
   </p:cSld>
@@ -5662,7 +5692,7 @@
     </p:spTree>
     <p:extLst>
       <p:ext uri="{BB962C8B-B14F-4D97-AF65-F5344CB8AC3E}">
-        <p14:creationId xmlns:p14="http://schemas.microsoft.com/office/powerpoint/2010/main" val="1058159224"/>
+        <p14:creationId xmlns:p14="http://schemas.microsoft.com/office/powerpoint/2010/main" xmlns="" val="1058159224"/>
       </p:ext>
     </p:extLst>
   </p:cSld>
@@ -6090,7 +6120,7 @@
     </p:spTree>
     <p:extLst>
       <p:ext uri="{BB962C8B-B14F-4D97-AF65-F5344CB8AC3E}">
-        <p14:creationId xmlns:p14="http://schemas.microsoft.com/office/powerpoint/2010/main" val="1423411568"/>
+        <p14:creationId xmlns:p14="http://schemas.microsoft.com/office/powerpoint/2010/main" xmlns="" val="1423411568"/>
       </p:ext>
     </p:extLst>
   </p:cSld>
@@ -6259,7 +6289,7 @@
     </p:spTree>
     <p:extLst>
       <p:ext uri="{BB962C8B-B14F-4D97-AF65-F5344CB8AC3E}">
-        <p14:creationId xmlns:p14="http://schemas.microsoft.com/office/powerpoint/2010/main" val="3810933642"/>
+        <p14:creationId xmlns:p14="http://schemas.microsoft.com/office/powerpoint/2010/main" xmlns="" val="3810933642"/>
       </p:ext>
     </p:extLst>
   </p:cSld>
@@ -6362,7 +6392,7 @@
     </p:spTree>
     <p:extLst>
       <p:ext uri="{BB962C8B-B14F-4D97-AF65-F5344CB8AC3E}">
-        <p14:creationId xmlns:p14="http://schemas.microsoft.com/office/powerpoint/2010/main" val="1098627881"/>
+        <p14:creationId xmlns:p14="http://schemas.microsoft.com/office/powerpoint/2010/main" xmlns="" val="1098627881"/>
       </p:ext>
     </p:extLst>
   </p:cSld>
@@ -6663,7 +6693,7 @@
     </p:spTree>
     <p:extLst>
       <p:ext uri="{BB962C8B-B14F-4D97-AF65-F5344CB8AC3E}">
-        <p14:creationId xmlns:p14="http://schemas.microsoft.com/office/powerpoint/2010/main" val="574232306"/>
+        <p14:creationId xmlns:p14="http://schemas.microsoft.com/office/powerpoint/2010/main" xmlns="" val="574232306"/>
       </p:ext>
     </p:extLst>
   </p:cSld>
@@ -6954,7 +6984,7 @@
     </p:spTree>
     <p:extLst>
       <p:ext uri="{BB962C8B-B14F-4D97-AF65-F5344CB8AC3E}">
-        <p14:creationId xmlns:p14="http://schemas.microsoft.com/office/powerpoint/2010/main" val="235981701"/>
+        <p14:creationId xmlns:p14="http://schemas.microsoft.com/office/powerpoint/2010/main" xmlns="" val="235981701"/>
       </p:ext>
     </p:extLst>
   </p:cSld>
@@ -6998,7 +7028,7 @@
           <a:blip r:embed="rId19">
             <a:extLst>
               <a:ext uri="{28A0092B-C50C-407E-A947-70E740481C1C}">
-                <a14:useLocalDpi xmlns:a14="http://schemas.microsoft.com/office/drawing/2010/main" val="0"/>
+                <a14:useLocalDpi xmlns:a14="http://schemas.microsoft.com/office/drawing/2010/main" xmlns="" val="0"/>
               </a:ext>
             </a:extLst>
           </a:blip>
@@ -7210,7 +7240,7 @@
           <p:cNvPr id="9" name="文本框 8">
             <a:extLst>
               <a:ext uri="{FF2B5EF4-FFF2-40B4-BE49-F238E27FC236}">
-                <a16:creationId xmlns:a16="http://schemas.microsoft.com/office/drawing/2014/main" id="{460F87A3-8EE9-4CB6-9675-D9C8C92A476E}"/>
+                <a16:creationId xmlns:a16="http://schemas.microsoft.com/office/drawing/2014/main" xmlns="" id="{460F87A3-8EE9-4CB6-9675-D9C8C92A476E}"/>
               </a:ext>
             </a:extLst>
           </p:cNvPr>
@@ -7292,7 +7322,7 @@
           <p:cNvPr id="10" name="文本框 9">
             <a:extLst>
               <a:ext uri="{FF2B5EF4-FFF2-40B4-BE49-F238E27FC236}">
-                <a16:creationId xmlns:a16="http://schemas.microsoft.com/office/drawing/2014/main" id="{E7DEECE9-BE5D-4DCC-B57F-C5D78934A408}"/>
+                <a16:creationId xmlns:a16="http://schemas.microsoft.com/office/drawing/2014/main" xmlns="" id="{E7DEECE9-BE5D-4DCC-B57F-C5D78934A408}"/>
               </a:ext>
             </a:extLst>
           </p:cNvPr>
@@ -7340,7 +7370,7 @@
           <p:cNvPr id="11" name="文本框 10">
             <a:extLst>
               <a:ext uri="{FF2B5EF4-FFF2-40B4-BE49-F238E27FC236}">
-                <a16:creationId xmlns:a16="http://schemas.microsoft.com/office/drawing/2014/main" id="{4D6B43E9-63FC-453D-BA3D-74B74D33273A}"/>
+                <a16:creationId xmlns:a16="http://schemas.microsoft.com/office/drawing/2014/main" xmlns="" id="{4D6B43E9-63FC-453D-BA3D-74B74D33273A}"/>
               </a:ext>
             </a:extLst>
           </p:cNvPr>
@@ -7451,7 +7481,7 @@
     </p:spTree>
     <p:extLst>
       <p:ext uri="{BB962C8B-B14F-4D97-AF65-F5344CB8AC3E}">
-        <p14:creationId xmlns:p14="http://schemas.microsoft.com/office/powerpoint/2010/main" val="1217037949"/>
+        <p14:creationId xmlns:p14="http://schemas.microsoft.com/office/powerpoint/2010/main" xmlns="" val="1217037949"/>
       </p:ext>
     </p:extLst>
   </p:cSld>
@@ -7889,7 +7919,7 @@
   </p:txStyles>
   <p:extLst mod="1">
     <p:ext uri="{27BBF7A9-308A-43DC-89C8-2F10F3537804}">
-      <p15:sldGuideLst xmlns:p15="http://schemas.microsoft.com/office/powerpoint/2012/main"/>
+      <p15:sldGuideLst xmlns:p15="http://schemas.microsoft.com/office/powerpoint/2012/main" xmlns=""/>
     </p:ext>
   </p:extLst>
 </p:sldMaster>
@@ -7917,7 +7947,7 @@
           <p:cNvPr id="3074" name="Rectangle 2">
             <a:extLst>
               <a:ext uri="{FF2B5EF4-FFF2-40B4-BE49-F238E27FC236}">
-                <a16:creationId xmlns:a16="http://schemas.microsoft.com/office/drawing/2014/main" id="{FF691BAA-A050-45B4-962D-C09E49383AF1}"/>
+                <a16:creationId xmlns:a16="http://schemas.microsoft.com/office/drawing/2014/main" xmlns="" id="{FF691BAA-A050-45B4-962D-C09E49383AF1}"/>
               </a:ext>
             </a:extLst>
           </p:cNvPr>
@@ -7984,7 +8014,7 @@
           <p:cNvPr id="12291" name="Rectangle 6">
             <a:extLst>
               <a:ext uri="{FF2B5EF4-FFF2-40B4-BE49-F238E27FC236}">
-                <a16:creationId xmlns:a16="http://schemas.microsoft.com/office/drawing/2014/main" id="{A2E4E593-2426-4611-A2E3-25AAB7BDF8A2}"/>
+                <a16:creationId xmlns:a16="http://schemas.microsoft.com/office/drawing/2014/main" xmlns="" id="{A2E4E593-2426-4611-A2E3-25AAB7BDF8A2}"/>
               </a:ext>
             </a:extLst>
           </p:cNvPr>
@@ -8013,6 +8043,12 @@
               </a:rPr>
               <a:t>根据系统的复杂程度</a:t>
             </a:r>
+            <a:r>
+              <a:rPr lang="en-US" altLang="zh-CN" dirty="0">
+                <a:latin typeface="Univers (WN)" charset="0"/>
+              </a:rPr>
+              <a:t/>
+            </a:r>
             <a:br>
               <a:rPr lang="en-US" altLang="zh-CN" dirty="0">
                 <a:latin typeface="Univers (WN)" charset="0"/>
@@ -8032,7 +8068,7 @@
           <p:cNvPr id="12292" name="Group 41">
             <a:extLst>
               <a:ext uri="{FF2B5EF4-FFF2-40B4-BE49-F238E27FC236}">
-                <a16:creationId xmlns:a16="http://schemas.microsoft.com/office/drawing/2014/main" id="{19C02D14-5507-49E3-88E6-E818E5F24EAB}"/>
+                <a16:creationId xmlns:a16="http://schemas.microsoft.com/office/drawing/2014/main" xmlns="" id="{19C02D14-5507-49E3-88E6-E818E5F24EAB}"/>
               </a:ext>
             </a:extLst>
           </p:cNvPr>
@@ -8054,7 +8090,7 @@
             <p:cNvPr id="12293" name="Line 19">
               <a:extLst>
                 <a:ext uri="{FF2B5EF4-FFF2-40B4-BE49-F238E27FC236}">
-                  <a16:creationId xmlns:a16="http://schemas.microsoft.com/office/drawing/2014/main" id="{5A4BD47E-AE32-4628-B547-B9E489C76D27}"/>
+                  <a16:creationId xmlns:a16="http://schemas.microsoft.com/office/drawing/2014/main" xmlns="" id="{5A4BD47E-AE32-4628-B547-B9E489C76D27}"/>
                 </a:ext>
               </a:extLst>
             </p:cNvPr>
@@ -8083,12 +8119,12 @@
             <a:effectLst/>
             <a:extLst>
               <a:ext uri="{909E8E84-426E-40DD-AFC4-6F175D3DCCD1}">
-                <a14:hiddenFill xmlns:a14="http://schemas.microsoft.com/office/drawing/2010/main">
+                <a14:hiddenFill xmlns:a14="http://schemas.microsoft.com/office/drawing/2010/main" xmlns="">
                   <a:noFill/>
                 </a14:hiddenFill>
               </a:ext>
               <a:ext uri="{AF507438-7753-43E0-B8FC-AC1667EBCBE1}">
-                <a14:hiddenEffects xmlns:a14="http://schemas.microsoft.com/office/drawing/2010/main">
+                <a14:hiddenEffects xmlns:a14="http://schemas.microsoft.com/office/drawing/2010/main" xmlns="">
                   <a:effectLst>
                     <a:outerShdw dist="35921" dir="2700000" algn="ctr" rotWithShape="0">
                       <a:srgbClr val="808080"/>
@@ -8111,7 +8147,7 @@
             <p:cNvPr id="12294" name="Line 20">
               <a:extLst>
                 <a:ext uri="{FF2B5EF4-FFF2-40B4-BE49-F238E27FC236}">
-                  <a16:creationId xmlns:a16="http://schemas.microsoft.com/office/drawing/2014/main" id="{1412BCF7-3672-496E-AEDC-B7B4B7A53FBC}"/>
+                  <a16:creationId xmlns:a16="http://schemas.microsoft.com/office/drawing/2014/main" xmlns="" id="{1412BCF7-3672-496E-AEDC-B7B4B7A53FBC}"/>
                 </a:ext>
               </a:extLst>
             </p:cNvPr>
@@ -8140,12 +8176,12 @@
             <a:effectLst/>
             <a:extLst>
               <a:ext uri="{909E8E84-426E-40DD-AFC4-6F175D3DCCD1}">
-                <a14:hiddenFill xmlns:a14="http://schemas.microsoft.com/office/drawing/2010/main">
+                <a14:hiddenFill xmlns:a14="http://schemas.microsoft.com/office/drawing/2010/main" xmlns="">
                   <a:noFill/>
                 </a14:hiddenFill>
               </a:ext>
               <a:ext uri="{AF507438-7753-43E0-B8FC-AC1667EBCBE1}">
-                <a14:hiddenEffects xmlns:a14="http://schemas.microsoft.com/office/drawing/2010/main">
+                <a14:hiddenEffects xmlns:a14="http://schemas.microsoft.com/office/drawing/2010/main" xmlns="">
                   <a:effectLst>
                     <a:outerShdw dist="35921" dir="2700000" algn="ctr" rotWithShape="0">
                       <a:srgbClr val="808080"/>
@@ -8168,7 +8204,7 @@
             <p:cNvPr id="12295" name="Line 21">
               <a:extLst>
                 <a:ext uri="{FF2B5EF4-FFF2-40B4-BE49-F238E27FC236}">
-                  <a16:creationId xmlns:a16="http://schemas.microsoft.com/office/drawing/2014/main" id="{0EB23AAE-25E5-45CD-9D0A-E0235D497567}"/>
+                  <a16:creationId xmlns:a16="http://schemas.microsoft.com/office/drawing/2014/main" xmlns="" id="{0EB23AAE-25E5-45CD-9D0A-E0235D497567}"/>
                 </a:ext>
               </a:extLst>
             </p:cNvPr>
@@ -8197,12 +8233,12 @@
             <a:effectLst/>
             <a:extLst>
               <a:ext uri="{909E8E84-426E-40DD-AFC4-6F175D3DCCD1}">
-                <a14:hiddenFill xmlns:a14="http://schemas.microsoft.com/office/drawing/2010/main">
+                <a14:hiddenFill xmlns:a14="http://schemas.microsoft.com/office/drawing/2010/main" xmlns="">
                   <a:noFill/>
                 </a14:hiddenFill>
               </a:ext>
               <a:ext uri="{AF507438-7753-43E0-B8FC-AC1667EBCBE1}">
-                <a14:hiddenEffects xmlns:a14="http://schemas.microsoft.com/office/drawing/2010/main">
+                <a14:hiddenEffects xmlns:a14="http://schemas.microsoft.com/office/drawing/2010/main" xmlns="">
                   <a:effectLst>
                     <a:outerShdw dist="35921" dir="2700000" algn="ctr" rotWithShape="0">
                       <a:srgbClr val="808080"/>
@@ -8225,7 +8261,7 @@
             <p:cNvPr id="12296" name="Line 22">
               <a:extLst>
                 <a:ext uri="{FF2B5EF4-FFF2-40B4-BE49-F238E27FC236}">
-                  <a16:creationId xmlns:a16="http://schemas.microsoft.com/office/drawing/2014/main" id="{CF59A805-E886-4198-B803-8D6E4CCB4C3C}"/>
+                  <a16:creationId xmlns:a16="http://schemas.microsoft.com/office/drawing/2014/main" xmlns="" id="{CF59A805-E886-4198-B803-8D6E4CCB4C3C}"/>
                 </a:ext>
               </a:extLst>
             </p:cNvPr>
@@ -8254,12 +8290,12 @@
             <a:effectLst/>
             <a:extLst>
               <a:ext uri="{909E8E84-426E-40DD-AFC4-6F175D3DCCD1}">
-                <a14:hiddenFill xmlns:a14="http://schemas.microsoft.com/office/drawing/2010/main">
+                <a14:hiddenFill xmlns:a14="http://schemas.microsoft.com/office/drawing/2010/main" xmlns="">
                   <a:noFill/>
                 </a14:hiddenFill>
               </a:ext>
               <a:ext uri="{AF507438-7753-43E0-B8FC-AC1667EBCBE1}">
-                <a14:hiddenEffects xmlns:a14="http://schemas.microsoft.com/office/drawing/2010/main">
+                <a14:hiddenEffects xmlns:a14="http://schemas.microsoft.com/office/drawing/2010/main" xmlns="">
                   <a:effectLst>
                     <a:outerShdw dist="35921" dir="2700000" algn="ctr" rotWithShape="0">
                       <a:srgbClr val="808080"/>
@@ -8282,7 +8318,7 @@
             <p:cNvPr id="12297" name="Rectangle 23">
               <a:extLst>
                 <a:ext uri="{FF2B5EF4-FFF2-40B4-BE49-F238E27FC236}">
-                  <a16:creationId xmlns:a16="http://schemas.microsoft.com/office/drawing/2014/main" id="{DB55BA83-8F9C-4E87-AA4F-6C8A58B7A33D}"/>
+                  <a16:creationId xmlns:a16="http://schemas.microsoft.com/office/drawing/2014/main" xmlns="" id="{DB55BA83-8F9C-4E87-AA4F-6C8A58B7A33D}"/>
                 </a:ext>
               </a:extLst>
             </p:cNvPr>
@@ -8311,14 +8347,14 @@
             <a:effectLst/>
             <a:extLst>
               <a:ext uri="{909E8E84-426E-40DD-AFC4-6F175D3DCCD1}">
-                <a14:hiddenFill xmlns:a14="http://schemas.microsoft.com/office/drawing/2010/main">
+                <a14:hiddenFill xmlns:a14="http://schemas.microsoft.com/office/drawing/2010/main" xmlns="">
                   <a:solidFill>
                     <a:srgbClr val="FFFFFF"/>
                   </a:solidFill>
                 </a14:hiddenFill>
               </a:ext>
               <a:ext uri="{AF507438-7753-43E0-B8FC-AC1667EBCBE1}">
-                <a14:hiddenEffects xmlns:a14="http://schemas.microsoft.com/office/drawing/2010/main">
+                <a14:hiddenEffects xmlns:a14="http://schemas.microsoft.com/office/drawing/2010/main" xmlns="">
                   <a:effectLst>
                     <a:outerShdw dist="35921" dir="2700000" algn="ctr" rotWithShape="0">
                       <a:srgbClr val="808080"/>
@@ -8486,7 +8522,7 @@
             <p:cNvPr id="12298" name="Rectangle 24">
               <a:extLst>
                 <a:ext uri="{FF2B5EF4-FFF2-40B4-BE49-F238E27FC236}">
-                  <a16:creationId xmlns:a16="http://schemas.microsoft.com/office/drawing/2014/main" id="{CD88D623-FC4C-4FA1-B0DF-F5AF0E3AA9CD}"/>
+                  <a16:creationId xmlns:a16="http://schemas.microsoft.com/office/drawing/2014/main" xmlns="" id="{CD88D623-FC4C-4FA1-B0DF-F5AF0E3AA9CD}"/>
                 </a:ext>
               </a:extLst>
             </p:cNvPr>
@@ -8515,14 +8551,14 @@
             <a:effectLst/>
             <a:extLst>
               <a:ext uri="{909E8E84-426E-40DD-AFC4-6F175D3DCCD1}">
-                <a14:hiddenFill xmlns:a14="http://schemas.microsoft.com/office/drawing/2010/main">
+                <a14:hiddenFill xmlns:a14="http://schemas.microsoft.com/office/drawing/2010/main" xmlns="">
                   <a:solidFill>
                     <a:srgbClr val="FFFFFF"/>
                   </a:solidFill>
                 </a14:hiddenFill>
               </a:ext>
               <a:ext uri="{AF507438-7753-43E0-B8FC-AC1667EBCBE1}">
-                <a14:hiddenEffects xmlns:a14="http://schemas.microsoft.com/office/drawing/2010/main">
+                <a14:hiddenEffects xmlns:a14="http://schemas.microsoft.com/office/drawing/2010/main" xmlns="">
                   <a:effectLst>
                     <a:outerShdw dist="35921" dir="2700000" algn="ctr" rotWithShape="0">
                       <a:srgbClr val="808080"/>
@@ -8690,7 +8726,7 @@
             <p:cNvPr id="12299" name="Rectangle 25">
               <a:extLst>
                 <a:ext uri="{FF2B5EF4-FFF2-40B4-BE49-F238E27FC236}">
-                  <a16:creationId xmlns:a16="http://schemas.microsoft.com/office/drawing/2014/main" id="{7C1D1310-555A-42D7-9884-5F4388D5CCB5}"/>
+                  <a16:creationId xmlns:a16="http://schemas.microsoft.com/office/drawing/2014/main" xmlns="" id="{7C1D1310-555A-42D7-9884-5F4388D5CCB5}"/>
                 </a:ext>
               </a:extLst>
             </p:cNvPr>
@@ -8719,14 +8755,14 @@
             <a:effectLst/>
             <a:extLst>
               <a:ext uri="{909E8E84-426E-40DD-AFC4-6F175D3DCCD1}">
-                <a14:hiddenFill xmlns:a14="http://schemas.microsoft.com/office/drawing/2010/main">
+                <a14:hiddenFill xmlns:a14="http://schemas.microsoft.com/office/drawing/2010/main" xmlns="">
                   <a:solidFill>
                     <a:srgbClr val="FFFFFF"/>
                   </a:solidFill>
                 </a14:hiddenFill>
               </a:ext>
               <a:ext uri="{AF507438-7753-43E0-B8FC-AC1667EBCBE1}">
-                <a14:hiddenEffects xmlns:a14="http://schemas.microsoft.com/office/drawing/2010/main">
+                <a14:hiddenEffects xmlns:a14="http://schemas.microsoft.com/office/drawing/2010/main" xmlns="">
                   <a:effectLst>
                     <a:outerShdw dist="35921" dir="2700000" algn="ctr" rotWithShape="0">
                       <a:srgbClr val="808080"/>
@@ -8909,7 +8945,7 @@
             <p:cNvPr id="12300" name="Line 26">
               <a:extLst>
                 <a:ext uri="{FF2B5EF4-FFF2-40B4-BE49-F238E27FC236}">
-                  <a16:creationId xmlns:a16="http://schemas.microsoft.com/office/drawing/2014/main" id="{57C5FB1D-BBFE-40F5-A021-FE58CD9AC04E}"/>
+                  <a16:creationId xmlns:a16="http://schemas.microsoft.com/office/drawing/2014/main" xmlns="" id="{57C5FB1D-BBFE-40F5-A021-FE58CD9AC04E}"/>
                 </a:ext>
               </a:extLst>
             </p:cNvPr>
@@ -8938,12 +8974,12 @@
             <a:effectLst/>
             <a:extLst>
               <a:ext uri="{909E8E84-426E-40DD-AFC4-6F175D3DCCD1}">
-                <a14:hiddenFill xmlns:a14="http://schemas.microsoft.com/office/drawing/2010/main">
+                <a14:hiddenFill xmlns:a14="http://schemas.microsoft.com/office/drawing/2010/main" xmlns="">
                   <a:noFill/>
                 </a14:hiddenFill>
               </a:ext>
               <a:ext uri="{AF507438-7753-43E0-B8FC-AC1667EBCBE1}">
-                <a14:hiddenEffects xmlns:a14="http://schemas.microsoft.com/office/drawing/2010/main">
+                <a14:hiddenEffects xmlns:a14="http://schemas.microsoft.com/office/drawing/2010/main" xmlns="">
                   <a:effectLst>
                     <a:outerShdw dist="35921" dir="2700000" algn="ctr" rotWithShape="0">
                       <a:srgbClr val="808080"/>
@@ -8966,7 +9002,7 @@
             <p:cNvPr id="12301" name="Line 27">
               <a:extLst>
                 <a:ext uri="{FF2B5EF4-FFF2-40B4-BE49-F238E27FC236}">
-                  <a16:creationId xmlns:a16="http://schemas.microsoft.com/office/drawing/2014/main" id="{DD4197F0-329E-4614-B4CE-C1E1686A2CFA}"/>
+                  <a16:creationId xmlns:a16="http://schemas.microsoft.com/office/drawing/2014/main" xmlns="" id="{DD4197F0-329E-4614-B4CE-C1E1686A2CFA}"/>
                 </a:ext>
               </a:extLst>
             </p:cNvPr>
@@ -8995,12 +9031,12 @@
             <a:effectLst/>
             <a:extLst>
               <a:ext uri="{909E8E84-426E-40DD-AFC4-6F175D3DCCD1}">
-                <a14:hiddenFill xmlns:a14="http://schemas.microsoft.com/office/drawing/2010/main">
+                <a14:hiddenFill xmlns:a14="http://schemas.microsoft.com/office/drawing/2010/main" xmlns="">
                   <a:noFill/>
                 </a14:hiddenFill>
               </a:ext>
               <a:ext uri="{AF507438-7753-43E0-B8FC-AC1667EBCBE1}">
-                <a14:hiddenEffects xmlns:a14="http://schemas.microsoft.com/office/drawing/2010/main">
+                <a14:hiddenEffects xmlns:a14="http://schemas.microsoft.com/office/drawing/2010/main" xmlns="">
                   <a:effectLst>
                     <a:outerShdw dist="35921" dir="2700000" algn="ctr" rotWithShape="0">
                       <a:srgbClr val="808080"/>
@@ -9023,7 +9059,7 @@
             <p:cNvPr id="12302" name="Line 28">
               <a:extLst>
                 <a:ext uri="{FF2B5EF4-FFF2-40B4-BE49-F238E27FC236}">
-                  <a16:creationId xmlns:a16="http://schemas.microsoft.com/office/drawing/2014/main" id="{BBCA47D6-2B47-40B0-A666-B3AF77A78703}"/>
+                  <a16:creationId xmlns:a16="http://schemas.microsoft.com/office/drawing/2014/main" xmlns="" id="{BBCA47D6-2B47-40B0-A666-B3AF77A78703}"/>
                 </a:ext>
               </a:extLst>
             </p:cNvPr>
@@ -9052,12 +9088,12 @@
             <a:effectLst/>
             <a:extLst>
               <a:ext uri="{909E8E84-426E-40DD-AFC4-6F175D3DCCD1}">
-                <a14:hiddenFill xmlns:a14="http://schemas.microsoft.com/office/drawing/2010/main">
+                <a14:hiddenFill xmlns:a14="http://schemas.microsoft.com/office/drawing/2010/main" xmlns="">
                   <a:noFill/>
                 </a14:hiddenFill>
               </a:ext>
               <a:ext uri="{AF507438-7753-43E0-B8FC-AC1667EBCBE1}">
-                <a14:hiddenEffects xmlns:a14="http://schemas.microsoft.com/office/drawing/2010/main">
+                <a14:hiddenEffects xmlns:a14="http://schemas.microsoft.com/office/drawing/2010/main" xmlns="">
                   <a:effectLst>
                     <a:outerShdw dist="35921" dir="2700000" algn="ctr" rotWithShape="0">
                       <a:srgbClr val="808080"/>
@@ -9080,7 +9116,7 @@
             <p:cNvPr id="12303" name="Line 29">
               <a:extLst>
                 <a:ext uri="{FF2B5EF4-FFF2-40B4-BE49-F238E27FC236}">
-                  <a16:creationId xmlns:a16="http://schemas.microsoft.com/office/drawing/2014/main" id="{7EA959E3-04A3-4071-A46B-A89308085B17}"/>
+                  <a16:creationId xmlns:a16="http://schemas.microsoft.com/office/drawing/2014/main" xmlns="" id="{7EA959E3-04A3-4071-A46B-A89308085B17}"/>
                 </a:ext>
               </a:extLst>
             </p:cNvPr>
@@ -9109,12 +9145,12 @@
             <a:effectLst/>
             <a:extLst>
               <a:ext uri="{909E8E84-426E-40DD-AFC4-6F175D3DCCD1}">
-                <a14:hiddenFill xmlns:a14="http://schemas.microsoft.com/office/drawing/2010/main">
+                <a14:hiddenFill xmlns:a14="http://schemas.microsoft.com/office/drawing/2010/main" xmlns="">
                   <a:noFill/>
                 </a14:hiddenFill>
               </a:ext>
               <a:ext uri="{AF507438-7753-43E0-B8FC-AC1667EBCBE1}">
-                <a14:hiddenEffects xmlns:a14="http://schemas.microsoft.com/office/drawing/2010/main">
+                <a14:hiddenEffects xmlns:a14="http://schemas.microsoft.com/office/drawing/2010/main" xmlns="">
                   <a:effectLst>
                     <a:outerShdw dist="35921" dir="2700000" algn="ctr" rotWithShape="0">
                       <a:srgbClr val="808080"/>
@@ -9137,7 +9173,7 @@
             <p:cNvPr id="12304" name="Line 30">
               <a:extLst>
                 <a:ext uri="{FF2B5EF4-FFF2-40B4-BE49-F238E27FC236}">
-                  <a16:creationId xmlns:a16="http://schemas.microsoft.com/office/drawing/2014/main" id="{FCC75155-A96E-48EE-91BF-4B0F7D88ACC9}"/>
+                  <a16:creationId xmlns:a16="http://schemas.microsoft.com/office/drawing/2014/main" xmlns="" id="{FCC75155-A96E-48EE-91BF-4B0F7D88ACC9}"/>
                 </a:ext>
               </a:extLst>
             </p:cNvPr>
@@ -9166,12 +9202,12 @@
             <a:effectLst/>
             <a:extLst>
               <a:ext uri="{909E8E84-426E-40DD-AFC4-6F175D3DCCD1}">
-                <a14:hiddenFill xmlns:a14="http://schemas.microsoft.com/office/drawing/2010/main">
+                <a14:hiddenFill xmlns:a14="http://schemas.microsoft.com/office/drawing/2010/main" xmlns="">
                   <a:noFill/>
                 </a14:hiddenFill>
               </a:ext>
               <a:ext uri="{AF507438-7753-43E0-B8FC-AC1667EBCBE1}">
-                <a14:hiddenEffects xmlns:a14="http://schemas.microsoft.com/office/drawing/2010/main">
+                <a14:hiddenEffects xmlns:a14="http://schemas.microsoft.com/office/drawing/2010/main" xmlns="">
                   <a:effectLst>
                     <a:outerShdw dist="35921" dir="2700000" algn="ctr" rotWithShape="0">
                       <a:srgbClr val="808080"/>
@@ -9194,7 +9230,7 @@
             <p:cNvPr id="12305" name="Line 31">
               <a:extLst>
                 <a:ext uri="{FF2B5EF4-FFF2-40B4-BE49-F238E27FC236}">
-                  <a16:creationId xmlns:a16="http://schemas.microsoft.com/office/drawing/2014/main" id="{3E553C54-B9C3-44A2-9192-66EB3066FE20}"/>
+                  <a16:creationId xmlns:a16="http://schemas.microsoft.com/office/drawing/2014/main" xmlns="" id="{3E553C54-B9C3-44A2-9192-66EB3066FE20}"/>
                 </a:ext>
               </a:extLst>
             </p:cNvPr>
@@ -9223,12 +9259,12 @@
             <a:effectLst/>
             <a:extLst>
               <a:ext uri="{909E8E84-426E-40DD-AFC4-6F175D3DCCD1}">
-                <a14:hiddenFill xmlns:a14="http://schemas.microsoft.com/office/drawing/2010/main">
+                <a14:hiddenFill xmlns:a14="http://schemas.microsoft.com/office/drawing/2010/main" xmlns="">
                   <a:noFill/>
                 </a14:hiddenFill>
               </a:ext>
               <a:ext uri="{AF507438-7753-43E0-B8FC-AC1667EBCBE1}">
-                <a14:hiddenEffects xmlns:a14="http://schemas.microsoft.com/office/drawing/2010/main">
+                <a14:hiddenEffects xmlns:a14="http://schemas.microsoft.com/office/drawing/2010/main" xmlns="">
                   <a:effectLst>
                     <a:outerShdw dist="35921" dir="2700000" algn="ctr" rotWithShape="0">
                       <a:srgbClr val="808080"/>
@@ -9251,7 +9287,7 @@
             <p:cNvPr id="12306" name="Group 40">
               <a:extLst>
                 <a:ext uri="{FF2B5EF4-FFF2-40B4-BE49-F238E27FC236}">
-                  <a16:creationId xmlns:a16="http://schemas.microsoft.com/office/drawing/2014/main" id="{F858665A-5CFC-4DE4-81C4-A2BD2AF97AF7}"/>
+                  <a16:creationId xmlns:a16="http://schemas.microsoft.com/office/drawing/2014/main" xmlns="" id="{F858665A-5CFC-4DE4-81C4-A2BD2AF97AF7}"/>
                 </a:ext>
               </a:extLst>
             </p:cNvPr>
@@ -9273,7 +9309,7 @@
               <p:cNvPr id="12307" name="Line 7">
                 <a:extLst>
                   <a:ext uri="{FF2B5EF4-FFF2-40B4-BE49-F238E27FC236}">
-                    <a16:creationId xmlns:a16="http://schemas.microsoft.com/office/drawing/2014/main" id="{8BAB2D6A-7229-45FA-BC53-B86B95F6036F}"/>
+                    <a16:creationId xmlns:a16="http://schemas.microsoft.com/office/drawing/2014/main" xmlns="" id="{8BAB2D6A-7229-45FA-BC53-B86B95F6036F}"/>
                   </a:ext>
                 </a:extLst>
               </p:cNvPr>
@@ -9302,12 +9338,12 @@
               <a:effectLst/>
               <a:extLst>
                 <a:ext uri="{909E8E84-426E-40DD-AFC4-6F175D3DCCD1}">
-                  <a14:hiddenFill xmlns:a14="http://schemas.microsoft.com/office/drawing/2010/main">
+                  <a14:hiddenFill xmlns:a14="http://schemas.microsoft.com/office/drawing/2010/main" xmlns="">
                     <a:noFill/>
                   </a14:hiddenFill>
                 </a:ext>
                 <a:ext uri="{AF507438-7753-43E0-B8FC-AC1667EBCBE1}">
-                  <a14:hiddenEffects xmlns:a14="http://schemas.microsoft.com/office/drawing/2010/main">
+                  <a14:hiddenEffects xmlns:a14="http://schemas.microsoft.com/office/drawing/2010/main" xmlns="">
                     <a:effectLst>
                       <a:outerShdw dist="35921" dir="2700000" algn="ctr" rotWithShape="0">
                         <a:srgbClr val="808080"/>
@@ -9330,7 +9366,7 @@
               <p:cNvPr id="12308" name="Line 8">
                 <a:extLst>
                   <a:ext uri="{FF2B5EF4-FFF2-40B4-BE49-F238E27FC236}">
-                    <a16:creationId xmlns:a16="http://schemas.microsoft.com/office/drawing/2014/main" id="{1D15065C-A26B-457A-A469-F7CFDB046C51}"/>
+                    <a16:creationId xmlns:a16="http://schemas.microsoft.com/office/drawing/2014/main" xmlns="" id="{1D15065C-A26B-457A-A469-F7CFDB046C51}"/>
                   </a:ext>
                 </a:extLst>
               </p:cNvPr>
@@ -9359,12 +9395,12 @@
               <a:effectLst/>
               <a:extLst>
                 <a:ext uri="{909E8E84-426E-40DD-AFC4-6F175D3DCCD1}">
-                  <a14:hiddenFill xmlns:a14="http://schemas.microsoft.com/office/drawing/2010/main">
+                  <a14:hiddenFill xmlns:a14="http://schemas.microsoft.com/office/drawing/2010/main" xmlns="">
                     <a:noFill/>
                   </a14:hiddenFill>
                 </a:ext>
                 <a:ext uri="{AF507438-7753-43E0-B8FC-AC1667EBCBE1}">
-                  <a14:hiddenEffects xmlns:a14="http://schemas.microsoft.com/office/drawing/2010/main">
+                  <a14:hiddenEffects xmlns:a14="http://schemas.microsoft.com/office/drawing/2010/main" xmlns="">
                     <a:effectLst>
                       <a:outerShdw dist="35921" dir="2700000" algn="ctr" rotWithShape="0">
                         <a:srgbClr val="808080"/>
@@ -9387,7 +9423,7 @@
               <p:cNvPr id="12309" name="Line 9">
                 <a:extLst>
                   <a:ext uri="{FF2B5EF4-FFF2-40B4-BE49-F238E27FC236}">
-                    <a16:creationId xmlns:a16="http://schemas.microsoft.com/office/drawing/2014/main" id="{A94C0D11-398D-4380-B4FB-2A9619A00BD6}"/>
+                    <a16:creationId xmlns:a16="http://schemas.microsoft.com/office/drawing/2014/main" xmlns="" id="{A94C0D11-398D-4380-B4FB-2A9619A00BD6}"/>
                   </a:ext>
                 </a:extLst>
               </p:cNvPr>
@@ -9416,12 +9452,12 @@
               <a:effectLst/>
               <a:extLst>
                 <a:ext uri="{909E8E84-426E-40DD-AFC4-6F175D3DCCD1}">
-                  <a14:hiddenFill xmlns:a14="http://schemas.microsoft.com/office/drawing/2010/main">
+                  <a14:hiddenFill xmlns:a14="http://schemas.microsoft.com/office/drawing/2010/main" xmlns="">
                     <a:noFill/>
                   </a14:hiddenFill>
                 </a:ext>
                 <a:ext uri="{AF507438-7753-43E0-B8FC-AC1667EBCBE1}">
-                  <a14:hiddenEffects xmlns:a14="http://schemas.microsoft.com/office/drawing/2010/main">
+                  <a14:hiddenEffects xmlns:a14="http://schemas.microsoft.com/office/drawing/2010/main" xmlns="">
                     <a:effectLst>
                       <a:outerShdw dist="35921" dir="2700000" algn="ctr" rotWithShape="0">
                         <a:srgbClr val="808080"/>
@@ -9444,7 +9480,7 @@
               <p:cNvPr id="12310" name="Rectangle 10">
                 <a:extLst>
                   <a:ext uri="{FF2B5EF4-FFF2-40B4-BE49-F238E27FC236}">
-                    <a16:creationId xmlns:a16="http://schemas.microsoft.com/office/drawing/2014/main" id="{6F6BB26D-A60A-488B-A438-9234684279B2}"/>
+                    <a16:creationId xmlns:a16="http://schemas.microsoft.com/office/drawing/2014/main" xmlns="" id="{6F6BB26D-A60A-488B-A438-9234684279B2}"/>
                   </a:ext>
                 </a:extLst>
               </p:cNvPr>
@@ -9473,14 +9509,14 @@
               <a:effectLst/>
               <a:extLst>
                 <a:ext uri="{909E8E84-426E-40DD-AFC4-6F175D3DCCD1}">
-                  <a14:hiddenFill xmlns:a14="http://schemas.microsoft.com/office/drawing/2010/main">
+                  <a14:hiddenFill xmlns:a14="http://schemas.microsoft.com/office/drawing/2010/main" xmlns="">
                     <a:solidFill>
                       <a:srgbClr val="FFFFFF"/>
                     </a:solidFill>
                   </a14:hiddenFill>
                 </a:ext>
                 <a:ext uri="{AF507438-7753-43E0-B8FC-AC1667EBCBE1}">
-                  <a14:hiddenEffects xmlns:a14="http://schemas.microsoft.com/office/drawing/2010/main">
+                  <a14:hiddenEffects xmlns:a14="http://schemas.microsoft.com/office/drawing/2010/main" xmlns="">
                     <a:effectLst>
                       <a:outerShdw dist="35921" dir="2700000" algn="ctr" rotWithShape="0">
                         <a:srgbClr val="808080"/>
@@ -9648,7 +9684,7 @@
               <p:cNvPr id="12311" name="Rectangle 11">
                 <a:extLst>
                   <a:ext uri="{FF2B5EF4-FFF2-40B4-BE49-F238E27FC236}">
-                    <a16:creationId xmlns:a16="http://schemas.microsoft.com/office/drawing/2014/main" id="{3EC9B63B-E437-4FDE-A737-6DD81AF2D8FC}"/>
+                    <a16:creationId xmlns:a16="http://schemas.microsoft.com/office/drawing/2014/main" xmlns="" id="{3EC9B63B-E437-4FDE-A737-6DD81AF2D8FC}"/>
                   </a:ext>
                 </a:extLst>
               </p:cNvPr>
@@ -9677,14 +9713,14 @@
               <a:effectLst/>
               <a:extLst>
                 <a:ext uri="{909E8E84-426E-40DD-AFC4-6F175D3DCCD1}">
-                  <a14:hiddenFill xmlns:a14="http://schemas.microsoft.com/office/drawing/2010/main">
+                  <a14:hiddenFill xmlns:a14="http://schemas.microsoft.com/office/drawing/2010/main" xmlns="">
                     <a:solidFill>
                       <a:srgbClr val="FFFFFF"/>
                     </a:solidFill>
                   </a14:hiddenFill>
                 </a:ext>
                 <a:ext uri="{AF507438-7753-43E0-B8FC-AC1667EBCBE1}">
-                  <a14:hiddenEffects xmlns:a14="http://schemas.microsoft.com/office/drawing/2010/main">
+                  <a14:hiddenEffects xmlns:a14="http://schemas.microsoft.com/office/drawing/2010/main" xmlns="">
                     <a:effectLst>
                       <a:outerShdw dist="35921" dir="2700000" algn="ctr" rotWithShape="0">
                         <a:srgbClr val="808080"/>
@@ -9852,7 +9888,7 @@
               <p:cNvPr id="12312" name="Rectangle 12">
                 <a:extLst>
                   <a:ext uri="{FF2B5EF4-FFF2-40B4-BE49-F238E27FC236}">
-                    <a16:creationId xmlns:a16="http://schemas.microsoft.com/office/drawing/2014/main" id="{8A5B96CF-0CF2-48CE-9C8A-6D78462E0BDC}"/>
+                    <a16:creationId xmlns:a16="http://schemas.microsoft.com/office/drawing/2014/main" xmlns="" id="{8A5B96CF-0CF2-48CE-9C8A-6D78462E0BDC}"/>
                   </a:ext>
                 </a:extLst>
               </p:cNvPr>
@@ -9881,14 +9917,14 @@
               <a:effectLst/>
               <a:extLst>
                 <a:ext uri="{909E8E84-426E-40DD-AFC4-6F175D3DCCD1}">
-                  <a14:hiddenFill xmlns:a14="http://schemas.microsoft.com/office/drawing/2010/main">
+                  <a14:hiddenFill xmlns:a14="http://schemas.microsoft.com/office/drawing/2010/main" xmlns="">
                     <a:solidFill>
                       <a:srgbClr val="FFFFFF"/>
                     </a:solidFill>
                   </a14:hiddenFill>
                 </a:ext>
                 <a:ext uri="{AF507438-7753-43E0-B8FC-AC1667EBCBE1}">
-                  <a14:hiddenEffects xmlns:a14="http://schemas.microsoft.com/office/drawing/2010/main">
+                  <a14:hiddenEffects xmlns:a14="http://schemas.microsoft.com/office/drawing/2010/main" xmlns="">
                     <a:effectLst>
                       <a:outerShdw dist="35921" dir="2700000" algn="ctr" rotWithShape="0">
                         <a:srgbClr val="808080"/>
@@ -10056,7 +10092,7 @@
               <p:cNvPr id="12313" name="Rectangle 13">
                 <a:extLst>
                   <a:ext uri="{FF2B5EF4-FFF2-40B4-BE49-F238E27FC236}">
-                    <a16:creationId xmlns:a16="http://schemas.microsoft.com/office/drawing/2014/main" id="{643C39CB-A27A-4C3F-B7AF-C98D028087B0}"/>
+                    <a16:creationId xmlns:a16="http://schemas.microsoft.com/office/drawing/2014/main" xmlns="" id="{643C39CB-A27A-4C3F-B7AF-C98D028087B0}"/>
                   </a:ext>
                 </a:extLst>
               </p:cNvPr>
@@ -10085,14 +10121,14 @@
               <a:effectLst/>
               <a:extLst>
                 <a:ext uri="{909E8E84-426E-40DD-AFC4-6F175D3DCCD1}">
-                  <a14:hiddenFill xmlns:a14="http://schemas.microsoft.com/office/drawing/2010/main">
+                  <a14:hiddenFill xmlns:a14="http://schemas.microsoft.com/office/drawing/2010/main" xmlns="">
                     <a:solidFill>
                       <a:srgbClr val="FFFFFF"/>
                     </a:solidFill>
                   </a14:hiddenFill>
                 </a:ext>
                 <a:ext uri="{AF507438-7753-43E0-B8FC-AC1667EBCBE1}">
-                  <a14:hiddenEffects xmlns:a14="http://schemas.microsoft.com/office/drawing/2010/main">
+                  <a14:hiddenEffects xmlns:a14="http://schemas.microsoft.com/office/drawing/2010/main" xmlns="">
                     <a:effectLst>
                       <a:outerShdw dist="35921" dir="2700000" algn="ctr" rotWithShape="0">
                         <a:srgbClr val="808080"/>
@@ -10260,7 +10296,7 @@
               <p:cNvPr id="12314" name="Rectangle 14">
                 <a:extLst>
                   <a:ext uri="{FF2B5EF4-FFF2-40B4-BE49-F238E27FC236}">
-                    <a16:creationId xmlns:a16="http://schemas.microsoft.com/office/drawing/2014/main" id="{3203E8CB-7D4D-4EB8-ADE2-C67199471270}"/>
+                    <a16:creationId xmlns:a16="http://schemas.microsoft.com/office/drawing/2014/main" xmlns="" id="{3203E8CB-7D4D-4EB8-ADE2-C67199471270}"/>
                   </a:ext>
                 </a:extLst>
               </p:cNvPr>
@@ -10289,14 +10325,14 @@
               <a:effectLst/>
               <a:extLst>
                 <a:ext uri="{909E8E84-426E-40DD-AFC4-6F175D3DCCD1}">
-                  <a14:hiddenFill xmlns:a14="http://schemas.microsoft.com/office/drawing/2010/main">
+                  <a14:hiddenFill xmlns:a14="http://schemas.microsoft.com/office/drawing/2010/main" xmlns="">
                     <a:solidFill>
                       <a:srgbClr val="FFFFFF"/>
                     </a:solidFill>
                   </a14:hiddenFill>
                 </a:ext>
                 <a:ext uri="{AF507438-7753-43E0-B8FC-AC1667EBCBE1}">
-                  <a14:hiddenEffects xmlns:a14="http://schemas.microsoft.com/office/drawing/2010/main">
+                  <a14:hiddenEffects xmlns:a14="http://schemas.microsoft.com/office/drawing/2010/main" xmlns="">
                     <a:effectLst>
                       <a:outerShdw dist="35921" dir="2700000" algn="ctr" rotWithShape="0">
                         <a:srgbClr val="808080"/>
@@ -10464,7 +10500,7 @@
               <p:cNvPr id="12315" name="Rectangle 15">
                 <a:extLst>
                   <a:ext uri="{FF2B5EF4-FFF2-40B4-BE49-F238E27FC236}">
-                    <a16:creationId xmlns:a16="http://schemas.microsoft.com/office/drawing/2014/main" id="{7FCF1659-3C63-49CC-92F4-5B298F5D750E}"/>
+                    <a16:creationId xmlns:a16="http://schemas.microsoft.com/office/drawing/2014/main" xmlns="" id="{7FCF1659-3C63-49CC-92F4-5B298F5D750E}"/>
                   </a:ext>
                 </a:extLst>
               </p:cNvPr>
@@ -10493,14 +10529,14 @@
               <a:effectLst/>
               <a:extLst>
                 <a:ext uri="{909E8E84-426E-40DD-AFC4-6F175D3DCCD1}">
-                  <a14:hiddenFill xmlns:a14="http://schemas.microsoft.com/office/drawing/2010/main">
+                  <a14:hiddenFill xmlns:a14="http://schemas.microsoft.com/office/drawing/2010/main" xmlns="">
                     <a:solidFill>
                       <a:srgbClr val="FFFFFF"/>
                     </a:solidFill>
                   </a14:hiddenFill>
                 </a:ext>
                 <a:ext uri="{AF507438-7753-43E0-B8FC-AC1667EBCBE1}">
-                  <a14:hiddenEffects xmlns:a14="http://schemas.microsoft.com/office/drawing/2010/main">
+                  <a14:hiddenEffects xmlns:a14="http://schemas.microsoft.com/office/drawing/2010/main" xmlns="">
                     <a:effectLst>
                       <a:outerShdw dist="35921" dir="2700000" algn="ctr" rotWithShape="0">
                         <a:srgbClr val="808080"/>
@@ -10668,7 +10704,7 @@
               <p:cNvPr id="12316" name="Rectangle 16">
                 <a:extLst>
                   <a:ext uri="{FF2B5EF4-FFF2-40B4-BE49-F238E27FC236}">
-                    <a16:creationId xmlns:a16="http://schemas.microsoft.com/office/drawing/2014/main" id="{E6024A73-F55A-488E-B93B-EF827EBA4E94}"/>
+                    <a16:creationId xmlns:a16="http://schemas.microsoft.com/office/drawing/2014/main" xmlns="" id="{E6024A73-F55A-488E-B93B-EF827EBA4E94}"/>
                   </a:ext>
                 </a:extLst>
               </p:cNvPr>
@@ -10697,14 +10733,14 @@
               <a:effectLst/>
               <a:extLst>
                 <a:ext uri="{909E8E84-426E-40DD-AFC4-6F175D3DCCD1}">
-                  <a14:hiddenFill xmlns:a14="http://schemas.microsoft.com/office/drawing/2010/main">
+                  <a14:hiddenFill xmlns:a14="http://schemas.microsoft.com/office/drawing/2010/main" xmlns="">
                     <a:solidFill>
                       <a:srgbClr val="FFFFFF"/>
                     </a:solidFill>
                   </a14:hiddenFill>
                 </a:ext>
                 <a:ext uri="{AF507438-7753-43E0-B8FC-AC1667EBCBE1}">
-                  <a14:hiddenEffects xmlns:a14="http://schemas.microsoft.com/office/drawing/2010/main">
+                  <a14:hiddenEffects xmlns:a14="http://schemas.microsoft.com/office/drawing/2010/main" xmlns="">
                     <a:effectLst>
                       <a:outerShdw dist="35921" dir="2700000" algn="ctr" rotWithShape="0">
                         <a:srgbClr val="808080"/>
@@ -10872,7 +10908,7 @@
               <p:cNvPr id="12317" name="Rectangle 17">
                 <a:extLst>
                   <a:ext uri="{FF2B5EF4-FFF2-40B4-BE49-F238E27FC236}">
-                    <a16:creationId xmlns:a16="http://schemas.microsoft.com/office/drawing/2014/main" id="{87DA3937-3BA6-44BE-936D-34F25D87B327}"/>
+                    <a16:creationId xmlns:a16="http://schemas.microsoft.com/office/drawing/2014/main" xmlns="" id="{87DA3937-3BA6-44BE-936D-34F25D87B327}"/>
                   </a:ext>
                 </a:extLst>
               </p:cNvPr>
@@ -10901,14 +10937,14 @@
               <a:effectLst/>
               <a:extLst>
                 <a:ext uri="{909E8E84-426E-40DD-AFC4-6F175D3DCCD1}">
-                  <a14:hiddenFill xmlns:a14="http://schemas.microsoft.com/office/drawing/2010/main">
+                  <a14:hiddenFill xmlns:a14="http://schemas.microsoft.com/office/drawing/2010/main" xmlns="">
                     <a:solidFill>
                       <a:srgbClr val="FFFFFF"/>
                     </a:solidFill>
                   </a14:hiddenFill>
                 </a:ext>
                 <a:ext uri="{AF507438-7753-43E0-B8FC-AC1667EBCBE1}">
-                  <a14:hiddenEffects xmlns:a14="http://schemas.microsoft.com/office/drawing/2010/main">
+                  <a14:hiddenEffects xmlns:a14="http://schemas.microsoft.com/office/drawing/2010/main" xmlns="">
                     <a:effectLst>
                       <a:outerShdw dist="35921" dir="2700000" algn="ctr" rotWithShape="0">
                         <a:srgbClr val="808080"/>
@@ -11076,7 +11112,7 @@
               <p:cNvPr id="12318" name="Rectangle 18">
                 <a:extLst>
                   <a:ext uri="{FF2B5EF4-FFF2-40B4-BE49-F238E27FC236}">
-                    <a16:creationId xmlns:a16="http://schemas.microsoft.com/office/drawing/2014/main" id="{837D904E-1F9B-44BF-9C67-40062C3ADAF2}"/>
+                    <a16:creationId xmlns:a16="http://schemas.microsoft.com/office/drawing/2014/main" xmlns="" id="{837D904E-1F9B-44BF-9C67-40062C3ADAF2}"/>
                   </a:ext>
                 </a:extLst>
               </p:cNvPr>
@@ -11105,14 +11141,14 @@
               <a:effectLst/>
               <a:extLst>
                 <a:ext uri="{909E8E84-426E-40DD-AFC4-6F175D3DCCD1}">
-                  <a14:hiddenFill xmlns:a14="http://schemas.microsoft.com/office/drawing/2010/main">
+                  <a14:hiddenFill xmlns:a14="http://schemas.microsoft.com/office/drawing/2010/main" xmlns="">
                     <a:solidFill>
                       <a:srgbClr val="FFFFFF"/>
                     </a:solidFill>
                   </a14:hiddenFill>
                 </a:ext>
                 <a:ext uri="{AF507438-7753-43E0-B8FC-AC1667EBCBE1}">
-                  <a14:hiddenEffects xmlns:a14="http://schemas.microsoft.com/office/drawing/2010/main">
+                  <a14:hiddenEffects xmlns:a14="http://schemas.microsoft.com/office/drawing/2010/main" xmlns="">
                     <a:effectLst>
                       <a:outerShdw dist="35921" dir="2700000" algn="ctr" rotWithShape="0">
                         <a:srgbClr val="808080"/>
@@ -11280,7 +11316,7 @@
               <p:cNvPr id="12319" name="Line 32">
                 <a:extLst>
                   <a:ext uri="{FF2B5EF4-FFF2-40B4-BE49-F238E27FC236}">
-                    <a16:creationId xmlns:a16="http://schemas.microsoft.com/office/drawing/2014/main" id="{A143A80F-6697-4C4D-9948-C9F655574A68}"/>
+                    <a16:creationId xmlns:a16="http://schemas.microsoft.com/office/drawing/2014/main" xmlns="" id="{A143A80F-6697-4C4D-9948-C9F655574A68}"/>
                   </a:ext>
                 </a:extLst>
               </p:cNvPr>
@@ -11308,7 +11344,7 @@
               </a:ln>
               <a:extLst>
                 <a:ext uri="{909E8E84-426E-40DD-AFC4-6F175D3DCCD1}">
-                  <a14:hiddenFill xmlns:a14="http://schemas.microsoft.com/office/drawing/2010/main">
+                  <a14:hiddenFill xmlns:a14="http://schemas.microsoft.com/office/drawing/2010/main" xmlns="">
                     <a:noFill/>
                   </a14:hiddenFill>
                 </a:ext>
@@ -11327,7 +11363,7 @@
               <p:cNvPr id="12320" name="Line 33">
                 <a:extLst>
                   <a:ext uri="{FF2B5EF4-FFF2-40B4-BE49-F238E27FC236}">
-                    <a16:creationId xmlns:a16="http://schemas.microsoft.com/office/drawing/2014/main" id="{54CF2E3F-24B7-4271-A667-020F6E17F53D}"/>
+                    <a16:creationId xmlns:a16="http://schemas.microsoft.com/office/drawing/2014/main" xmlns="" id="{54CF2E3F-24B7-4271-A667-020F6E17F53D}"/>
                   </a:ext>
                 </a:extLst>
               </p:cNvPr>
@@ -11355,7 +11391,7 @@
               </a:ln>
               <a:extLst>
                 <a:ext uri="{909E8E84-426E-40DD-AFC4-6F175D3DCCD1}">
-                  <a14:hiddenFill xmlns:a14="http://schemas.microsoft.com/office/drawing/2010/main">
+                  <a14:hiddenFill xmlns:a14="http://schemas.microsoft.com/office/drawing/2010/main" xmlns="">
                     <a:noFill/>
                   </a14:hiddenFill>
                 </a:ext>
@@ -11374,7 +11410,7 @@
               <p:cNvPr id="12321" name="Line 34">
                 <a:extLst>
                   <a:ext uri="{FF2B5EF4-FFF2-40B4-BE49-F238E27FC236}">
-                    <a16:creationId xmlns:a16="http://schemas.microsoft.com/office/drawing/2014/main" id="{0F106934-5228-4B44-B77A-935E2A326EF4}"/>
+                    <a16:creationId xmlns:a16="http://schemas.microsoft.com/office/drawing/2014/main" xmlns="" id="{0F106934-5228-4B44-B77A-935E2A326EF4}"/>
                   </a:ext>
                 </a:extLst>
               </p:cNvPr>
@@ -11402,7 +11438,7 @@
               </a:ln>
               <a:extLst>
                 <a:ext uri="{909E8E84-426E-40DD-AFC4-6F175D3DCCD1}">
-                  <a14:hiddenFill xmlns:a14="http://schemas.microsoft.com/office/drawing/2010/main">
+                  <a14:hiddenFill xmlns:a14="http://schemas.microsoft.com/office/drawing/2010/main" xmlns="">
                     <a:noFill/>
                   </a14:hiddenFill>
                 </a:ext>
@@ -11421,7 +11457,7 @@
               <p:cNvPr id="12322" name="Line 35">
                 <a:extLst>
                   <a:ext uri="{FF2B5EF4-FFF2-40B4-BE49-F238E27FC236}">
-                    <a16:creationId xmlns:a16="http://schemas.microsoft.com/office/drawing/2014/main" id="{1A375470-5781-4B47-BE2E-37BB4C79F422}"/>
+                    <a16:creationId xmlns:a16="http://schemas.microsoft.com/office/drawing/2014/main" xmlns="" id="{1A375470-5781-4B47-BE2E-37BB4C79F422}"/>
                   </a:ext>
                 </a:extLst>
               </p:cNvPr>
@@ -11449,7 +11485,7 @@
               </a:ln>
               <a:extLst>
                 <a:ext uri="{909E8E84-426E-40DD-AFC4-6F175D3DCCD1}">
-                  <a14:hiddenFill xmlns:a14="http://schemas.microsoft.com/office/drawing/2010/main">
+                  <a14:hiddenFill xmlns:a14="http://schemas.microsoft.com/office/drawing/2010/main" xmlns="">
                     <a:noFill/>
                   </a14:hiddenFill>
                 </a:ext>
@@ -11468,7 +11504,7 @@
               <p:cNvPr id="12323" name="Line 36">
                 <a:extLst>
                   <a:ext uri="{FF2B5EF4-FFF2-40B4-BE49-F238E27FC236}">
-                    <a16:creationId xmlns:a16="http://schemas.microsoft.com/office/drawing/2014/main" id="{C027FA9A-5300-42BF-8125-A3BE63724609}"/>
+                    <a16:creationId xmlns:a16="http://schemas.microsoft.com/office/drawing/2014/main" xmlns="" id="{C027FA9A-5300-42BF-8125-A3BE63724609}"/>
                   </a:ext>
                 </a:extLst>
               </p:cNvPr>
@@ -11496,7 +11532,7 @@
               </a:ln>
               <a:extLst>
                 <a:ext uri="{909E8E84-426E-40DD-AFC4-6F175D3DCCD1}">
-                  <a14:hiddenFill xmlns:a14="http://schemas.microsoft.com/office/drawing/2010/main">
+                  <a14:hiddenFill xmlns:a14="http://schemas.microsoft.com/office/drawing/2010/main" xmlns="">
                     <a:noFill/>
                   </a14:hiddenFill>
                 </a:ext>
@@ -11515,7 +11551,7 @@
               <p:cNvPr id="12324" name="Line 37">
                 <a:extLst>
                   <a:ext uri="{FF2B5EF4-FFF2-40B4-BE49-F238E27FC236}">
-                    <a16:creationId xmlns:a16="http://schemas.microsoft.com/office/drawing/2014/main" id="{E5CFBAB7-BAEC-4B82-8659-273F204AFCCD}"/>
+                    <a16:creationId xmlns:a16="http://schemas.microsoft.com/office/drawing/2014/main" xmlns="" id="{E5CFBAB7-BAEC-4B82-8659-273F204AFCCD}"/>
                   </a:ext>
                 </a:extLst>
               </p:cNvPr>
@@ -11543,7 +11579,7 @@
               </a:ln>
               <a:extLst>
                 <a:ext uri="{909E8E84-426E-40DD-AFC4-6F175D3DCCD1}">
-                  <a14:hiddenFill xmlns:a14="http://schemas.microsoft.com/office/drawing/2010/main">
+                  <a14:hiddenFill xmlns:a14="http://schemas.microsoft.com/office/drawing/2010/main" xmlns="">
                     <a:noFill/>
                   </a14:hiddenFill>
                 </a:ext>
@@ -11562,7 +11598,7 @@
               <p:cNvPr id="12325" name="Line 38">
                 <a:extLst>
                   <a:ext uri="{FF2B5EF4-FFF2-40B4-BE49-F238E27FC236}">
-                    <a16:creationId xmlns:a16="http://schemas.microsoft.com/office/drawing/2014/main" id="{D5A6189C-BFA6-4742-A4FE-57111AB67114}"/>
+                    <a16:creationId xmlns:a16="http://schemas.microsoft.com/office/drawing/2014/main" xmlns="" id="{D5A6189C-BFA6-4742-A4FE-57111AB67114}"/>
                   </a:ext>
                 </a:extLst>
               </p:cNvPr>
@@ -11590,7 +11626,7 @@
               </a:ln>
               <a:extLst>
                 <a:ext uri="{909E8E84-426E-40DD-AFC4-6F175D3DCCD1}">
-                  <a14:hiddenFill xmlns:a14="http://schemas.microsoft.com/office/drawing/2010/main">
+                  <a14:hiddenFill xmlns:a14="http://schemas.microsoft.com/office/drawing/2010/main" xmlns="">
                     <a:noFill/>
                   </a14:hiddenFill>
                 </a:ext>
@@ -11609,7 +11645,7 @@
               <p:cNvPr id="12326" name="Line 39">
                 <a:extLst>
                   <a:ext uri="{FF2B5EF4-FFF2-40B4-BE49-F238E27FC236}">
-                    <a16:creationId xmlns:a16="http://schemas.microsoft.com/office/drawing/2014/main" id="{54D08114-CDBD-4D7C-9EEB-9DB4D0A2EDE1}"/>
+                    <a16:creationId xmlns:a16="http://schemas.microsoft.com/office/drawing/2014/main" xmlns="" id="{54D08114-CDBD-4D7C-9EEB-9DB4D0A2EDE1}"/>
                   </a:ext>
                 </a:extLst>
               </p:cNvPr>
@@ -11637,7 +11673,7 @@
               </a:ln>
               <a:extLst>
                 <a:ext uri="{909E8E84-426E-40DD-AFC4-6F175D3DCCD1}">
-                  <a14:hiddenFill xmlns:a14="http://schemas.microsoft.com/office/drawing/2010/main">
+                  <a14:hiddenFill xmlns:a14="http://schemas.microsoft.com/office/drawing/2010/main" xmlns="">
                     <a:noFill/>
                   </a14:hiddenFill>
                 </a:ext>
@@ -11686,7 +11722,7 @@
           <p:cNvPr id="13314" name="Rectangle 2">
             <a:extLst>
               <a:ext uri="{FF2B5EF4-FFF2-40B4-BE49-F238E27FC236}">
-                <a16:creationId xmlns:a16="http://schemas.microsoft.com/office/drawing/2014/main" id="{384FCA61-DB79-4F28-B597-615FA66216C6}"/>
+                <a16:creationId xmlns:a16="http://schemas.microsoft.com/office/drawing/2014/main" xmlns="" id="{384FCA61-DB79-4F28-B597-615FA66216C6}"/>
               </a:ext>
             </a:extLst>
           </p:cNvPr>
@@ -11723,7 +11759,7 @@
           <p:cNvPr id="13315" name="Rectangle 3">
             <a:extLst>
               <a:ext uri="{FF2B5EF4-FFF2-40B4-BE49-F238E27FC236}">
-                <a16:creationId xmlns:a16="http://schemas.microsoft.com/office/drawing/2014/main" id="{C1664368-3525-4BFA-B5F2-1BED44AE9E32}"/>
+                <a16:creationId xmlns:a16="http://schemas.microsoft.com/office/drawing/2014/main" xmlns="" id="{C1664368-3525-4BFA-B5F2-1BED44AE9E32}"/>
               </a:ext>
             </a:extLst>
           </p:cNvPr>
@@ -11766,7 +11802,7 @@
           <p:cNvPr id="13316" name="Rectangle 4">
             <a:extLst>
               <a:ext uri="{FF2B5EF4-FFF2-40B4-BE49-F238E27FC236}">
-                <a16:creationId xmlns:a16="http://schemas.microsoft.com/office/drawing/2014/main" id="{5B9E1377-D829-494C-B987-0C4C981B6ABC}"/>
+                <a16:creationId xmlns:a16="http://schemas.microsoft.com/office/drawing/2014/main" xmlns="" id="{5B9E1377-D829-494C-B987-0C4C981B6ABC}"/>
               </a:ext>
             </a:extLst>
           </p:cNvPr>
@@ -11795,14 +11831,14 @@
           <a:effectLst/>
           <a:extLst>
             <a:ext uri="{909E8E84-426E-40DD-AFC4-6F175D3DCCD1}">
-              <a14:hiddenFill xmlns:a14="http://schemas.microsoft.com/office/drawing/2010/main">
+              <a14:hiddenFill xmlns:a14="http://schemas.microsoft.com/office/drawing/2010/main" xmlns="">
                 <a:solidFill>
                   <a:srgbClr val="FFFFFF"/>
                 </a:solidFill>
               </a14:hiddenFill>
             </a:ext>
             <a:ext uri="{AF507438-7753-43E0-B8FC-AC1667EBCBE1}">
-              <a14:hiddenEffects xmlns:a14="http://schemas.microsoft.com/office/drawing/2010/main">
+              <a14:hiddenEffects xmlns:a14="http://schemas.microsoft.com/office/drawing/2010/main" xmlns="">
                 <a:effectLst>
                   <a:outerShdw dist="35921" dir="2700000" algn="ctr" rotWithShape="0">
                     <a:srgbClr val="808080"/>
@@ -11991,7 +12027,7 @@
           <p:cNvPr id="13317" name="Rectangle 5">
             <a:extLst>
               <a:ext uri="{FF2B5EF4-FFF2-40B4-BE49-F238E27FC236}">
-                <a16:creationId xmlns:a16="http://schemas.microsoft.com/office/drawing/2014/main" id="{7464B66B-B90A-45B8-B483-05460051A5D2}"/>
+                <a16:creationId xmlns:a16="http://schemas.microsoft.com/office/drawing/2014/main" xmlns="" id="{7464B66B-B90A-45B8-B483-05460051A5D2}"/>
               </a:ext>
             </a:extLst>
           </p:cNvPr>
@@ -12020,14 +12056,14 @@
           <a:effectLst/>
           <a:extLst>
             <a:ext uri="{909E8E84-426E-40DD-AFC4-6F175D3DCCD1}">
-              <a14:hiddenFill xmlns:a14="http://schemas.microsoft.com/office/drawing/2010/main">
+              <a14:hiddenFill xmlns:a14="http://schemas.microsoft.com/office/drawing/2010/main" xmlns="">
                 <a:solidFill>
                   <a:srgbClr val="FFFFFF"/>
                 </a:solidFill>
               </a14:hiddenFill>
             </a:ext>
             <a:ext uri="{AF507438-7753-43E0-B8FC-AC1667EBCBE1}">
-              <a14:hiddenEffects xmlns:a14="http://schemas.microsoft.com/office/drawing/2010/main">
+              <a14:hiddenEffects xmlns:a14="http://schemas.microsoft.com/office/drawing/2010/main" xmlns="">
                 <a:effectLst>
                   <a:outerShdw dist="35921" dir="2700000" algn="ctr" rotWithShape="0">
                     <a:srgbClr val="808080"/>
@@ -12231,7 +12267,7 @@
           <p:cNvPr id="13318" name="Rectangle 6">
             <a:extLst>
               <a:ext uri="{FF2B5EF4-FFF2-40B4-BE49-F238E27FC236}">
-                <a16:creationId xmlns:a16="http://schemas.microsoft.com/office/drawing/2014/main" id="{94D5307B-8A74-4BCF-8602-88BADA38AFC1}"/>
+                <a16:creationId xmlns:a16="http://schemas.microsoft.com/office/drawing/2014/main" xmlns="" id="{94D5307B-8A74-4BCF-8602-88BADA38AFC1}"/>
               </a:ext>
             </a:extLst>
           </p:cNvPr>
@@ -12260,14 +12296,14 @@
           <a:effectLst/>
           <a:extLst>
             <a:ext uri="{909E8E84-426E-40DD-AFC4-6F175D3DCCD1}">
-              <a14:hiddenFill xmlns:a14="http://schemas.microsoft.com/office/drawing/2010/main">
+              <a14:hiddenFill xmlns:a14="http://schemas.microsoft.com/office/drawing/2010/main" xmlns="">
                 <a:solidFill>
                   <a:srgbClr val="FFFFFF"/>
                 </a:solidFill>
               </a14:hiddenFill>
             </a:ext>
             <a:ext uri="{AF507438-7753-43E0-B8FC-AC1667EBCBE1}">
-              <a14:hiddenEffects xmlns:a14="http://schemas.microsoft.com/office/drawing/2010/main">
+              <a14:hiddenEffects xmlns:a14="http://schemas.microsoft.com/office/drawing/2010/main" xmlns="">
                 <a:effectLst>
                   <a:outerShdw dist="35921" dir="2700000" algn="ctr" rotWithShape="0">
                     <a:srgbClr val="808080"/>
@@ -12456,7 +12492,7 @@
           <p:cNvPr id="13319" name="Rectangle 7">
             <a:extLst>
               <a:ext uri="{FF2B5EF4-FFF2-40B4-BE49-F238E27FC236}">
-                <a16:creationId xmlns:a16="http://schemas.microsoft.com/office/drawing/2014/main" id="{7877F033-F083-4772-93E4-5920903C0E2A}"/>
+                <a16:creationId xmlns:a16="http://schemas.microsoft.com/office/drawing/2014/main" xmlns="" id="{7877F033-F083-4772-93E4-5920903C0E2A}"/>
               </a:ext>
             </a:extLst>
           </p:cNvPr>
@@ -12485,14 +12521,14 @@
           <a:effectLst/>
           <a:extLst>
             <a:ext uri="{909E8E84-426E-40DD-AFC4-6F175D3DCCD1}">
-              <a14:hiddenFill xmlns:a14="http://schemas.microsoft.com/office/drawing/2010/main">
+              <a14:hiddenFill xmlns:a14="http://schemas.microsoft.com/office/drawing/2010/main" xmlns="">
                 <a:solidFill>
                   <a:srgbClr val="FFFFFF"/>
                 </a:solidFill>
               </a14:hiddenFill>
             </a:ext>
             <a:ext uri="{AF507438-7753-43E0-B8FC-AC1667EBCBE1}">
-              <a14:hiddenEffects xmlns:a14="http://schemas.microsoft.com/office/drawing/2010/main">
+              <a14:hiddenEffects xmlns:a14="http://schemas.microsoft.com/office/drawing/2010/main" xmlns="">
                 <a:effectLst>
                   <a:outerShdw dist="35921" dir="2700000" algn="ctr" rotWithShape="0">
                     <a:srgbClr val="808080"/>
@@ -12681,7 +12717,7 @@
           <p:cNvPr id="13320" name="Freeform 8">
             <a:extLst>
               <a:ext uri="{FF2B5EF4-FFF2-40B4-BE49-F238E27FC236}">
-                <a16:creationId xmlns:a16="http://schemas.microsoft.com/office/drawing/2014/main" id="{02FE655D-1997-4FF6-9418-751DB3C56F42}"/>
+                <a16:creationId xmlns:a16="http://schemas.microsoft.com/office/drawing/2014/main" xmlns="" id="{02FE655D-1997-4FF6-9418-751DB3C56F42}"/>
               </a:ext>
             </a:extLst>
           </p:cNvPr>
@@ -12827,7 +12863,7 @@
           </a:ln>
           <a:extLst>
             <a:ext uri="{909E8E84-426E-40DD-AFC4-6F175D3DCCD1}">
-              <a14:hiddenFill xmlns:a14="http://schemas.microsoft.com/office/drawing/2010/main">
+              <a14:hiddenFill xmlns:a14="http://schemas.microsoft.com/office/drawing/2010/main" xmlns="">
                 <a:solidFill>
                   <a:srgbClr val="FFFFFF"/>
                 </a:solidFill>
@@ -12848,7 +12884,7 @@
           <p:cNvPr id="13321" name="Freeform 9">
             <a:extLst>
               <a:ext uri="{FF2B5EF4-FFF2-40B4-BE49-F238E27FC236}">
-                <a16:creationId xmlns:a16="http://schemas.microsoft.com/office/drawing/2014/main" id="{3911F35B-DA0B-4115-AB0C-F9A86A11D2E8}"/>
+                <a16:creationId xmlns:a16="http://schemas.microsoft.com/office/drawing/2014/main" xmlns="" id="{3911F35B-DA0B-4115-AB0C-F9A86A11D2E8}"/>
               </a:ext>
             </a:extLst>
           </p:cNvPr>
@@ -12928,7 +12964,7 @@
           </a:ln>
           <a:extLst>
             <a:ext uri="{909E8E84-426E-40DD-AFC4-6F175D3DCCD1}">
-              <a14:hiddenFill xmlns:a14="http://schemas.microsoft.com/office/drawing/2010/main">
+              <a14:hiddenFill xmlns:a14="http://schemas.microsoft.com/office/drawing/2010/main" xmlns="">
                 <a:solidFill>
                   <a:srgbClr val="FFFFFF"/>
                 </a:solidFill>
@@ -12949,7 +12985,7 @@
           <p:cNvPr id="13322" name="Freeform 10">
             <a:extLst>
               <a:ext uri="{FF2B5EF4-FFF2-40B4-BE49-F238E27FC236}">
-                <a16:creationId xmlns:a16="http://schemas.microsoft.com/office/drawing/2014/main" id="{A7F8682D-E028-4450-8976-D6AA427652F9}"/>
+                <a16:creationId xmlns:a16="http://schemas.microsoft.com/office/drawing/2014/main" xmlns="" id="{A7F8682D-E028-4450-8976-D6AA427652F9}"/>
               </a:ext>
             </a:extLst>
           </p:cNvPr>
@@ -13040,7 +13076,7 @@
           </a:ln>
           <a:extLst>
             <a:ext uri="{909E8E84-426E-40DD-AFC4-6F175D3DCCD1}">
-              <a14:hiddenFill xmlns:a14="http://schemas.microsoft.com/office/drawing/2010/main">
+              <a14:hiddenFill xmlns:a14="http://schemas.microsoft.com/office/drawing/2010/main" xmlns="">
                 <a:solidFill>
                   <a:srgbClr val="FFFFFF"/>
                 </a:solidFill>
@@ -13086,7 +13122,7 @@
           <p:cNvPr id="14338" name="Rectangle 2">
             <a:extLst>
               <a:ext uri="{FF2B5EF4-FFF2-40B4-BE49-F238E27FC236}">
-                <a16:creationId xmlns:a16="http://schemas.microsoft.com/office/drawing/2014/main" id="{57AED969-C3C4-4B6D-89A6-1B033398C0B5}"/>
+                <a16:creationId xmlns:a16="http://schemas.microsoft.com/office/drawing/2014/main" xmlns="" id="{57AED969-C3C4-4B6D-89A6-1B033398C0B5}"/>
               </a:ext>
             </a:extLst>
           </p:cNvPr>
@@ -13117,7 +13153,7 @@
           <p:cNvPr id="14339" name="Rectangle 3">
             <a:extLst>
               <a:ext uri="{FF2B5EF4-FFF2-40B4-BE49-F238E27FC236}">
-                <a16:creationId xmlns:a16="http://schemas.microsoft.com/office/drawing/2014/main" id="{222E6975-E764-4A27-B547-CEBE117E6A44}"/>
+                <a16:creationId xmlns:a16="http://schemas.microsoft.com/office/drawing/2014/main" xmlns="" id="{222E6975-E764-4A27-B547-CEBE117E6A44}"/>
               </a:ext>
             </a:extLst>
           </p:cNvPr>
@@ -13160,6 +13196,10 @@
               <a:rPr lang="zh-CN" altLang="en-US" sz="2400" dirty="0"/>
               <a:t>物理系统，最具体的确定存在的系统（系统实施阶段产生）。</a:t>
             </a:r>
+            <a:r>
+              <a:rPr lang="en-US" altLang="zh-CN" sz="2400" dirty="0"/>
+              <a:t/>
+            </a:r>
             <a:br>
               <a:rPr lang="en-US" altLang="zh-CN" sz="2400" dirty="0"/>
             </a:br>
@@ -13192,6 +13232,10 @@
             <a:r>
               <a:rPr lang="zh-CN" altLang="en-US" sz="2400" dirty="0"/>
               <a:t>最抽象的系统，根据系统目标构思出来的系统雏形，描绘了系统的大致轮廓。使用概念模型表达（系统规划阶段产生）</a:t>
+            </a:r>
+            <a:r>
+              <a:rPr lang="en-US" altLang="zh-CN" sz="2400" dirty="0"/>
+              <a:t/>
             </a:r>
             <a:br>
               <a:rPr lang="en-US" altLang="zh-CN" sz="2400" dirty="0"/>
@@ -13281,7 +13325,7 @@
           <p:cNvPr id="15362" name="Rectangle 2">
             <a:extLst>
               <a:ext uri="{FF2B5EF4-FFF2-40B4-BE49-F238E27FC236}">
-                <a16:creationId xmlns:a16="http://schemas.microsoft.com/office/drawing/2014/main" id="{E169E155-2459-4AF7-BD7B-BF09AC7495B8}"/>
+                <a16:creationId xmlns:a16="http://schemas.microsoft.com/office/drawing/2014/main" xmlns="" id="{E169E155-2459-4AF7-BD7B-BF09AC7495B8}"/>
               </a:ext>
             </a:extLst>
           </p:cNvPr>
@@ -13312,7 +13356,7 @@
           <p:cNvPr id="15363" name="Rectangle 3">
             <a:extLst>
               <a:ext uri="{FF2B5EF4-FFF2-40B4-BE49-F238E27FC236}">
-                <a16:creationId xmlns:a16="http://schemas.microsoft.com/office/drawing/2014/main" id="{3DC7EEAC-890E-475E-A7DC-5206535D7204}"/>
+                <a16:creationId xmlns:a16="http://schemas.microsoft.com/office/drawing/2014/main" xmlns="" id="{3DC7EEAC-890E-475E-A7DC-5206535D7204}"/>
               </a:ext>
             </a:extLst>
           </p:cNvPr>
@@ -13407,7 +13451,7 @@
           <p:cNvPr id="16386" name="Rectangle 2">
             <a:extLst>
               <a:ext uri="{FF2B5EF4-FFF2-40B4-BE49-F238E27FC236}">
-                <a16:creationId xmlns:a16="http://schemas.microsoft.com/office/drawing/2014/main" id="{ECA47A5F-79FF-48E5-B0BA-350CA3637B19}"/>
+                <a16:creationId xmlns:a16="http://schemas.microsoft.com/office/drawing/2014/main" xmlns="" id="{ECA47A5F-79FF-48E5-B0BA-350CA3637B19}"/>
               </a:ext>
             </a:extLst>
           </p:cNvPr>
@@ -13440,7 +13484,7 @@
           <p:cNvPr id="16387" name="Rectangle 3">
             <a:extLst>
               <a:ext uri="{FF2B5EF4-FFF2-40B4-BE49-F238E27FC236}">
-                <a16:creationId xmlns:a16="http://schemas.microsoft.com/office/drawing/2014/main" id="{4068F14C-39E1-44BD-AE30-4BE9AC69B70A}"/>
+                <a16:creationId xmlns:a16="http://schemas.microsoft.com/office/drawing/2014/main" xmlns="" id="{4068F14C-39E1-44BD-AE30-4BE9AC69B70A}"/>
               </a:ext>
             </a:extLst>
           </p:cNvPr>
@@ -13544,7 +13588,7 @@
           <p:cNvPr id="17410" name="Rectangle 2">
             <a:extLst>
               <a:ext uri="{FF2B5EF4-FFF2-40B4-BE49-F238E27FC236}">
-                <a16:creationId xmlns:a16="http://schemas.microsoft.com/office/drawing/2014/main" id="{C75CA900-38AC-4078-BC78-96584225A6E9}"/>
+                <a16:creationId xmlns:a16="http://schemas.microsoft.com/office/drawing/2014/main" xmlns="" id="{C75CA900-38AC-4078-BC78-96584225A6E9}"/>
               </a:ext>
             </a:extLst>
           </p:cNvPr>
@@ -13573,7 +13617,7 @@
           <p:cNvPr id="17411" name="Rectangle 3">
             <a:extLst>
               <a:ext uri="{FF2B5EF4-FFF2-40B4-BE49-F238E27FC236}">
-                <a16:creationId xmlns:a16="http://schemas.microsoft.com/office/drawing/2014/main" id="{4C2E7F3A-7E98-4BD8-BA94-25E13CA11A95}"/>
+                <a16:creationId xmlns:a16="http://schemas.microsoft.com/office/drawing/2014/main" xmlns="" id="{4C2E7F3A-7E98-4BD8-BA94-25E13CA11A95}"/>
               </a:ext>
             </a:extLst>
           </p:cNvPr>
@@ -13691,7 +13735,7 @@
           <p:cNvPr id="18434" name="Rectangle 2">
             <a:extLst>
               <a:ext uri="{FF2B5EF4-FFF2-40B4-BE49-F238E27FC236}">
-                <a16:creationId xmlns:a16="http://schemas.microsoft.com/office/drawing/2014/main" id="{9C36C475-498E-4040-9B6E-A574B5A112DD}"/>
+                <a16:creationId xmlns:a16="http://schemas.microsoft.com/office/drawing/2014/main" xmlns="" id="{9C36C475-498E-4040-9B6E-A574B5A112DD}"/>
               </a:ext>
             </a:extLst>
           </p:cNvPr>
@@ -13720,7 +13764,7 @@
           <p:cNvPr id="18435" name="Rectangle 3">
             <a:extLst>
               <a:ext uri="{FF2B5EF4-FFF2-40B4-BE49-F238E27FC236}">
-                <a16:creationId xmlns:a16="http://schemas.microsoft.com/office/drawing/2014/main" id="{B9051549-8AF1-4B0D-84EE-35B5F8C2E4BF}"/>
+                <a16:creationId xmlns:a16="http://schemas.microsoft.com/office/drawing/2014/main" xmlns="" id="{B9051549-8AF1-4B0D-84EE-35B5F8C2E4BF}"/>
               </a:ext>
             </a:extLst>
           </p:cNvPr>
@@ -13822,7 +13866,7 @@
           <p:cNvPr id="19458" name="Rectangle 2">
             <a:extLst>
               <a:ext uri="{FF2B5EF4-FFF2-40B4-BE49-F238E27FC236}">
-                <a16:creationId xmlns:a16="http://schemas.microsoft.com/office/drawing/2014/main" id="{741D672E-BCDA-42AD-B10D-704B483E2866}"/>
+                <a16:creationId xmlns:a16="http://schemas.microsoft.com/office/drawing/2014/main" xmlns="" id="{741D672E-BCDA-42AD-B10D-704B483E2866}"/>
               </a:ext>
             </a:extLst>
           </p:cNvPr>
@@ -13851,7 +13895,7 @@
           <p:cNvPr id="19459" name="Rectangle 3">
             <a:extLst>
               <a:ext uri="{FF2B5EF4-FFF2-40B4-BE49-F238E27FC236}">
-                <a16:creationId xmlns:a16="http://schemas.microsoft.com/office/drawing/2014/main" id="{AD478AE5-4CE7-49BE-8173-708BD5409E17}"/>
+                <a16:creationId xmlns:a16="http://schemas.microsoft.com/office/drawing/2014/main" xmlns="" id="{AD478AE5-4CE7-49BE-8173-708BD5409E17}"/>
               </a:ext>
             </a:extLst>
           </p:cNvPr>
@@ -13993,7 +14037,7 @@
           <p:cNvPr id="20482" name="Rectangle 2">
             <a:extLst>
               <a:ext uri="{FF2B5EF4-FFF2-40B4-BE49-F238E27FC236}">
-                <a16:creationId xmlns:a16="http://schemas.microsoft.com/office/drawing/2014/main" id="{22AF980D-A17D-4F08-9248-6DD6460F5021}"/>
+                <a16:creationId xmlns:a16="http://schemas.microsoft.com/office/drawing/2014/main" xmlns="" id="{22AF980D-A17D-4F08-9248-6DD6460F5021}"/>
               </a:ext>
             </a:extLst>
           </p:cNvPr>
@@ -14022,7 +14066,7 @@
           <p:cNvPr id="20483" name="Rectangle 3">
             <a:extLst>
               <a:ext uri="{FF2B5EF4-FFF2-40B4-BE49-F238E27FC236}">
-                <a16:creationId xmlns:a16="http://schemas.microsoft.com/office/drawing/2014/main" id="{525D7EC5-9986-4044-9BC4-A4B4CB21A035}"/>
+                <a16:creationId xmlns:a16="http://schemas.microsoft.com/office/drawing/2014/main" xmlns="" id="{525D7EC5-9986-4044-9BC4-A4B4CB21A035}"/>
               </a:ext>
             </a:extLst>
           </p:cNvPr>
@@ -14113,7 +14157,7 @@
           <p:cNvPr id="21506" name="Rectangle 2">
             <a:extLst>
               <a:ext uri="{FF2B5EF4-FFF2-40B4-BE49-F238E27FC236}">
-                <a16:creationId xmlns:a16="http://schemas.microsoft.com/office/drawing/2014/main" id="{17C64A32-31FA-497B-845A-F0CA1795B2F3}"/>
+                <a16:creationId xmlns:a16="http://schemas.microsoft.com/office/drawing/2014/main" xmlns="" id="{17C64A32-31FA-497B-845A-F0CA1795B2F3}"/>
               </a:ext>
             </a:extLst>
           </p:cNvPr>
@@ -14146,7 +14190,7 @@
           <p:cNvPr id="21507" name="Rectangle 3">
             <a:extLst>
               <a:ext uri="{FF2B5EF4-FFF2-40B4-BE49-F238E27FC236}">
-                <a16:creationId xmlns:a16="http://schemas.microsoft.com/office/drawing/2014/main" id="{EEC0A1FF-CD93-478D-8AA4-AA9244AD0DE7}"/>
+                <a16:creationId xmlns:a16="http://schemas.microsoft.com/office/drawing/2014/main" xmlns="" id="{EEC0A1FF-CD93-478D-8AA4-AA9244AD0DE7}"/>
               </a:ext>
             </a:extLst>
           </p:cNvPr>
@@ -14254,7 +14298,7 @@
           <p:cNvPr id="4098" name="Rectangle 2">
             <a:extLst>
               <a:ext uri="{FF2B5EF4-FFF2-40B4-BE49-F238E27FC236}">
-                <a16:creationId xmlns:a16="http://schemas.microsoft.com/office/drawing/2014/main" id="{F11018BA-5434-4561-B412-293389E04FD0}"/>
+                <a16:creationId xmlns:a16="http://schemas.microsoft.com/office/drawing/2014/main" xmlns="" id="{F11018BA-5434-4561-B412-293389E04FD0}"/>
               </a:ext>
             </a:extLst>
           </p:cNvPr>
@@ -14283,7 +14327,7 @@
           <p:cNvPr id="4099" name="Rectangle 3">
             <a:extLst>
               <a:ext uri="{FF2B5EF4-FFF2-40B4-BE49-F238E27FC236}">
-                <a16:creationId xmlns:a16="http://schemas.microsoft.com/office/drawing/2014/main" id="{2FB248A4-1002-4AAA-9CA9-E4E3A79A9CA3}"/>
+                <a16:creationId xmlns:a16="http://schemas.microsoft.com/office/drawing/2014/main" xmlns="" id="{2FB248A4-1002-4AAA-9CA9-E4E3A79A9CA3}"/>
               </a:ext>
             </a:extLst>
           </p:cNvPr>
@@ -14513,7 +14557,7 @@
           <p:cNvPr id="22530" name="Rectangle 2">
             <a:extLst>
               <a:ext uri="{FF2B5EF4-FFF2-40B4-BE49-F238E27FC236}">
-                <a16:creationId xmlns:a16="http://schemas.microsoft.com/office/drawing/2014/main" id="{8BA817E1-77FC-4856-94D5-73DBD0225B15}"/>
+                <a16:creationId xmlns:a16="http://schemas.microsoft.com/office/drawing/2014/main" xmlns="" id="{8BA817E1-77FC-4856-94D5-73DBD0225B15}"/>
               </a:ext>
             </a:extLst>
           </p:cNvPr>
@@ -14537,14 +14581,14 @@
           <a:effectLst/>
           <a:extLst>
             <a:ext uri="{909E8E84-426E-40DD-AFC4-6F175D3DCCD1}">
-              <a14:hiddenFill xmlns:a14="http://schemas.microsoft.com/office/drawing/2010/main">
+              <a14:hiddenFill xmlns:a14="http://schemas.microsoft.com/office/drawing/2010/main" xmlns="">
                 <a:solidFill>
                   <a:schemeClr val="accent1"/>
                 </a:solidFill>
               </a14:hiddenFill>
             </a:ext>
             <a:ext uri="{91240B29-F687-4F45-9708-019B960494DF}">
-              <a14:hiddenLine xmlns:a14="http://schemas.microsoft.com/office/drawing/2010/main" w="9525">
+              <a14:hiddenLine xmlns:a14="http://schemas.microsoft.com/office/drawing/2010/main" xmlns="" w="9525">
                 <a:solidFill>
                   <a:schemeClr val="tx1"/>
                 </a:solidFill>
@@ -14554,7 +14598,7 @@
               </a14:hiddenLine>
             </a:ext>
             <a:ext uri="{AF507438-7753-43E0-B8FC-AC1667EBCBE1}">
-              <a14:hiddenEffects xmlns:a14="http://schemas.microsoft.com/office/drawing/2010/main">
+              <a14:hiddenEffects xmlns:a14="http://schemas.microsoft.com/office/drawing/2010/main" xmlns="">
                 <a:effectLst>
                   <a:outerShdw dist="35921" dir="2700000" algn="ctr" rotWithShape="0">
                     <a:schemeClr val="bg2"/>
@@ -14813,7 +14857,7 @@
           <p:cNvPr id="22531" name="Rectangle 6">
             <a:extLst>
               <a:ext uri="{FF2B5EF4-FFF2-40B4-BE49-F238E27FC236}">
-                <a16:creationId xmlns:a16="http://schemas.microsoft.com/office/drawing/2014/main" id="{1F896413-431B-404E-B437-B767BE8E527B}"/>
+                <a16:creationId xmlns:a16="http://schemas.microsoft.com/office/drawing/2014/main" xmlns="" id="{1F896413-431B-404E-B437-B767BE8E527B}"/>
               </a:ext>
             </a:extLst>
           </p:cNvPr>
@@ -14883,7 +14927,7 @@
           <p:cNvPr id="24578" name="Rectangle 2">
             <a:extLst>
               <a:ext uri="{FF2B5EF4-FFF2-40B4-BE49-F238E27FC236}">
-                <a16:creationId xmlns:a16="http://schemas.microsoft.com/office/drawing/2014/main" id="{2CC70E46-142A-4A3C-9C28-DEFEE96DB7C4}"/>
+                <a16:creationId xmlns:a16="http://schemas.microsoft.com/office/drawing/2014/main" xmlns="" id="{2CC70E46-142A-4A3C-9C28-DEFEE96DB7C4}"/>
               </a:ext>
             </a:extLst>
           </p:cNvPr>
@@ -14916,7 +14960,7 @@
           <p:cNvPr id="24579" name="Rectangle 3">
             <a:extLst>
               <a:ext uri="{FF2B5EF4-FFF2-40B4-BE49-F238E27FC236}">
-                <a16:creationId xmlns:a16="http://schemas.microsoft.com/office/drawing/2014/main" id="{E13B7DB9-7306-41B9-ACD9-2A28B3F6EF2B}"/>
+                <a16:creationId xmlns:a16="http://schemas.microsoft.com/office/drawing/2014/main" xmlns="" id="{E13B7DB9-7306-41B9-ACD9-2A28B3F6EF2B}"/>
               </a:ext>
             </a:extLst>
           </p:cNvPr>
@@ -15076,7 +15120,7 @@
           <p:cNvPr id="28674" name="Rectangle 2">
             <a:extLst>
               <a:ext uri="{FF2B5EF4-FFF2-40B4-BE49-F238E27FC236}">
-                <a16:creationId xmlns:a16="http://schemas.microsoft.com/office/drawing/2014/main" id="{6FB2D52A-CF3A-408C-B710-3E1AA80A05E8}"/>
+                <a16:creationId xmlns:a16="http://schemas.microsoft.com/office/drawing/2014/main" xmlns="" id="{6FB2D52A-CF3A-408C-B710-3E1AA80A05E8}"/>
               </a:ext>
             </a:extLst>
           </p:cNvPr>
@@ -15109,7 +15153,7 @@
           <p:cNvPr id="28675" name="Rectangle 3">
             <a:extLst>
               <a:ext uri="{FF2B5EF4-FFF2-40B4-BE49-F238E27FC236}">
-                <a16:creationId xmlns:a16="http://schemas.microsoft.com/office/drawing/2014/main" id="{FDD8B0B3-039F-4D8E-A5A2-FF0DFC5E1271}"/>
+                <a16:creationId xmlns:a16="http://schemas.microsoft.com/office/drawing/2014/main" xmlns="" id="{FDD8B0B3-039F-4D8E-A5A2-FF0DFC5E1271}"/>
               </a:ext>
             </a:extLst>
           </p:cNvPr>
@@ -15282,7 +15326,7 @@
           <p:cNvPr id="26626" name="Rectangle 2">
             <a:extLst>
               <a:ext uri="{FF2B5EF4-FFF2-40B4-BE49-F238E27FC236}">
-                <a16:creationId xmlns:a16="http://schemas.microsoft.com/office/drawing/2014/main" id="{DB8FEDBF-AECA-4273-AE7C-6416B2D9F7D4}"/>
+                <a16:creationId xmlns:a16="http://schemas.microsoft.com/office/drawing/2014/main" xmlns="" id="{DB8FEDBF-AECA-4273-AE7C-6416B2D9F7D4}"/>
               </a:ext>
             </a:extLst>
           </p:cNvPr>
@@ -15335,7 +15379,7 @@
           <p:cNvPr id="26627" name="图片 2">
             <a:extLst>
               <a:ext uri="{FF2B5EF4-FFF2-40B4-BE49-F238E27FC236}">
-                <a16:creationId xmlns:a16="http://schemas.microsoft.com/office/drawing/2014/main" id="{3D122CAD-09EC-41B9-98F7-15C678C25CD6}"/>
+                <a16:creationId xmlns:a16="http://schemas.microsoft.com/office/drawing/2014/main" xmlns="" id="{3D122CAD-09EC-41B9-98F7-15C678C25CD6}"/>
               </a:ext>
             </a:extLst>
           </p:cNvPr>
@@ -15348,7 +15392,7 @@
           <a:blip r:embed="rId3">
             <a:extLst>
               <a:ext uri="{28A0092B-C50C-407E-A947-70E740481C1C}">
-                <a14:useLocalDpi xmlns:a14="http://schemas.microsoft.com/office/drawing/2010/main" val="0"/>
+                <a14:useLocalDpi xmlns:a14="http://schemas.microsoft.com/office/drawing/2010/main" xmlns="" val="0"/>
               </a:ext>
             </a:extLst>
           </a:blip>
@@ -15371,14 +15415,14 @@
           </a:ln>
           <a:extLst>
             <a:ext uri="{909E8E84-426E-40DD-AFC4-6F175D3DCCD1}">
-              <a14:hiddenFill xmlns:a14="http://schemas.microsoft.com/office/drawing/2010/main">
+              <a14:hiddenFill xmlns:a14="http://schemas.microsoft.com/office/drawing/2010/main" xmlns="">
                 <a:solidFill>
                   <a:srgbClr val="FFFFFF"/>
                 </a:solidFill>
               </a14:hiddenFill>
             </a:ext>
             <a:ext uri="{91240B29-F687-4F45-9708-019B960494DF}">
-              <a14:hiddenLine xmlns:a14="http://schemas.microsoft.com/office/drawing/2010/main" w="9525">
+              <a14:hiddenLine xmlns:a14="http://schemas.microsoft.com/office/drawing/2010/main" xmlns="" w="9525">
                 <a:solidFill>
                   <a:srgbClr val="000000"/>
                 </a:solidFill>
@@ -15395,7 +15439,7 @@
           <p:cNvPr id="26628" name="矩形 3">
             <a:extLst>
               <a:ext uri="{FF2B5EF4-FFF2-40B4-BE49-F238E27FC236}">
-                <a16:creationId xmlns:a16="http://schemas.microsoft.com/office/drawing/2014/main" id="{61E4CE92-001A-4672-8FFE-69040F0AE174}"/>
+                <a16:creationId xmlns:a16="http://schemas.microsoft.com/office/drawing/2014/main" xmlns="" id="{61E4CE92-001A-4672-8FFE-69040F0AE174}"/>
               </a:ext>
             </a:extLst>
           </p:cNvPr>
@@ -15418,14 +15462,14 @@
           </a:ln>
           <a:extLst>
             <a:ext uri="{909E8E84-426E-40DD-AFC4-6F175D3DCCD1}">
-              <a14:hiddenFill xmlns:a14="http://schemas.microsoft.com/office/drawing/2010/main">
+              <a14:hiddenFill xmlns:a14="http://schemas.microsoft.com/office/drawing/2010/main" xmlns="">
                 <a:solidFill>
                   <a:srgbClr val="FFFFFF"/>
                 </a:solidFill>
               </a14:hiddenFill>
             </a:ext>
             <a:ext uri="{91240B29-F687-4F45-9708-019B960494DF}">
-              <a14:hiddenLine xmlns:a14="http://schemas.microsoft.com/office/drawing/2010/main" w="9525">
+              <a14:hiddenLine xmlns:a14="http://schemas.microsoft.com/office/drawing/2010/main" xmlns="" w="9525">
                 <a:solidFill>
                   <a:srgbClr val="000000"/>
                 </a:solidFill>
@@ -15900,7 +15944,7 @@
           <p:cNvPr id="28674" name="Rectangle 2">
             <a:extLst>
               <a:ext uri="{FF2B5EF4-FFF2-40B4-BE49-F238E27FC236}">
-                <a16:creationId xmlns:a16="http://schemas.microsoft.com/office/drawing/2014/main" id="{6FB2D52A-CF3A-408C-B710-3E1AA80A05E8}"/>
+                <a16:creationId xmlns:a16="http://schemas.microsoft.com/office/drawing/2014/main" xmlns="" id="{6FB2D52A-CF3A-408C-B710-3E1AA80A05E8}"/>
               </a:ext>
             </a:extLst>
           </p:cNvPr>
@@ -15933,7 +15977,7 @@
           <p:cNvPr id="28675" name="Rectangle 3">
             <a:extLst>
               <a:ext uri="{FF2B5EF4-FFF2-40B4-BE49-F238E27FC236}">
-                <a16:creationId xmlns:a16="http://schemas.microsoft.com/office/drawing/2014/main" id="{FDD8B0B3-039F-4D8E-A5A2-FF0DFC5E1271}"/>
+                <a16:creationId xmlns:a16="http://schemas.microsoft.com/office/drawing/2014/main" xmlns="" id="{FDD8B0B3-039F-4D8E-A5A2-FF0DFC5E1271}"/>
               </a:ext>
             </a:extLst>
           </p:cNvPr>
@@ -16056,7 +16100,7 @@
     </p:spTree>
     <p:extLst>
       <p:ext uri="{BB962C8B-B14F-4D97-AF65-F5344CB8AC3E}">
-        <p14:creationId xmlns:p14="http://schemas.microsoft.com/office/powerpoint/2010/main" val="2623437111"/>
+        <p14:creationId xmlns:p14="http://schemas.microsoft.com/office/powerpoint/2010/main" xmlns="" val="2623437111"/>
       </p:ext>
     </p:extLst>
   </p:cSld>
@@ -16088,7 +16132,7 @@
           <p:cNvPr id="21506" name="Rectangle 2">
             <a:extLst>
               <a:ext uri="{FF2B5EF4-FFF2-40B4-BE49-F238E27FC236}">
-                <a16:creationId xmlns:a16="http://schemas.microsoft.com/office/drawing/2014/main" id="{17C64A32-31FA-497B-845A-F0CA1795B2F3}"/>
+                <a16:creationId xmlns:a16="http://schemas.microsoft.com/office/drawing/2014/main" xmlns="" id="{17C64A32-31FA-497B-845A-F0CA1795B2F3}"/>
               </a:ext>
             </a:extLst>
           </p:cNvPr>
@@ -16121,7 +16165,7 @@
           <p:cNvPr id="21507" name="Rectangle 3">
             <a:extLst>
               <a:ext uri="{FF2B5EF4-FFF2-40B4-BE49-F238E27FC236}">
-                <a16:creationId xmlns:a16="http://schemas.microsoft.com/office/drawing/2014/main" id="{EEC0A1FF-CD93-478D-8AA4-AA9244AD0DE7}"/>
+                <a16:creationId xmlns:a16="http://schemas.microsoft.com/office/drawing/2014/main" xmlns="" id="{EEC0A1FF-CD93-478D-8AA4-AA9244AD0DE7}"/>
               </a:ext>
             </a:extLst>
           </p:cNvPr>
@@ -16156,7 +16200,7 @@
     </p:spTree>
     <p:extLst>
       <p:ext uri="{BB962C8B-B14F-4D97-AF65-F5344CB8AC3E}">
-        <p14:creationId xmlns:p14="http://schemas.microsoft.com/office/powerpoint/2010/main" val="126416906"/>
+        <p14:creationId xmlns:p14="http://schemas.microsoft.com/office/powerpoint/2010/main" xmlns="" val="126416906"/>
       </p:ext>
     </p:extLst>
   </p:cSld>
@@ -16188,7 +16232,7 @@
           <p:cNvPr id="21506" name="Rectangle 2">
             <a:extLst>
               <a:ext uri="{FF2B5EF4-FFF2-40B4-BE49-F238E27FC236}">
-                <a16:creationId xmlns:a16="http://schemas.microsoft.com/office/drawing/2014/main" id="{17C64A32-31FA-497B-845A-F0CA1795B2F3}"/>
+                <a16:creationId xmlns:a16="http://schemas.microsoft.com/office/drawing/2014/main" xmlns="" id="{17C64A32-31FA-497B-845A-F0CA1795B2F3}"/>
               </a:ext>
             </a:extLst>
           </p:cNvPr>
@@ -16221,7 +16265,7 @@
           <p:cNvPr id="21507" name="Rectangle 3">
             <a:extLst>
               <a:ext uri="{FF2B5EF4-FFF2-40B4-BE49-F238E27FC236}">
-                <a16:creationId xmlns:a16="http://schemas.microsoft.com/office/drawing/2014/main" id="{EEC0A1FF-CD93-478D-8AA4-AA9244AD0DE7}"/>
+                <a16:creationId xmlns:a16="http://schemas.microsoft.com/office/drawing/2014/main" xmlns="" id="{EEC0A1FF-CD93-478D-8AA4-AA9244AD0DE7}"/>
               </a:ext>
             </a:extLst>
           </p:cNvPr>
@@ -16308,7 +16352,7 @@
     </p:spTree>
     <p:extLst>
       <p:ext uri="{BB962C8B-B14F-4D97-AF65-F5344CB8AC3E}">
-        <p14:creationId xmlns:p14="http://schemas.microsoft.com/office/powerpoint/2010/main" val="917165274"/>
+        <p14:creationId xmlns:p14="http://schemas.microsoft.com/office/powerpoint/2010/main" xmlns="" val="917165274"/>
       </p:ext>
     </p:extLst>
   </p:cSld>
@@ -16340,7 +16384,7 @@
           <p:cNvPr id="21506" name="Rectangle 2">
             <a:extLst>
               <a:ext uri="{FF2B5EF4-FFF2-40B4-BE49-F238E27FC236}">
-                <a16:creationId xmlns:a16="http://schemas.microsoft.com/office/drawing/2014/main" id="{17C64A32-31FA-497B-845A-F0CA1795B2F3}"/>
+                <a16:creationId xmlns:a16="http://schemas.microsoft.com/office/drawing/2014/main" xmlns="" id="{17C64A32-31FA-497B-845A-F0CA1795B2F3}"/>
               </a:ext>
             </a:extLst>
           </p:cNvPr>
@@ -16373,7 +16417,7 @@
           <p:cNvPr id="21507" name="Rectangle 3">
             <a:extLst>
               <a:ext uri="{FF2B5EF4-FFF2-40B4-BE49-F238E27FC236}">
-                <a16:creationId xmlns:a16="http://schemas.microsoft.com/office/drawing/2014/main" id="{EEC0A1FF-CD93-478D-8AA4-AA9244AD0DE7}"/>
+                <a16:creationId xmlns:a16="http://schemas.microsoft.com/office/drawing/2014/main" xmlns="" id="{EEC0A1FF-CD93-478D-8AA4-AA9244AD0DE7}"/>
               </a:ext>
             </a:extLst>
           </p:cNvPr>
@@ -16481,7 +16525,7 @@
     </p:spTree>
     <p:extLst>
       <p:ext uri="{BB962C8B-B14F-4D97-AF65-F5344CB8AC3E}">
-        <p14:creationId xmlns:p14="http://schemas.microsoft.com/office/powerpoint/2010/main" val="1310957908"/>
+        <p14:creationId xmlns:p14="http://schemas.microsoft.com/office/powerpoint/2010/main" xmlns="" val="1310957908"/>
       </p:ext>
     </p:extLst>
   </p:cSld>
@@ -16513,7 +16557,7 @@
           <p:cNvPr id="25602" name="Rectangle 2">
             <a:extLst>
               <a:ext uri="{FF2B5EF4-FFF2-40B4-BE49-F238E27FC236}">
-                <a16:creationId xmlns:a16="http://schemas.microsoft.com/office/drawing/2014/main" id="{3AA1FA34-E8E5-48DE-8A37-6168F1D2488A}"/>
+                <a16:creationId xmlns:a16="http://schemas.microsoft.com/office/drawing/2014/main" xmlns="" id="{3AA1FA34-E8E5-48DE-8A37-6168F1D2488A}"/>
               </a:ext>
             </a:extLst>
           </p:cNvPr>
@@ -16541,6 +16585,10 @@
               <a:rPr lang="zh-CN" altLang="en-US" sz="2800" b="0" dirty="0"/>
               <a:t>霍尔的三维结构模式</a:t>
             </a:r>
+            <a:r>
+              <a:rPr lang="en-US" altLang="zh-CN" sz="2800" b="0" dirty="0"/>
+              <a:t/>
+            </a:r>
             <a:br>
               <a:rPr lang="en-US" altLang="zh-CN" sz="2800" b="0" dirty="0"/>
             </a:br>
@@ -16557,7 +16605,7 @@
           <p:cNvPr id="4" name="Picture 26">
             <a:extLst>
               <a:ext uri="{FF2B5EF4-FFF2-40B4-BE49-F238E27FC236}">
-                <a16:creationId xmlns:a16="http://schemas.microsoft.com/office/drawing/2014/main" id="{CBA487AF-BB8A-4DAC-8676-DDC2CECA3ED0}"/>
+                <a16:creationId xmlns:a16="http://schemas.microsoft.com/office/drawing/2014/main" xmlns="" id="{CBA487AF-BB8A-4DAC-8676-DDC2CECA3ED0}"/>
               </a:ext>
             </a:extLst>
           </p:cNvPr>
@@ -16570,7 +16618,7 @@
           <a:blip r:embed="rId3">
             <a:extLst>
               <a:ext uri="{28A0092B-C50C-407E-A947-70E740481C1C}">
-                <a14:useLocalDpi xmlns:a14="http://schemas.microsoft.com/office/drawing/2010/main" val="0"/>
+                <a14:useLocalDpi xmlns:a14="http://schemas.microsoft.com/office/drawing/2010/main" xmlns="" val="0"/>
               </a:ext>
             </a:extLst>
           </a:blip>
@@ -16594,14 +16642,14 @@
           <a:effectLst/>
           <a:extLst>
             <a:ext uri="{909E8E84-426E-40DD-AFC4-6F175D3DCCD1}">
-              <a14:hiddenFill xmlns:a14="http://schemas.microsoft.com/office/drawing/2010/main">
+              <a14:hiddenFill xmlns:a14="http://schemas.microsoft.com/office/drawing/2010/main" xmlns="">
                 <a:solidFill>
                   <a:srgbClr val="FFFFFF"/>
                 </a:solidFill>
               </a14:hiddenFill>
             </a:ext>
             <a:ext uri="{91240B29-F687-4F45-9708-019B960494DF}">
-              <a14:hiddenLine xmlns:a14="http://schemas.microsoft.com/office/drawing/2010/main" w="9525" algn="ctr">
+              <a14:hiddenLine xmlns:a14="http://schemas.microsoft.com/office/drawing/2010/main" xmlns="" w="9525" algn="ctr">
                 <a:solidFill>
                   <a:srgbClr val="000000"/>
                 </a:solidFill>
@@ -16611,7 +16659,7 @@
               </a14:hiddenLine>
             </a:ext>
             <a:ext uri="{AF507438-7753-43E0-B8FC-AC1667EBCBE1}">
-              <a14:hiddenEffects xmlns:a14="http://schemas.microsoft.com/office/drawing/2010/main">
+              <a14:hiddenEffects xmlns:a14="http://schemas.microsoft.com/office/drawing/2010/main" xmlns="">
                 <a:effectLst>
                   <a:outerShdw dist="35921" dir="2700000" algn="ctr" rotWithShape="0">
                     <a:srgbClr val="808080"/>
@@ -16652,7 +16700,7 @@
           <p:cNvPr id="21507" name="Rectangle 3">
             <a:extLst>
               <a:ext uri="{FF2B5EF4-FFF2-40B4-BE49-F238E27FC236}">
-                <a16:creationId xmlns:a16="http://schemas.microsoft.com/office/drawing/2014/main" id="{EEC0A1FF-CD93-478D-8AA4-AA9244AD0DE7}"/>
+                <a16:creationId xmlns:a16="http://schemas.microsoft.com/office/drawing/2014/main" xmlns="" id="{EEC0A1FF-CD93-478D-8AA4-AA9244AD0DE7}"/>
               </a:ext>
             </a:extLst>
           </p:cNvPr>
@@ -16714,7 +16762,7 @@
           <p:cNvPr id="6" name="Rectangle 2">
             <a:extLst>
               <a:ext uri="{FF2B5EF4-FFF2-40B4-BE49-F238E27FC236}">
-                <a16:creationId xmlns:a16="http://schemas.microsoft.com/office/drawing/2014/main" id="{B1F3D21A-D48F-4657-9F9D-A479C707588E}"/>
+                <a16:creationId xmlns:a16="http://schemas.microsoft.com/office/drawing/2014/main" xmlns="" id="{B1F3D21A-D48F-4657-9F9D-A479C707588E}"/>
               </a:ext>
             </a:extLst>
           </p:cNvPr>
@@ -16737,6 +16785,10 @@
               <a:rPr lang="zh-CN" altLang="en-US" sz="2800" b="0" dirty="0"/>
               <a:t>霍尔的三维结构模式</a:t>
             </a:r>
+            <a:r>
+              <a:rPr lang="en-US" altLang="zh-CN" sz="2800" b="0" dirty="0"/>
+              <a:t/>
+            </a:r>
             <a:br>
               <a:rPr lang="en-US" altLang="zh-CN" sz="2800" b="0" dirty="0"/>
             </a:br>
@@ -16751,7 +16803,7 @@
     </p:spTree>
     <p:extLst>
       <p:ext uri="{BB962C8B-B14F-4D97-AF65-F5344CB8AC3E}">
-        <p14:creationId xmlns:p14="http://schemas.microsoft.com/office/powerpoint/2010/main" val="2220467635"/>
+        <p14:creationId xmlns:p14="http://schemas.microsoft.com/office/powerpoint/2010/main" xmlns="" val="2220467635"/>
       </p:ext>
     </p:extLst>
   </p:cSld>
@@ -16783,7 +16835,7 @@
           <p:cNvPr id="4098" name="Rectangle 2">
             <a:extLst>
               <a:ext uri="{FF2B5EF4-FFF2-40B4-BE49-F238E27FC236}">
-                <a16:creationId xmlns:a16="http://schemas.microsoft.com/office/drawing/2014/main" id="{F11018BA-5434-4561-B412-293389E04FD0}"/>
+                <a16:creationId xmlns:a16="http://schemas.microsoft.com/office/drawing/2014/main" xmlns="" id="{F11018BA-5434-4561-B412-293389E04FD0}"/>
               </a:ext>
             </a:extLst>
           </p:cNvPr>
@@ -16812,7 +16864,7 @@
           <p:cNvPr id="4099" name="Rectangle 3">
             <a:extLst>
               <a:ext uri="{FF2B5EF4-FFF2-40B4-BE49-F238E27FC236}">
-                <a16:creationId xmlns:a16="http://schemas.microsoft.com/office/drawing/2014/main" id="{2FB248A4-1002-4AAA-9CA9-E4E3A79A9CA3}"/>
+                <a16:creationId xmlns:a16="http://schemas.microsoft.com/office/drawing/2014/main" xmlns="" id="{2FB248A4-1002-4AAA-9CA9-E4E3A79A9CA3}"/>
               </a:ext>
             </a:extLst>
           </p:cNvPr>
@@ -17012,7 +17064,7 @@
     </p:spTree>
     <p:extLst>
       <p:ext uri="{BB962C8B-B14F-4D97-AF65-F5344CB8AC3E}">
-        <p14:creationId xmlns:p14="http://schemas.microsoft.com/office/powerpoint/2010/main" val="657966711"/>
+        <p14:creationId xmlns:p14="http://schemas.microsoft.com/office/powerpoint/2010/main" xmlns="" val="657966711"/>
       </p:ext>
     </p:extLst>
   </p:cSld>
@@ -17044,7 +17096,7 @@
           <p:cNvPr id="21506" name="Rectangle 2">
             <a:extLst>
               <a:ext uri="{FF2B5EF4-FFF2-40B4-BE49-F238E27FC236}">
-                <a16:creationId xmlns:a16="http://schemas.microsoft.com/office/drawing/2014/main" id="{17C64A32-31FA-497B-845A-F0CA1795B2F3}"/>
+                <a16:creationId xmlns:a16="http://schemas.microsoft.com/office/drawing/2014/main" xmlns="" id="{17C64A32-31FA-497B-845A-F0CA1795B2F3}"/>
               </a:ext>
             </a:extLst>
           </p:cNvPr>
@@ -17077,7 +17129,7 @@
           <p:cNvPr id="21507" name="Rectangle 3">
             <a:extLst>
               <a:ext uri="{FF2B5EF4-FFF2-40B4-BE49-F238E27FC236}">
-                <a16:creationId xmlns:a16="http://schemas.microsoft.com/office/drawing/2014/main" id="{EEC0A1FF-CD93-478D-8AA4-AA9244AD0DE7}"/>
+                <a16:creationId xmlns:a16="http://schemas.microsoft.com/office/drawing/2014/main" xmlns="" id="{EEC0A1FF-CD93-478D-8AA4-AA9244AD0DE7}"/>
               </a:ext>
             </a:extLst>
           </p:cNvPr>
@@ -17175,7 +17227,7 @@
     </p:spTree>
     <p:extLst>
       <p:ext uri="{BB962C8B-B14F-4D97-AF65-F5344CB8AC3E}">
-        <p14:creationId xmlns:p14="http://schemas.microsoft.com/office/powerpoint/2010/main" val="495820236"/>
+        <p14:creationId xmlns:p14="http://schemas.microsoft.com/office/powerpoint/2010/main" xmlns="" val="495820236"/>
       </p:ext>
     </p:extLst>
   </p:cSld>
@@ -17207,7 +17259,7 @@
           <p:cNvPr id="21506" name="Rectangle 2">
             <a:extLst>
               <a:ext uri="{FF2B5EF4-FFF2-40B4-BE49-F238E27FC236}">
-                <a16:creationId xmlns:a16="http://schemas.microsoft.com/office/drawing/2014/main" id="{17C64A32-31FA-497B-845A-F0CA1795B2F3}"/>
+                <a16:creationId xmlns:a16="http://schemas.microsoft.com/office/drawing/2014/main" xmlns="" id="{17C64A32-31FA-497B-845A-F0CA1795B2F3}"/>
               </a:ext>
             </a:extLst>
           </p:cNvPr>
@@ -17240,7 +17292,7 @@
           <p:cNvPr id="21507" name="Rectangle 3">
             <a:extLst>
               <a:ext uri="{FF2B5EF4-FFF2-40B4-BE49-F238E27FC236}">
-                <a16:creationId xmlns:a16="http://schemas.microsoft.com/office/drawing/2014/main" id="{EEC0A1FF-CD93-478D-8AA4-AA9244AD0DE7}"/>
+                <a16:creationId xmlns:a16="http://schemas.microsoft.com/office/drawing/2014/main" xmlns="" id="{EEC0A1FF-CD93-478D-8AA4-AA9244AD0DE7}"/>
               </a:ext>
             </a:extLst>
           </p:cNvPr>
@@ -17339,7 +17391,7 @@
     </p:spTree>
     <p:extLst>
       <p:ext uri="{BB962C8B-B14F-4D97-AF65-F5344CB8AC3E}">
-        <p14:creationId xmlns:p14="http://schemas.microsoft.com/office/powerpoint/2010/main" val="1026601646"/>
+        <p14:creationId xmlns:p14="http://schemas.microsoft.com/office/powerpoint/2010/main" xmlns="" val="1026601646"/>
       </p:ext>
     </p:extLst>
   </p:cSld>
@@ -17371,7 +17423,7 @@
           <p:cNvPr id="27650" name="标题 1">
             <a:extLst>
               <a:ext uri="{FF2B5EF4-FFF2-40B4-BE49-F238E27FC236}">
-                <a16:creationId xmlns:a16="http://schemas.microsoft.com/office/drawing/2014/main" id="{CA798EDF-0333-4662-8CF5-BC8D3BF2ED0D}"/>
+                <a16:creationId xmlns:a16="http://schemas.microsoft.com/office/drawing/2014/main" xmlns="" id="{CA798EDF-0333-4662-8CF5-BC8D3BF2ED0D}"/>
               </a:ext>
             </a:extLst>
           </p:cNvPr>
@@ -17407,7 +17459,7 @@
           <p:cNvPr id="2" name="组合 1">
             <a:extLst>
               <a:ext uri="{FF2B5EF4-FFF2-40B4-BE49-F238E27FC236}">
-                <a16:creationId xmlns:a16="http://schemas.microsoft.com/office/drawing/2014/main" id="{50828ED5-6B1B-4C8C-A349-49E58122D354}"/>
+                <a16:creationId xmlns:a16="http://schemas.microsoft.com/office/drawing/2014/main" xmlns="" id="{50828ED5-6B1B-4C8C-A349-49E58122D354}"/>
               </a:ext>
             </a:extLst>
           </p:cNvPr>
@@ -17427,7 +17479,7 @@
             <p:cNvPr id="4" name="椭圆 3">
               <a:extLst>
                 <a:ext uri="{FF2B5EF4-FFF2-40B4-BE49-F238E27FC236}">
-                  <a16:creationId xmlns:a16="http://schemas.microsoft.com/office/drawing/2014/main" id="{474E3CAD-CB93-40EB-949D-5D99DAFEB41A}"/>
+                  <a16:creationId xmlns:a16="http://schemas.microsoft.com/office/drawing/2014/main" xmlns="" id="{474E3CAD-CB93-40EB-949D-5D99DAFEB41A}"/>
                 </a:ext>
               </a:extLst>
             </p:cNvPr>
@@ -17480,7 +17532,7 @@
             <p:cNvPr id="5" name="椭圆 4">
               <a:extLst>
                 <a:ext uri="{FF2B5EF4-FFF2-40B4-BE49-F238E27FC236}">
-                  <a16:creationId xmlns:a16="http://schemas.microsoft.com/office/drawing/2014/main" id="{3C5231DA-14A7-4D2D-9E0B-7FF745B87EBD}"/>
+                  <a16:creationId xmlns:a16="http://schemas.microsoft.com/office/drawing/2014/main" xmlns="" id="{3C5231DA-14A7-4D2D-9E0B-7FF745B87EBD}"/>
                 </a:ext>
               </a:extLst>
             </p:cNvPr>
@@ -17533,7 +17585,7 @@
             <p:cNvPr id="6" name="椭圆 5">
               <a:extLst>
                 <a:ext uri="{FF2B5EF4-FFF2-40B4-BE49-F238E27FC236}">
-                  <a16:creationId xmlns:a16="http://schemas.microsoft.com/office/drawing/2014/main" id="{1E09A578-78F9-4004-8F37-1DE53A064EB1}"/>
+                  <a16:creationId xmlns:a16="http://schemas.microsoft.com/office/drawing/2014/main" xmlns="" id="{1E09A578-78F9-4004-8F37-1DE53A064EB1}"/>
                 </a:ext>
               </a:extLst>
             </p:cNvPr>
@@ -17598,7 +17650,7 @@
             <p:cNvPr id="7" name="椭圆 6">
               <a:extLst>
                 <a:ext uri="{FF2B5EF4-FFF2-40B4-BE49-F238E27FC236}">
-                  <a16:creationId xmlns:a16="http://schemas.microsoft.com/office/drawing/2014/main" id="{FFC8BA5C-55A5-44AB-B38D-C43789B32754}"/>
+                  <a16:creationId xmlns:a16="http://schemas.microsoft.com/office/drawing/2014/main" xmlns="" id="{FFC8BA5C-55A5-44AB-B38D-C43789B32754}"/>
                 </a:ext>
               </a:extLst>
             </p:cNvPr>
@@ -17651,7 +17703,7 @@
             <p:cNvPr id="8" name="椭圆 7">
               <a:extLst>
                 <a:ext uri="{FF2B5EF4-FFF2-40B4-BE49-F238E27FC236}">
-                  <a16:creationId xmlns:a16="http://schemas.microsoft.com/office/drawing/2014/main" id="{4472C9A8-67E8-417B-A5B5-873D13233C55}"/>
+                  <a16:creationId xmlns:a16="http://schemas.microsoft.com/office/drawing/2014/main" xmlns="" id="{4472C9A8-67E8-417B-A5B5-873D13233C55}"/>
                 </a:ext>
               </a:extLst>
             </p:cNvPr>
@@ -17704,7 +17756,7 @@
             <p:cNvPr id="9" name="椭圆 8">
               <a:extLst>
                 <a:ext uri="{FF2B5EF4-FFF2-40B4-BE49-F238E27FC236}">
-                  <a16:creationId xmlns:a16="http://schemas.microsoft.com/office/drawing/2014/main" id="{5EAEBCDC-815F-47BD-BCE5-F97208C6F376}"/>
+                  <a16:creationId xmlns:a16="http://schemas.microsoft.com/office/drawing/2014/main" xmlns="" id="{5EAEBCDC-815F-47BD-BCE5-F97208C6F376}"/>
                 </a:ext>
               </a:extLst>
             </p:cNvPr>
@@ -17769,7 +17821,7 @@
             <p:cNvPr id="10" name="椭圆 9">
               <a:extLst>
                 <a:ext uri="{FF2B5EF4-FFF2-40B4-BE49-F238E27FC236}">
-                  <a16:creationId xmlns:a16="http://schemas.microsoft.com/office/drawing/2014/main" id="{225ECEE4-5727-46DA-B9E7-A696CC492FE9}"/>
+                  <a16:creationId xmlns:a16="http://schemas.microsoft.com/office/drawing/2014/main" xmlns="" id="{225ECEE4-5727-46DA-B9E7-A696CC492FE9}"/>
                 </a:ext>
               </a:extLst>
             </p:cNvPr>
@@ -17838,7 +17890,7 @@
             <p:cNvPr id="11" name="椭圆 10">
               <a:extLst>
                 <a:ext uri="{FF2B5EF4-FFF2-40B4-BE49-F238E27FC236}">
-                  <a16:creationId xmlns:a16="http://schemas.microsoft.com/office/drawing/2014/main" id="{D3167DB7-03E6-406A-AEA9-0E18E491661B}"/>
+                  <a16:creationId xmlns:a16="http://schemas.microsoft.com/office/drawing/2014/main" xmlns="" id="{D3167DB7-03E6-406A-AEA9-0E18E491661B}"/>
                 </a:ext>
               </a:extLst>
             </p:cNvPr>
@@ -17891,7 +17943,7 @@
             <p:cNvPr id="12" name="椭圆 11">
               <a:extLst>
                 <a:ext uri="{FF2B5EF4-FFF2-40B4-BE49-F238E27FC236}">
-                  <a16:creationId xmlns:a16="http://schemas.microsoft.com/office/drawing/2014/main" id="{D418B86F-5604-402E-8F52-09F947290294}"/>
+                  <a16:creationId xmlns:a16="http://schemas.microsoft.com/office/drawing/2014/main" xmlns="" id="{D418B86F-5604-402E-8F52-09F947290294}"/>
                 </a:ext>
               </a:extLst>
             </p:cNvPr>
@@ -17944,7 +17996,7 @@
             <p:cNvPr id="13" name="任意多边形: 形状 12">
               <a:extLst>
                 <a:ext uri="{FF2B5EF4-FFF2-40B4-BE49-F238E27FC236}">
-                  <a16:creationId xmlns:a16="http://schemas.microsoft.com/office/drawing/2014/main" id="{D0E3B17E-C213-4193-BB11-65C1D573124A}"/>
+                  <a16:creationId xmlns:a16="http://schemas.microsoft.com/office/drawing/2014/main" xmlns="" id="{D0E3B17E-C213-4193-BB11-65C1D573124A}"/>
                 </a:ext>
               </a:extLst>
             </p:cNvPr>
@@ -18685,7 +18737,7 @@
             <p:cNvPr id="27661" name="文本框 13">
               <a:extLst>
                 <a:ext uri="{FF2B5EF4-FFF2-40B4-BE49-F238E27FC236}">
-                  <a16:creationId xmlns:a16="http://schemas.microsoft.com/office/drawing/2014/main" id="{5C39EA1F-B183-41E3-ACE7-A7F4412F43E5}"/>
+                  <a16:creationId xmlns:a16="http://schemas.microsoft.com/office/drawing/2014/main" xmlns="" id="{5C39EA1F-B183-41E3-ACE7-A7F4412F43E5}"/>
                 </a:ext>
               </a:extLst>
             </p:cNvPr>
@@ -18708,14 +18760,14 @@
             </a:ln>
             <a:extLst>
               <a:ext uri="{909E8E84-426E-40DD-AFC4-6F175D3DCCD1}">
-                <a14:hiddenFill xmlns:a14="http://schemas.microsoft.com/office/drawing/2010/main">
+                <a14:hiddenFill xmlns:a14="http://schemas.microsoft.com/office/drawing/2010/main" xmlns="">
                   <a:solidFill>
                     <a:srgbClr val="FFFFFF"/>
                   </a:solidFill>
                 </a14:hiddenFill>
               </a:ext>
               <a:ext uri="{91240B29-F687-4F45-9708-019B960494DF}">
-                <a14:hiddenLine xmlns:a14="http://schemas.microsoft.com/office/drawing/2010/main" w="9525">
+                <a14:hiddenLine xmlns:a14="http://schemas.microsoft.com/office/drawing/2010/main" xmlns="" w="9525">
                   <a:solidFill>
                     <a:srgbClr val="000000"/>
                   </a:solidFill>
@@ -18853,7 +18905,7 @@
             <p:cNvPr id="27662" name="文本框 14">
               <a:extLst>
                 <a:ext uri="{FF2B5EF4-FFF2-40B4-BE49-F238E27FC236}">
-                  <a16:creationId xmlns:a16="http://schemas.microsoft.com/office/drawing/2014/main" id="{07070187-C6F1-479C-ADED-EDC7B4611F87}"/>
+                  <a16:creationId xmlns:a16="http://schemas.microsoft.com/office/drawing/2014/main" xmlns="" id="{07070187-C6F1-479C-ADED-EDC7B4611F87}"/>
                 </a:ext>
               </a:extLst>
             </p:cNvPr>
@@ -18876,14 +18928,14 @@
             </a:ln>
             <a:extLst>
               <a:ext uri="{909E8E84-426E-40DD-AFC4-6F175D3DCCD1}">
-                <a14:hiddenFill xmlns:a14="http://schemas.microsoft.com/office/drawing/2010/main">
+                <a14:hiddenFill xmlns:a14="http://schemas.microsoft.com/office/drawing/2010/main" xmlns="">
                   <a:solidFill>
                     <a:srgbClr val="FFFFFF"/>
                   </a:solidFill>
                 </a14:hiddenFill>
               </a:ext>
               <a:ext uri="{91240B29-F687-4F45-9708-019B960494DF}">
-                <a14:hiddenLine xmlns:a14="http://schemas.microsoft.com/office/drawing/2010/main" w="9525">
+                <a14:hiddenLine xmlns:a14="http://schemas.microsoft.com/office/drawing/2010/main" xmlns="" w="9525">
                   <a:solidFill>
                     <a:srgbClr val="000000"/>
                   </a:solidFill>
@@ -19021,7 +19073,7 @@
             <p:cNvPr id="16" name="椭圆 15">
               <a:extLst>
                 <a:ext uri="{FF2B5EF4-FFF2-40B4-BE49-F238E27FC236}">
-                  <a16:creationId xmlns:a16="http://schemas.microsoft.com/office/drawing/2014/main" id="{2878A304-B5E6-40D0-B74A-056AE6093A33}"/>
+                  <a16:creationId xmlns:a16="http://schemas.microsoft.com/office/drawing/2014/main" xmlns="" id="{2878A304-B5E6-40D0-B74A-056AE6093A33}"/>
                 </a:ext>
               </a:extLst>
             </p:cNvPr>
@@ -19067,7 +19119,7 @@
             <p:cNvPr id="17" name="椭圆 16">
               <a:extLst>
                 <a:ext uri="{FF2B5EF4-FFF2-40B4-BE49-F238E27FC236}">
-                  <a16:creationId xmlns:a16="http://schemas.microsoft.com/office/drawing/2014/main" id="{BFAE9254-9DB2-4F0E-8C74-8116786763E6}"/>
+                  <a16:creationId xmlns:a16="http://schemas.microsoft.com/office/drawing/2014/main" xmlns="" id="{BFAE9254-9DB2-4F0E-8C74-8116786763E6}"/>
                 </a:ext>
               </a:extLst>
             </p:cNvPr>
@@ -19113,7 +19165,7 @@
             <p:cNvPr id="18" name="椭圆 17">
               <a:extLst>
                 <a:ext uri="{FF2B5EF4-FFF2-40B4-BE49-F238E27FC236}">
-                  <a16:creationId xmlns:a16="http://schemas.microsoft.com/office/drawing/2014/main" id="{3FD51826-41D5-4D07-9600-DB34B6188F49}"/>
+                  <a16:creationId xmlns:a16="http://schemas.microsoft.com/office/drawing/2014/main" xmlns="" id="{3FD51826-41D5-4D07-9600-DB34B6188F49}"/>
                 </a:ext>
               </a:extLst>
             </p:cNvPr>
@@ -19159,7 +19211,7 @@
             <p:cNvPr id="19" name="椭圆 18">
               <a:extLst>
                 <a:ext uri="{FF2B5EF4-FFF2-40B4-BE49-F238E27FC236}">
-                  <a16:creationId xmlns:a16="http://schemas.microsoft.com/office/drawing/2014/main" id="{F8100EAA-8DA6-4230-9CB1-D2C8DD505057}"/>
+                  <a16:creationId xmlns:a16="http://schemas.microsoft.com/office/drawing/2014/main" xmlns="" id="{F8100EAA-8DA6-4230-9CB1-D2C8DD505057}"/>
                 </a:ext>
               </a:extLst>
             </p:cNvPr>
@@ -19205,7 +19257,7 @@
             <p:cNvPr id="20" name="椭圆 19">
               <a:extLst>
                 <a:ext uri="{FF2B5EF4-FFF2-40B4-BE49-F238E27FC236}">
-                  <a16:creationId xmlns:a16="http://schemas.microsoft.com/office/drawing/2014/main" id="{890AFDCD-CB08-41F8-9079-4F0705EE07C5}"/>
+                  <a16:creationId xmlns:a16="http://schemas.microsoft.com/office/drawing/2014/main" xmlns="" id="{890AFDCD-CB08-41F8-9079-4F0705EE07C5}"/>
                 </a:ext>
               </a:extLst>
             </p:cNvPr>
@@ -19251,7 +19303,7 @@
             <p:cNvPr id="21" name="椭圆 20">
               <a:extLst>
                 <a:ext uri="{FF2B5EF4-FFF2-40B4-BE49-F238E27FC236}">
-                  <a16:creationId xmlns:a16="http://schemas.microsoft.com/office/drawing/2014/main" id="{E90BCCA2-E7C8-49E4-97B4-CE984BC420D0}"/>
+                  <a16:creationId xmlns:a16="http://schemas.microsoft.com/office/drawing/2014/main" xmlns="" id="{E90BCCA2-E7C8-49E4-97B4-CE984BC420D0}"/>
                 </a:ext>
               </a:extLst>
             </p:cNvPr>
@@ -19297,7 +19349,7 @@
             <p:cNvPr id="23" name="直接箭头连接符 22">
               <a:extLst>
                 <a:ext uri="{FF2B5EF4-FFF2-40B4-BE49-F238E27FC236}">
-                  <a16:creationId xmlns:a16="http://schemas.microsoft.com/office/drawing/2014/main" id="{D5F62E49-9CBD-4947-8545-8CF36790F006}"/>
+                  <a16:creationId xmlns:a16="http://schemas.microsoft.com/office/drawing/2014/main" xmlns="" id="{D5F62E49-9CBD-4947-8545-8CF36790F006}"/>
                 </a:ext>
               </a:extLst>
             </p:cNvPr>
@@ -19339,7 +19391,7 @@
             <p:cNvPr id="24" name="直接箭头连接符 23">
               <a:extLst>
                 <a:ext uri="{FF2B5EF4-FFF2-40B4-BE49-F238E27FC236}">
-                  <a16:creationId xmlns:a16="http://schemas.microsoft.com/office/drawing/2014/main" id="{819EB4A0-6BE3-430F-846C-4FF13D5C17C6}"/>
+                  <a16:creationId xmlns:a16="http://schemas.microsoft.com/office/drawing/2014/main" xmlns="" id="{819EB4A0-6BE3-430F-846C-4FF13D5C17C6}"/>
                 </a:ext>
               </a:extLst>
             </p:cNvPr>
@@ -19381,7 +19433,7 @@
             <p:cNvPr id="26" name="直接箭头连接符 25">
               <a:extLst>
                 <a:ext uri="{FF2B5EF4-FFF2-40B4-BE49-F238E27FC236}">
-                  <a16:creationId xmlns:a16="http://schemas.microsoft.com/office/drawing/2014/main" id="{213EF63F-429A-4B80-BCC5-CEF3EB4034BA}"/>
+                  <a16:creationId xmlns:a16="http://schemas.microsoft.com/office/drawing/2014/main" xmlns="" id="{213EF63F-429A-4B80-BCC5-CEF3EB4034BA}"/>
                 </a:ext>
               </a:extLst>
             </p:cNvPr>
@@ -19423,7 +19475,7 @@
             <p:cNvPr id="28" name="直接箭头连接符 27">
               <a:extLst>
                 <a:ext uri="{FF2B5EF4-FFF2-40B4-BE49-F238E27FC236}">
-                  <a16:creationId xmlns:a16="http://schemas.microsoft.com/office/drawing/2014/main" id="{B871B174-D1DE-4F03-AFAA-E62506AD4C1F}"/>
+                  <a16:creationId xmlns:a16="http://schemas.microsoft.com/office/drawing/2014/main" xmlns="" id="{B871B174-D1DE-4F03-AFAA-E62506AD4C1F}"/>
                 </a:ext>
               </a:extLst>
             </p:cNvPr>
@@ -19465,7 +19517,7 @@
             <p:cNvPr id="30" name="直接箭头连接符 29">
               <a:extLst>
                 <a:ext uri="{FF2B5EF4-FFF2-40B4-BE49-F238E27FC236}">
-                  <a16:creationId xmlns:a16="http://schemas.microsoft.com/office/drawing/2014/main" id="{86BDE73D-DE29-4D57-926A-DC2DACC64D60}"/>
+                  <a16:creationId xmlns:a16="http://schemas.microsoft.com/office/drawing/2014/main" xmlns="" id="{86BDE73D-DE29-4D57-926A-DC2DACC64D60}"/>
                 </a:ext>
               </a:extLst>
             </p:cNvPr>
@@ -19508,7 +19560,7 @@
             <p:cNvPr id="33" name="直接箭头连接符 32">
               <a:extLst>
                 <a:ext uri="{FF2B5EF4-FFF2-40B4-BE49-F238E27FC236}">
-                  <a16:creationId xmlns:a16="http://schemas.microsoft.com/office/drawing/2014/main" id="{2C50565B-1F85-4FD9-8F67-E6BFD22FA588}"/>
+                  <a16:creationId xmlns:a16="http://schemas.microsoft.com/office/drawing/2014/main" xmlns="" id="{2C50565B-1F85-4FD9-8F67-E6BFD22FA588}"/>
                 </a:ext>
               </a:extLst>
             </p:cNvPr>
@@ -19551,7 +19603,7 @@
             <p:cNvPr id="36" name="直接箭头连接符 35">
               <a:extLst>
                 <a:ext uri="{FF2B5EF4-FFF2-40B4-BE49-F238E27FC236}">
-                  <a16:creationId xmlns:a16="http://schemas.microsoft.com/office/drawing/2014/main" id="{9ED94F1E-75EE-436E-A391-EFC3E1B037AD}"/>
+                  <a16:creationId xmlns:a16="http://schemas.microsoft.com/office/drawing/2014/main" xmlns="" id="{9ED94F1E-75EE-436E-A391-EFC3E1B037AD}"/>
                 </a:ext>
               </a:extLst>
             </p:cNvPr>
@@ -19593,7 +19645,7 @@
             <p:cNvPr id="38" name="直接箭头连接符 37">
               <a:extLst>
                 <a:ext uri="{FF2B5EF4-FFF2-40B4-BE49-F238E27FC236}">
-                  <a16:creationId xmlns:a16="http://schemas.microsoft.com/office/drawing/2014/main" id="{600B8D21-686E-48F5-9E4D-2EF680DBF6EA}"/>
+                  <a16:creationId xmlns:a16="http://schemas.microsoft.com/office/drawing/2014/main" xmlns="" id="{600B8D21-686E-48F5-9E4D-2EF680DBF6EA}"/>
                 </a:ext>
               </a:extLst>
             </p:cNvPr>
@@ -19635,7 +19687,7 @@
     </p:spTree>
     <p:extLst>
       <p:ext uri="{BB962C8B-B14F-4D97-AF65-F5344CB8AC3E}">
-        <p14:creationId xmlns:p14="http://schemas.microsoft.com/office/powerpoint/2010/main" val="800478835"/>
+        <p14:creationId xmlns:p14="http://schemas.microsoft.com/office/powerpoint/2010/main" xmlns="" val="800478835"/>
       </p:ext>
     </p:extLst>
   </p:cSld>
@@ -19667,7 +19719,7 @@
           <p:cNvPr id="27650" name="标题 1">
             <a:extLst>
               <a:ext uri="{FF2B5EF4-FFF2-40B4-BE49-F238E27FC236}">
-                <a16:creationId xmlns:a16="http://schemas.microsoft.com/office/drawing/2014/main" id="{CA798EDF-0333-4662-8CF5-BC8D3BF2ED0D}"/>
+                <a16:creationId xmlns:a16="http://schemas.microsoft.com/office/drawing/2014/main" xmlns="" id="{CA798EDF-0333-4662-8CF5-BC8D3BF2ED0D}"/>
               </a:ext>
             </a:extLst>
           </p:cNvPr>
@@ -19702,7 +19754,7 @@
           <p:cNvPr id="14" name="表格 13">
             <a:extLst>
               <a:ext uri="{FF2B5EF4-FFF2-40B4-BE49-F238E27FC236}">
-                <a16:creationId xmlns:a16="http://schemas.microsoft.com/office/drawing/2014/main" id="{E56191ED-2BC1-44B6-8624-2CCF43B4C69A}"/>
+                <a16:creationId xmlns:a16="http://schemas.microsoft.com/office/drawing/2014/main" xmlns="" id="{E56191ED-2BC1-44B6-8624-2CCF43B4C69A}"/>
               </a:ext>
             </a:extLst>
           </p:cNvPr>
@@ -19712,7 +19764,7 @@
           <p:nvPr>
             <p:extLst>
               <p:ext uri="{D42A27DB-BD31-4B8C-83A1-F6EECF244321}">
-                <p14:modId xmlns:p14="http://schemas.microsoft.com/office/powerpoint/2010/main" val="3716619328"/>
+                <p14:modId xmlns:p14="http://schemas.microsoft.com/office/powerpoint/2010/main" xmlns="" val="3716619328"/>
               </p:ext>
             </p:extLst>
           </p:nvPr>
@@ -19731,21 +19783,21 @@
                 <a:gridCol w="1872208">
                   <a:extLst>
                     <a:ext uri="{9D8B030D-6E8A-4147-A177-3AD203B41FA5}">
-                      <a16:colId xmlns:a16="http://schemas.microsoft.com/office/drawing/2014/main" val="20375303"/>
+                      <a16:colId xmlns:a16="http://schemas.microsoft.com/office/drawing/2014/main" xmlns="" val="20375303"/>
                     </a:ext>
                   </a:extLst>
                 </a:gridCol>
                 <a:gridCol w="1224136">
                   <a:extLst>
                     <a:ext uri="{9D8B030D-6E8A-4147-A177-3AD203B41FA5}">
-                      <a16:colId xmlns:a16="http://schemas.microsoft.com/office/drawing/2014/main" val="2071344500"/>
+                      <a16:colId xmlns:a16="http://schemas.microsoft.com/office/drawing/2014/main" xmlns="" val="2071344500"/>
                     </a:ext>
                   </a:extLst>
                 </a:gridCol>
                 <a:gridCol w="4464495">
                   <a:extLst>
                     <a:ext uri="{9D8B030D-6E8A-4147-A177-3AD203B41FA5}">
-                      <a16:colId xmlns:a16="http://schemas.microsoft.com/office/drawing/2014/main" val="1479335389"/>
+                      <a16:colId xmlns:a16="http://schemas.microsoft.com/office/drawing/2014/main" xmlns="" val="1479335389"/>
                     </a:ext>
                   </a:extLst>
                 </a:gridCol>
@@ -19825,7 +19877,7 @@
                 </a:tc>
                 <a:extLst>
                   <a:ext uri="{0D108BD9-81ED-4DB2-BD59-A6C34878D82A}">
-                    <a16:rowId xmlns:a16="http://schemas.microsoft.com/office/drawing/2014/main" val="3841584599"/>
+                    <a16:rowId xmlns:a16="http://schemas.microsoft.com/office/drawing/2014/main" xmlns="" val="3841584599"/>
                   </a:ext>
                 </a:extLst>
               </a:tr>
@@ -19904,7 +19956,7 @@
                 </a:tc>
                 <a:extLst>
                   <a:ext uri="{0D108BD9-81ED-4DB2-BD59-A6C34878D82A}">
-                    <a16:rowId xmlns:a16="http://schemas.microsoft.com/office/drawing/2014/main" val="359745457"/>
+                    <a16:rowId xmlns:a16="http://schemas.microsoft.com/office/drawing/2014/main" xmlns="" val="359745457"/>
                   </a:ext>
                 </a:extLst>
               </a:tr>
@@ -19983,7 +20035,7 @@
                 </a:tc>
                 <a:extLst>
                   <a:ext uri="{0D108BD9-81ED-4DB2-BD59-A6C34878D82A}">
-                    <a16:rowId xmlns:a16="http://schemas.microsoft.com/office/drawing/2014/main" val="4224046980"/>
+                    <a16:rowId xmlns:a16="http://schemas.microsoft.com/office/drawing/2014/main" xmlns="" val="4224046980"/>
                   </a:ext>
                 </a:extLst>
               </a:tr>
@@ -20062,7 +20114,7 @@
                 </a:tc>
                 <a:extLst>
                   <a:ext uri="{0D108BD9-81ED-4DB2-BD59-A6C34878D82A}">
-                    <a16:rowId xmlns:a16="http://schemas.microsoft.com/office/drawing/2014/main" val="2119558626"/>
+                    <a16:rowId xmlns:a16="http://schemas.microsoft.com/office/drawing/2014/main" xmlns="" val="2119558626"/>
                   </a:ext>
                 </a:extLst>
               </a:tr>
@@ -20141,7 +20193,7 @@
                 </a:tc>
                 <a:extLst>
                   <a:ext uri="{0D108BD9-81ED-4DB2-BD59-A6C34878D82A}">
-                    <a16:rowId xmlns:a16="http://schemas.microsoft.com/office/drawing/2014/main" val="114373019"/>
+                    <a16:rowId xmlns:a16="http://schemas.microsoft.com/office/drawing/2014/main" xmlns="" val="114373019"/>
                   </a:ext>
                 </a:extLst>
               </a:tr>
@@ -20220,7 +20272,7 @@
                 </a:tc>
                 <a:extLst>
                   <a:ext uri="{0D108BD9-81ED-4DB2-BD59-A6C34878D82A}">
-                    <a16:rowId xmlns:a16="http://schemas.microsoft.com/office/drawing/2014/main" val="411148619"/>
+                    <a16:rowId xmlns:a16="http://schemas.microsoft.com/office/drawing/2014/main" xmlns="" val="411148619"/>
                   </a:ext>
                 </a:extLst>
               </a:tr>
@@ -20299,7 +20351,7 @@
                 </a:tc>
                 <a:extLst>
                   <a:ext uri="{0D108BD9-81ED-4DB2-BD59-A6C34878D82A}">
-                    <a16:rowId xmlns:a16="http://schemas.microsoft.com/office/drawing/2014/main" val="4030002266"/>
+                    <a16:rowId xmlns:a16="http://schemas.microsoft.com/office/drawing/2014/main" xmlns="" val="4030002266"/>
                   </a:ext>
                 </a:extLst>
               </a:tr>
@@ -20337,7 +20389,7 @@
           <p:cNvPr id="27650" name="标题 1">
             <a:extLst>
               <a:ext uri="{FF2B5EF4-FFF2-40B4-BE49-F238E27FC236}">
-                <a16:creationId xmlns:a16="http://schemas.microsoft.com/office/drawing/2014/main" id="{CA798EDF-0333-4662-8CF5-BC8D3BF2ED0D}"/>
+                <a16:creationId xmlns:a16="http://schemas.microsoft.com/office/drawing/2014/main" xmlns="" id="{CA798EDF-0333-4662-8CF5-BC8D3BF2ED0D}"/>
               </a:ext>
             </a:extLst>
           </p:cNvPr>
@@ -20375,7 +20427,7 @@
           <p:cNvPr id="4" name="表格 3">
             <a:extLst>
               <a:ext uri="{FF2B5EF4-FFF2-40B4-BE49-F238E27FC236}">
-                <a16:creationId xmlns:a16="http://schemas.microsoft.com/office/drawing/2014/main" id="{886EB22E-1A57-464B-A2BB-971B1CBB2C58}"/>
+                <a16:creationId xmlns:a16="http://schemas.microsoft.com/office/drawing/2014/main" xmlns="" id="{886EB22E-1A57-464B-A2BB-971B1CBB2C58}"/>
               </a:ext>
             </a:extLst>
           </p:cNvPr>
@@ -20385,7 +20437,7 @@
           <p:nvPr>
             <p:extLst>
               <p:ext uri="{D42A27DB-BD31-4B8C-83A1-F6EECF244321}">
-                <p14:modId xmlns:p14="http://schemas.microsoft.com/office/powerpoint/2010/main" val="1045184235"/>
+                <p14:modId xmlns:p14="http://schemas.microsoft.com/office/powerpoint/2010/main" xmlns="" val="1045184235"/>
               </p:ext>
             </p:extLst>
           </p:nvPr>
@@ -20404,28 +20456,28 @@
                 <a:gridCol w="3199298">
                   <a:extLst>
                     <a:ext uri="{9D8B030D-6E8A-4147-A177-3AD203B41FA5}">
-                      <a16:colId xmlns:a16="http://schemas.microsoft.com/office/drawing/2014/main" val="20000"/>
+                      <a16:colId xmlns:a16="http://schemas.microsoft.com/office/drawing/2014/main" xmlns="" val="20000"/>
                     </a:ext>
                   </a:extLst>
                 </a:gridCol>
                 <a:gridCol w="2177300">
                   <a:extLst>
                     <a:ext uri="{9D8B030D-6E8A-4147-A177-3AD203B41FA5}">
-                      <a16:colId xmlns:a16="http://schemas.microsoft.com/office/drawing/2014/main" val="20001"/>
+                      <a16:colId xmlns:a16="http://schemas.microsoft.com/office/drawing/2014/main" xmlns="" val="20001"/>
                     </a:ext>
                   </a:extLst>
                 </a:gridCol>
                 <a:gridCol w="144901">
                   <a:extLst>
                     <a:ext uri="{9D8B030D-6E8A-4147-A177-3AD203B41FA5}">
-                      <a16:colId xmlns:a16="http://schemas.microsoft.com/office/drawing/2014/main" val="20002"/>
+                      <a16:colId xmlns:a16="http://schemas.microsoft.com/office/drawing/2014/main" xmlns="" val="20002"/>
                     </a:ext>
                   </a:extLst>
                 </a:gridCol>
                 <a:gridCol w="2543397">
                   <a:extLst>
                     <a:ext uri="{9D8B030D-6E8A-4147-A177-3AD203B41FA5}">
-                      <a16:colId xmlns:a16="http://schemas.microsoft.com/office/drawing/2014/main" val="1962246892"/>
+                      <a16:colId xmlns:a16="http://schemas.microsoft.com/office/drawing/2014/main" xmlns="" val="1962246892"/>
                     </a:ext>
                   </a:extLst>
                 </a:gridCol>
@@ -20759,7 +20811,7 @@
                 </a:tc>
                 <a:extLst>
                   <a:ext uri="{0D108BD9-81ED-4DB2-BD59-A6C34878D82A}">
-                    <a16:rowId xmlns:a16="http://schemas.microsoft.com/office/drawing/2014/main" val="10000"/>
+                    <a16:rowId xmlns:a16="http://schemas.microsoft.com/office/drawing/2014/main" xmlns="" val="10000"/>
                   </a:ext>
                 </a:extLst>
               </a:tr>
@@ -20980,7 +21032,7 @@
                 </a:tc>
                 <a:extLst>
                   <a:ext uri="{0D108BD9-81ED-4DB2-BD59-A6C34878D82A}">
-                    <a16:rowId xmlns:a16="http://schemas.microsoft.com/office/drawing/2014/main" val="10001"/>
+                    <a16:rowId xmlns:a16="http://schemas.microsoft.com/office/drawing/2014/main" xmlns="" val="10001"/>
                   </a:ext>
                 </a:extLst>
               </a:tr>
@@ -21268,7 +21320,7 @@
                 </a:tc>
                 <a:extLst>
                   <a:ext uri="{0D108BD9-81ED-4DB2-BD59-A6C34878D82A}">
-                    <a16:rowId xmlns:a16="http://schemas.microsoft.com/office/drawing/2014/main" val="10002"/>
+                    <a16:rowId xmlns:a16="http://schemas.microsoft.com/office/drawing/2014/main" xmlns="" val="10002"/>
                   </a:ext>
                 </a:extLst>
               </a:tr>
@@ -21556,7 +21608,7 @@
                 </a:tc>
                 <a:extLst>
                   <a:ext uri="{0D108BD9-81ED-4DB2-BD59-A6C34878D82A}">
-                    <a16:rowId xmlns:a16="http://schemas.microsoft.com/office/drawing/2014/main" val="10003"/>
+                    <a16:rowId xmlns:a16="http://schemas.microsoft.com/office/drawing/2014/main" xmlns="" val="10003"/>
                   </a:ext>
                 </a:extLst>
               </a:tr>
@@ -21844,7 +21896,7 @@
                 </a:tc>
                 <a:extLst>
                   <a:ext uri="{0D108BD9-81ED-4DB2-BD59-A6C34878D82A}">
-                    <a16:rowId xmlns:a16="http://schemas.microsoft.com/office/drawing/2014/main" val="10004"/>
+                    <a16:rowId xmlns:a16="http://schemas.microsoft.com/office/drawing/2014/main" xmlns="" val="10004"/>
                   </a:ext>
                 </a:extLst>
               </a:tr>
@@ -22065,7 +22117,7 @@
                 </a:tc>
                 <a:extLst>
                   <a:ext uri="{0D108BD9-81ED-4DB2-BD59-A6C34878D82A}">
-                    <a16:rowId xmlns:a16="http://schemas.microsoft.com/office/drawing/2014/main" val="10005"/>
+                    <a16:rowId xmlns:a16="http://schemas.microsoft.com/office/drawing/2014/main" xmlns="" val="10005"/>
                   </a:ext>
                 </a:extLst>
               </a:tr>
@@ -22286,7 +22338,7 @@
                 </a:tc>
                 <a:extLst>
                   <a:ext uri="{0D108BD9-81ED-4DB2-BD59-A6C34878D82A}">
-                    <a16:rowId xmlns:a16="http://schemas.microsoft.com/office/drawing/2014/main" val="10006"/>
+                    <a16:rowId xmlns:a16="http://schemas.microsoft.com/office/drawing/2014/main" xmlns="" val="10006"/>
                   </a:ext>
                 </a:extLst>
               </a:tr>
@@ -22297,7 +22349,7 @@
     </p:spTree>
     <p:extLst>
       <p:ext uri="{BB962C8B-B14F-4D97-AF65-F5344CB8AC3E}">
-        <p14:creationId xmlns:p14="http://schemas.microsoft.com/office/powerpoint/2010/main" val="2055257080"/>
+        <p14:creationId xmlns:p14="http://schemas.microsoft.com/office/powerpoint/2010/main" xmlns="" val="2055257080"/>
       </p:ext>
     </p:extLst>
   </p:cSld>
@@ -22329,7 +22381,7 @@
           <p:cNvPr id="21506" name="Rectangle 2">
             <a:extLst>
               <a:ext uri="{FF2B5EF4-FFF2-40B4-BE49-F238E27FC236}">
-                <a16:creationId xmlns:a16="http://schemas.microsoft.com/office/drawing/2014/main" id="{17C64A32-31FA-497B-845A-F0CA1795B2F3}"/>
+                <a16:creationId xmlns:a16="http://schemas.microsoft.com/office/drawing/2014/main" xmlns="" id="{17C64A32-31FA-497B-845A-F0CA1795B2F3}"/>
               </a:ext>
             </a:extLst>
           </p:cNvPr>
@@ -22380,7 +22432,7 @@
           <p:cNvPr id="21507" name="Rectangle 3">
             <a:extLst>
               <a:ext uri="{FF2B5EF4-FFF2-40B4-BE49-F238E27FC236}">
-                <a16:creationId xmlns:a16="http://schemas.microsoft.com/office/drawing/2014/main" id="{EEC0A1FF-CD93-478D-8AA4-AA9244AD0DE7}"/>
+                <a16:creationId xmlns:a16="http://schemas.microsoft.com/office/drawing/2014/main" xmlns="" id="{EEC0A1FF-CD93-478D-8AA4-AA9244AD0DE7}"/>
               </a:ext>
             </a:extLst>
           </p:cNvPr>
@@ -22511,7 +22563,7 @@
     </p:spTree>
     <p:extLst>
       <p:ext uri="{BB962C8B-B14F-4D97-AF65-F5344CB8AC3E}">
-        <p14:creationId xmlns:p14="http://schemas.microsoft.com/office/powerpoint/2010/main" val="3483358829"/>
+        <p14:creationId xmlns:p14="http://schemas.microsoft.com/office/powerpoint/2010/main" xmlns="" val="3483358829"/>
       </p:ext>
     </p:extLst>
   </p:cSld>
@@ -22543,7 +22595,7 @@
           <p:cNvPr id="21506" name="Rectangle 2">
             <a:extLst>
               <a:ext uri="{FF2B5EF4-FFF2-40B4-BE49-F238E27FC236}">
-                <a16:creationId xmlns:a16="http://schemas.microsoft.com/office/drawing/2014/main" id="{17C64A32-31FA-497B-845A-F0CA1795B2F3}"/>
+                <a16:creationId xmlns:a16="http://schemas.microsoft.com/office/drawing/2014/main" xmlns="" id="{17C64A32-31FA-497B-845A-F0CA1795B2F3}"/>
               </a:ext>
             </a:extLst>
           </p:cNvPr>
@@ -22594,7 +22646,7 @@
           <p:cNvPr id="21507" name="Rectangle 3">
             <a:extLst>
               <a:ext uri="{FF2B5EF4-FFF2-40B4-BE49-F238E27FC236}">
-                <a16:creationId xmlns:a16="http://schemas.microsoft.com/office/drawing/2014/main" id="{EEC0A1FF-CD93-478D-8AA4-AA9244AD0DE7}"/>
+                <a16:creationId xmlns:a16="http://schemas.microsoft.com/office/drawing/2014/main" xmlns="" id="{EEC0A1FF-CD93-478D-8AA4-AA9244AD0DE7}"/>
               </a:ext>
             </a:extLst>
           </p:cNvPr>
@@ -22696,7 +22748,7 @@
     </p:spTree>
     <p:extLst>
       <p:ext uri="{BB962C8B-B14F-4D97-AF65-F5344CB8AC3E}">
-        <p14:creationId xmlns:p14="http://schemas.microsoft.com/office/powerpoint/2010/main" val="3083106294"/>
+        <p14:creationId xmlns:p14="http://schemas.microsoft.com/office/powerpoint/2010/main" xmlns="" val="3083106294"/>
       </p:ext>
     </p:extLst>
   </p:cSld>
@@ -22728,7 +22780,7 @@
           <p:cNvPr id="21506" name="Rectangle 2">
             <a:extLst>
               <a:ext uri="{FF2B5EF4-FFF2-40B4-BE49-F238E27FC236}">
-                <a16:creationId xmlns:a16="http://schemas.microsoft.com/office/drawing/2014/main" id="{17C64A32-31FA-497B-845A-F0CA1795B2F3}"/>
+                <a16:creationId xmlns:a16="http://schemas.microsoft.com/office/drawing/2014/main" xmlns="" id="{17C64A32-31FA-497B-845A-F0CA1795B2F3}"/>
               </a:ext>
             </a:extLst>
           </p:cNvPr>
@@ -22779,7 +22831,7 @@
           <p:cNvPr id="21507" name="Rectangle 3">
             <a:extLst>
               <a:ext uri="{FF2B5EF4-FFF2-40B4-BE49-F238E27FC236}">
-                <a16:creationId xmlns:a16="http://schemas.microsoft.com/office/drawing/2014/main" id="{EEC0A1FF-CD93-478D-8AA4-AA9244AD0DE7}"/>
+                <a16:creationId xmlns:a16="http://schemas.microsoft.com/office/drawing/2014/main" xmlns="" id="{EEC0A1FF-CD93-478D-8AA4-AA9244AD0DE7}"/>
               </a:ext>
             </a:extLst>
           </p:cNvPr>
@@ -22927,7 +22979,7 @@
     </p:spTree>
     <p:extLst>
       <p:ext uri="{BB962C8B-B14F-4D97-AF65-F5344CB8AC3E}">
-        <p14:creationId xmlns:p14="http://schemas.microsoft.com/office/powerpoint/2010/main" val="3452102070"/>
+        <p14:creationId xmlns:p14="http://schemas.microsoft.com/office/powerpoint/2010/main" xmlns="" val="3452102070"/>
       </p:ext>
     </p:extLst>
   </p:cSld>
@@ -22959,7 +23011,7 @@
           <p:cNvPr id="21506" name="Rectangle 2">
             <a:extLst>
               <a:ext uri="{FF2B5EF4-FFF2-40B4-BE49-F238E27FC236}">
-                <a16:creationId xmlns:a16="http://schemas.microsoft.com/office/drawing/2014/main" id="{17C64A32-31FA-497B-845A-F0CA1795B2F3}"/>
+                <a16:creationId xmlns:a16="http://schemas.microsoft.com/office/drawing/2014/main" xmlns="" id="{17C64A32-31FA-497B-845A-F0CA1795B2F3}"/>
               </a:ext>
             </a:extLst>
           </p:cNvPr>
@@ -23010,7 +23062,7 @@
           <p:cNvPr id="21507" name="Rectangle 3">
             <a:extLst>
               <a:ext uri="{FF2B5EF4-FFF2-40B4-BE49-F238E27FC236}">
-                <a16:creationId xmlns:a16="http://schemas.microsoft.com/office/drawing/2014/main" id="{EEC0A1FF-CD93-478D-8AA4-AA9244AD0DE7}"/>
+                <a16:creationId xmlns:a16="http://schemas.microsoft.com/office/drawing/2014/main" xmlns="" id="{EEC0A1FF-CD93-478D-8AA4-AA9244AD0DE7}"/>
               </a:ext>
             </a:extLst>
           </p:cNvPr>
@@ -23110,7 +23162,7 @@
     </p:spTree>
     <p:extLst>
       <p:ext uri="{BB962C8B-B14F-4D97-AF65-F5344CB8AC3E}">
-        <p14:creationId xmlns:p14="http://schemas.microsoft.com/office/powerpoint/2010/main" val="3471452091"/>
+        <p14:creationId xmlns:p14="http://schemas.microsoft.com/office/powerpoint/2010/main" xmlns="" val="3471452091"/>
       </p:ext>
     </p:extLst>
   </p:cSld>
@@ -23142,7 +23194,7 @@
           <p:cNvPr id="21506" name="Rectangle 2">
             <a:extLst>
               <a:ext uri="{FF2B5EF4-FFF2-40B4-BE49-F238E27FC236}">
-                <a16:creationId xmlns:a16="http://schemas.microsoft.com/office/drawing/2014/main" id="{17C64A32-31FA-497B-845A-F0CA1795B2F3}"/>
+                <a16:creationId xmlns:a16="http://schemas.microsoft.com/office/drawing/2014/main" xmlns="" id="{17C64A32-31FA-497B-845A-F0CA1795B2F3}"/>
               </a:ext>
             </a:extLst>
           </p:cNvPr>
@@ -23193,7 +23245,7 @@
           <p:cNvPr id="21507" name="Rectangle 3">
             <a:extLst>
               <a:ext uri="{FF2B5EF4-FFF2-40B4-BE49-F238E27FC236}">
-                <a16:creationId xmlns:a16="http://schemas.microsoft.com/office/drawing/2014/main" id="{EEC0A1FF-CD93-478D-8AA4-AA9244AD0DE7}"/>
+                <a16:creationId xmlns:a16="http://schemas.microsoft.com/office/drawing/2014/main" xmlns="" id="{EEC0A1FF-CD93-478D-8AA4-AA9244AD0DE7}"/>
               </a:ext>
             </a:extLst>
           </p:cNvPr>
@@ -23235,7 +23287,7 @@
           <p:cNvPr id="2" name="矩形: 棱台 1">
             <a:extLst>
               <a:ext uri="{FF2B5EF4-FFF2-40B4-BE49-F238E27FC236}">
-                <a16:creationId xmlns:a16="http://schemas.microsoft.com/office/drawing/2014/main" id="{14E948E3-3F1B-43C0-82BA-6B46737148FF}"/>
+                <a16:creationId xmlns:a16="http://schemas.microsoft.com/office/drawing/2014/main" xmlns="" id="{14E948E3-3F1B-43C0-82BA-6B46737148FF}"/>
               </a:ext>
             </a:extLst>
           </p:cNvPr>
@@ -23284,7 +23336,7 @@
           <p:cNvPr id="5" name="矩形: 棱台 4">
             <a:extLst>
               <a:ext uri="{FF2B5EF4-FFF2-40B4-BE49-F238E27FC236}">
-                <a16:creationId xmlns:a16="http://schemas.microsoft.com/office/drawing/2014/main" id="{48D140A1-99BB-4C99-BA0F-85619516A5F2}"/>
+                <a16:creationId xmlns:a16="http://schemas.microsoft.com/office/drawing/2014/main" xmlns="" id="{48D140A1-99BB-4C99-BA0F-85619516A5F2}"/>
               </a:ext>
             </a:extLst>
           </p:cNvPr>
@@ -23333,7 +23385,7 @@
           <p:cNvPr id="6" name="矩形: 棱台 5">
             <a:extLst>
               <a:ext uri="{FF2B5EF4-FFF2-40B4-BE49-F238E27FC236}">
-                <a16:creationId xmlns:a16="http://schemas.microsoft.com/office/drawing/2014/main" id="{145AEBE4-FB01-4DCD-A719-E7EE2AC7B910}"/>
+                <a16:creationId xmlns:a16="http://schemas.microsoft.com/office/drawing/2014/main" xmlns="" id="{145AEBE4-FB01-4DCD-A719-E7EE2AC7B910}"/>
               </a:ext>
             </a:extLst>
           </p:cNvPr>
@@ -23382,7 +23434,7 @@
           <p:cNvPr id="3" name="箭头: 十字 2">
             <a:extLst>
               <a:ext uri="{FF2B5EF4-FFF2-40B4-BE49-F238E27FC236}">
-                <a16:creationId xmlns:a16="http://schemas.microsoft.com/office/drawing/2014/main" id="{C571731E-EA30-4AEE-875F-97ECB81ABDAA}"/>
+                <a16:creationId xmlns:a16="http://schemas.microsoft.com/office/drawing/2014/main" xmlns="" id="{C571731E-EA30-4AEE-875F-97ECB81ABDAA}"/>
               </a:ext>
             </a:extLst>
           </p:cNvPr>
@@ -23426,7 +23478,7 @@
           <p:cNvPr id="4" name="立方体 3">
             <a:extLst>
               <a:ext uri="{FF2B5EF4-FFF2-40B4-BE49-F238E27FC236}">
-                <a16:creationId xmlns:a16="http://schemas.microsoft.com/office/drawing/2014/main" id="{B11724CF-CED2-4A54-A76A-1CF824848667}"/>
+                <a16:creationId xmlns:a16="http://schemas.microsoft.com/office/drawing/2014/main" xmlns="" id="{B11724CF-CED2-4A54-A76A-1CF824848667}"/>
               </a:ext>
             </a:extLst>
           </p:cNvPr>
@@ -23474,7 +23526,7 @@
     </p:spTree>
     <p:extLst>
       <p:ext uri="{BB962C8B-B14F-4D97-AF65-F5344CB8AC3E}">
-        <p14:creationId xmlns:p14="http://schemas.microsoft.com/office/powerpoint/2010/main" val="1432956213"/>
+        <p14:creationId xmlns:p14="http://schemas.microsoft.com/office/powerpoint/2010/main" xmlns="" val="1432956213"/>
       </p:ext>
     </p:extLst>
   </p:cSld>
@@ -23506,7 +23558,7 @@
           <p:cNvPr id="6146" name="Rectangle 2">
             <a:extLst>
               <a:ext uri="{FF2B5EF4-FFF2-40B4-BE49-F238E27FC236}">
-                <a16:creationId xmlns:a16="http://schemas.microsoft.com/office/drawing/2014/main" id="{ACFE3EC2-9D24-4720-A8F5-448A65A53DAE}"/>
+                <a16:creationId xmlns:a16="http://schemas.microsoft.com/office/drawing/2014/main" xmlns="" id="{ACFE3EC2-9D24-4720-A8F5-448A65A53DAE}"/>
               </a:ext>
             </a:extLst>
           </p:cNvPr>
@@ -23538,7 +23590,7 @@
           <p:cNvPr id="6147" name="Rectangle 3">
             <a:extLst>
               <a:ext uri="{FF2B5EF4-FFF2-40B4-BE49-F238E27FC236}">
-                <a16:creationId xmlns:a16="http://schemas.microsoft.com/office/drawing/2014/main" id="{8080007D-F74B-4D5C-9141-469146E712D1}"/>
+                <a16:creationId xmlns:a16="http://schemas.microsoft.com/office/drawing/2014/main" xmlns="" id="{8080007D-F74B-4D5C-9141-469146E712D1}"/>
               </a:ext>
             </a:extLst>
           </p:cNvPr>
@@ -23604,7 +23656,7 @@
           <p:cNvPr id="7170" name="Rectangle 2">
             <a:extLst>
               <a:ext uri="{FF2B5EF4-FFF2-40B4-BE49-F238E27FC236}">
-                <a16:creationId xmlns:a16="http://schemas.microsoft.com/office/drawing/2014/main" id="{16F13C2F-D325-4E77-9FDF-7EB335278BD6}"/>
+                <a16:creationId xmlns:a16="http://schemas.microsoft.com/office/drawing/2014/main" xmlns="" id="{16F13C2F-D325-4E77-9FDF-7EB335278BD6}"/>
               </a:ext>
             </a:extLst>
           </p:cNvPr>
@@ -23633,7 +23685,7 @@
           <p:cNvPr id="7171" name="Rectangle 3">
             <a:extLst>
               <a:ext uri="{FF2B5EF4-FFF2-40B4-BE49-F238E27FC236}">
-                <a16:creationId xmlns:a16="http://schemas.microsoft.com/office/drawing/2014/main" id="{36759B90-5C89-4524-9F1E-AF85ED9B9169}"/>
+                <a16:creationId xmlns:a16="http://schemas.microsoft.com/office/drawing/2014/main" xmlns="" id="{36759B90-5C89-4524-9F1E-AF85ED9B9169}"/>
               </a:ext>
             </a:extLst>
           </p:cNvPr>
@@ -23683,6 +23735,15 @@
                 <a:latin typeface="+mn-ea"/>
               </a:rPr>
               <a:t>系统有一定的结构</a:t>
+            </a:r>
+            <a:r>
+              <a:rPr lang="en-US" altLang="zh-CN" sz="2400" dirty="0">
+                <a:solidFill>
+                  <a:schemeClr val="tx1"/>
+                </a:solidFill>
+                <a:latin typeface="+mn-ea"/>
+              </a:rPr>
+              <a:t/>
             </a:r>
             <a:br>
               <a:rPr lang="en-US" altLang="zh-CN" sz="2400" dirty="0">
@@ -23784,7 +23845,7 @@
           <p:cNvPr id="8194" name="Rectangle 2">
             <a:extLst>
               <a:ext uri="{FF2B5EF4-FFF2-40B4-BE49-F238E27FC236}">
-                <a16:creationId xmlns:a16="http://schemas.microsoft.com/office/drawing/2014/main" id="{6DC7461C-6CFD-4480-9450-D3C69568BC14}"/>
+                <a16:creationId xmlns:a16="http://schemas.microsoft.com/office/drawing/2014/main" xmlns="" id="{6DC7461C-6CFD-4480-9450-D3C69568BC14}"/>
               </a:ext>
             </a:extLst>
           </p:cNvPr>
@@ -23813,7 +23874,7 @@
           <p:cNvPr id="7171" name="Rectangle 3">
             <a:extLst>
               <a:ext uri="{FF2B5EF4-FFF2-40B4-BE49-F238E27FC236}">
-                <a16:creationId xmlns:a16="http://schemas.microsoft.com/office/drawing/2014/main" id="{052C601B-C726-49C0-BDC6-031EC4C73F96}"/>
+                <a16:creationId xmlns:a16="http://schemas.microsoft.com/office/drawing/2014/main" xmlns="" id="{052C601B-C726-49C0-BDC6-031EC4C73F96}"/>
               </a:ext>
             </a:extLst>
           </p:cNvPr>
@@ -23979,7 +24040,7 @@
           <p:cNvPr id="9218" name="Rectangle 2">
             <a:extLst>
               <a:ext uri="{FF2B5EF4-FFF2-40B4-BE49-F238E27FC236}">
-                <a16:creationId xmlns:a16="http://schemas.microsoft.com/office/drawing/2014/main" id="{41680E4C-0F80-49B3-BBC4-FB7242B51231}"/>
+                <a16:creationId xmlns:a16="http://schemas.microsoft.com/office/drawing/2014/main" xmlns="" id="{41680E4C-0F80-49B3-BBC4-FB7242B51231}"/>
               </a:ext>
             </a:extLst>
           </p:cNvPr>
@@ -24021,7 +24082,7 @@
           <p:cNvPr id="3" name="箭头: 五边形 2">
             <a:extLst>
               <a:ext uri="{FF2B5EF4-FFF2-40B4-BE49-F238E27FC236}">
-                <a16:creationId xmlns:a16="http://schemas.microsoft.com/office/drawing/2014/main" id="{E7190746-A8A9-45C4-B29A-C19C9C473DA8}"/>
+                <a16:creationId xmlns:a16="http://schemas.microsoft.com/office/drawing/2014/main" xmlns="" id="{E7190746-A8A9-45C4-B29A-C19C9C473DA8}"/>
               </a:ext>
             </a:extLst>
           </p:cNvPr>
@@ -24070,7 +24131,7 @@
           <p:cNvPr id="6" name="箭头: 五边形 5">
             <a:extLst>
               <a:ext uri="{FF2B5EF4-FFF2-40B4-BE49-F238E27FC236}">
-                <a16:creationId xmlns:a16="http://schemas.microsoft.com/office/drawing/2014/main" id="{7AAE464D-F43F-40DB-90FF-CE387FF83367}"/>
+                <a16:creationId xmlns:a16="http://schemas.microsoft.com/office/drawing/2014/main" xmlns="" id="{7AAE464D-F43F-40DB-90FF-CE387FF83367}"/>
               </a:ext>
             </a:extLst>
           </p:cNvPr>
@@ -24122,7 +24183,7 @@
           <p:cNvPr id="8" name="矩形 7">
             <a:extLst>
               <a:ext uri="{FF2B5EF4-FFF2-40B4-BE49-F238E27FC236}">
-                <a16:creationId xmlns:a16="http://schemas.microsoft.com/office/drawing/2014/main" id="{C8EB554F-AAE0-46FD-A137-76CD46F1624C}"/>
+                <a16:creationId xmlns:a16="http://schemas.microsoft.com/office/drawing/2014/main" xmlns="" id="{C8EB554F-AAE0-46FD-A137-76CD46F1624C}"/>
               </a:ext>
             </a:extLst>
           </p:cNvPr>
@@ -24168,7 +24229,7 @@
           <p:cNvPr id="5" name="箭头: 左 4">
             <a:extLst>
               <a:ext uri="{FF2B5EF4-FFF2-40B4-BE49-F238E27FC236}">
-                <a16:creationId xmlns:a16="http://schemas.microsoft.com/office/drawing/2014/main" id="{78485560-A49C-4ABA-B96F-BD25836BCB7B}"/>
+                <a16:creationId xmlns:a16="http://schemas.microsoft.com/office/drawing/2014/main" xmlns="" id="{78485560-A49C-4ABA-B96F-BD25836BCB7B}"/>
               </a:ext>
             </a:extLst>
           </p:cNvPr>
@@ -24220,7 +24281,7 @@
           <p:cNvPr id="7" name="思想气泡: 云 6">
             <a:extLst>
               <a:ext uri="{FF2B5EF4-FFF2-40B4-BE49-F238E27FC236}">
-                <a16:creationId xmlns:a16="http://schemas.microsoft.com/office/drawing/2014/main" id="{B8AB8C70-CBEF-4BD7-8464-EDDD7BF0D8FF}"/>
+                <a16:creationId xmlns:a16="http://schemas.microsoft.com/office/drawing/2014/main" xmlns="" id="{B8AB8C70-CBEF-4BD7-8464-EDDD7BF0D8FF}"/>
               </a:ext>
             </a:extLst>
           </p:cNvPr>
@@ -24269,7 +24330,7 @@
           <p:cNvPr id="11" name="矩形 10">
             <a:extLst>
               <a:ext uri="{FF2B5EF4-FFF2-40B4-BE49-F238E27FC236}">
-                <a16:creationId xmlns:a16="http://schemas.microsoft.com/office/drawing/2014/main" id="{60491628-70D6-4828-9D74-268B485BD3FB}"/>
+                <a16:creationId xmlns:a16="http://schemas.microsoft.com/office/drawing/2014/main" xmlns="" id="{60491628-70D6-4828-9D74-268B485BD3FB}"/>
               </a:ext>
             </a:extLst>
           </p:cNvPr>
@@ -24315,7 +24376,7 @@
           <p:cNvPr id="9" name="任意多边形: 形状 8">
             <a:extLst>
               <a:ext uri="{FF2B5EF4-FFF2-40B4-BE49-F238E27FC236}">
-                <a16:creationId xmlns:a16="http://schemas.microsoft.com/office/drawing/2014/main" id="{CF19EBA9-CF3B-4592-BF5F-C1637ACCBA04}"/>
+                <a16:creationId xmlns:a16="http://schemas.microsoft.com/office/drawing/2014/main" xmlns="" id="{CF19EBA9-CF3B-4592-BF5F-C1637ACCBA04}"/>
               </a:ext>
             </a:extLst>
           </p:cNvPr>
@@ -24468,7 +24529,7 @@
           <p:cNvPr id="13" name="任意多边形: 形状 12">
             <a:extLst>
               <a:ext uri="{FF2B5EF4-FFF2-40B4-BE49-F238E27FC236}">
-                <a16:creationId xmlns:a16="http://schemas.microsoft.com/office/drawing/2014/main" id="{83381DA0-693C-493C-8EDA-A70E8B48DB88}"/>
+                <a16:creationId xmlns:a16="http://schemas.microsoft.com/office/drawing/2014/main" xmlns="" id="{83381DA0-693C-493C-8EDA-A70E8B48DB88}"/>
               </a:ext>
             </a:extLst>
           </p:cNvPr>
@@ -24663,7 +24724,7 @@
           <p:cNvPr id="15" name="任意多边形: 形状 14">
             <a:extLst>
               <a:ext uri="{FF2B5EF4-FFF2-40B4-BE49-F238E27FC236}">
-                <a16:creationId xmlns:a16="http://schemas.microsoft.com/office/drawing/2014/main" id="{5B538FBE-4026-48FE-A7CB-4CAA8BA4596C}"/>
+                <a16:creationId xmlns:a16="http://schemas.microsoft.com/office/drawing/2014/main" xmlns="" id="{5B538FBE-4026-48FE-A7CB-4CAA8BA4596C}"/>
               </a:ext>
             </a:extLst>
           </p:cNvPr>
@@ -24992,7 +25053,7 @@
           <p:cNvPr id="17" name="直接连接符 16">
             <a:extLst>
               <a:ext uri="{FF2B5EF4-FFF2-40B4-BE49-F238E27FC236}">
-                <a16:creationId xmlns:a16="http://schemas.microsoft.com/office/drawing/2014/main" id="{74176D46-D357-4684-A524-57B76F3FCB2B}"/>
+                <a16:creationId xmlns:a16="http://schemas.microsoft.com/office/drawing/2014/main" xmlns="" id="{74176D46-D357-4684-A524-57B76F3FCB2B}"/>
               </a:ext>
             </a:extLst>
           </p:cNvPr>
@@ -25033,7 +25094,7 @@
           <p:cNvPr id="18" name="任意多边形: 形状 17">
             <a:extLst>
               <a:ext uri="{FF2B5EF4-FFF2-40B4-BE49-F238E27FC236}">
-                <a16:creationId xmlns:a16="http://schemas.microsoft.com/office/drawing/2014/main" id="{098134EE-A8F2-4DD3-9C55-8BD317DBCD18}"/>
+                <a16:creationId xmlns:a16="http://schemas.microsoft.com/office/drawing/2014/main" xmlns="" id="{098134EE-A8F2-4DD3-9C55-8BD317DBCD18}"/>
               </a:ext>
             </a:extLst>
           </p:cNvPr>
@@ -25731,7 +25792,7 @@
           <p:cNvPr id="20" name="任意多边形: 形状 19">
             <a:extLst>
               <a:ext uri="{FF2B5EF4-FFF2-40B4-BE49-F238E27FC236}">
-                <a16:creationId xmlns:a16="http://schemas.microsoft.com/office/drawing/2014/main" id="{8EA7D4A2-BCCA-4C36-8EAF-7377885F50A1}"/>
+                <a16:creationId xmlns:a16="http://schemas.microsoft.com/office/drawing/2014/main" xmlns="" id="{8EA7D4A2-BCCA-4C36-8EAF-7377885F50A1}"/>
               </a:ext>
             </a:extLst>
           </p:cNvPr>
@@ -26323,7 +26384,7 @@
           <p:cNvPr id="22" name="直接连接符 21">
             <a:extLst>
               <a:ext uri="{FF2B5EF4-FFF2-40B4-BE49-F238E27FC236}">
-                <a16:creationId xmlns:a16="http://schemas.microsoft.com/office/drawing/2014/main" id="{96AAB3FB-EAEE-4689-90AC-432BE3AEA56A}"/>
+                <a16:creationId xmlns:a16="http://schemas.microsoft.com/office/drawing/2014/main" xmlns="" id="{96AAB3FB-EAEE-4689-90AC-432BE3AEA56A}"/>
               </a:ext>
             </a:extLst>
           </p:cNvPr>
@@ -26362,7 +26423,7 @@
           <p:cNvPr id="9232" name="文本框 22">
             <a:extLst>
               <a:ext uri="{FF2B5EF4-FFF2-40B4-BE49-F238E27FC236}">
-                <a16:creationId xmlns:a16="http://schemas.microsoft.com/office/drawing/2014/main" id="{151598AA-49D2-4113-BC77-37B2F404C3E1}"/>
+                <a16:creationId xmlns:a16="http://schemas.microsoft.com/office/drawing/2014/main" xmlns="" id="{151598AA-49D2-4113-BC77-37B2F404C3E1}"/>
               </a:ext>
             </a:extLst>
           </p:cNvPr>
@@ -26385,14 +26446,14 @@
           </a:ln>
           <a:extLst>
             <a:ext uri="{909E8E84-426E-40DD-AFC4-6F175D3DCCD1}">
-              <a14:hiddenFill xmlns:a14="http://schemas.microsoft.com/office/drawing/2010/main">
+              <a14:hiddenFill xmlns:a14="http://schemas.microsoft.com/office/drawing/2010/main" xmlns="">
                 <a:solidFill>
                   <a:srgbClr val="FFFFFF"/>
                 </a:solidFill>
               </a14:hiddenFill>
             </a:ext>
             <a:ext uri="{91240B29-F687-4F45-9708-019B960494DF}">
-              <a14:hiddenLine xmlns:a14="http://schemas.microsoft.com/office/drawing/2010/main" w="9525">
+              <a14:hiddenLine xmlns:a14="http://schemas.microsoft.com/office/drawing/2010/main" xmlns="" w="9525">
                 <a:solidFill>
                   <a:srgbClr val="000000"/>
                 </a:solidFill>
@@ -26527,7 +26588,7 @@
           <p:cNvPr id="9233" name="文本框 25">
             <a:extLst>
               <a:ext uri="{FF2B5EF4-FFF2-40B4-BE49-F238E27FC236}">
-                <a16:creationId xmlns:a16="http://schemas.microsoft.com/office/drawing/2014/main" id="{A9DAF8AD-5A1F-4039-87A1-021A3AFDE435}"/>
+                <a16:creationId xmlns:a16="http://schemas.microsoft.com/office/drawing/2014/main" xmlns="" id="{A9DAF8AD-5A1F-4039-87A1-021A3AFDE435}"/>
               </a:ext>
             </a:extLst>
           </p:cNvPr>
@@ -26550,14 +26611,14 @@
           </a:ln>
           <a:extLst>
             <a:ext uri="{909E8E84-426E-40DD-AFC4-6F175D3DCCD1}">
-              <a14:hiddenFill xmlns:a14="http://schemas.microsoft.com/office/drawing/2010/main">
+              <a14:hiddenFill xmlns:a14="http://schemas.microsoft.com/office/drawing/2010/main" xmlns="">
                 <a:solidFill>
                   <a:srgbClr val="FFFFFF"/>
                 </a:solidFill>
               </a14:hiddenFill>
             </a:ext>
             <a:ext uri="{91240B29-F687-4F45-9708-019B960494DF}">
-              <a14:hiddenLine xmlns:a14="http://schemas.microsoft.com/office/drawing/2010/main" w="9525">
+              <a14:hiddenLine xmlns:a14="http://schemas.microsoft.com/office/drawing/2010/main" xmlns="" w="9525">
                 <a:solidFill>
                   <a:srgbClr val="000000"/>
                 </a:solidFill>
@@ -26692,7 +26753,7 @@
           <p:cNvPr id="9234" name="文本框 26">
             <a:extLst>
               <a:ext uri="{FF2B5EF4-FFF2-40B4-BE49-F238E27FC236}">
-                <a16:creationId xmlns:a16="http://schemas.microsoft.com/office/drawing/2014/main" id="{D48EFAF5-769C-47D4-A133-3590339AA3DE}"/>
+                <a16:creationId xmlns:a16="http://schemas.microsoft.com/office/drawing/2014/main" xmlns="" id="{D48EFAF5-769C-47D4-A133-3590339AA3DE}"/>
               </a:ext>
             </a:extLst>
           </p:cNvPr>
@@ -26715,14 +26776,14 @@
           </a:ln>
           <a:extLst>
             <a:ext uri="{909E8E84-426E-40DD-AFC4-6F175D3DCCD1}">
-              <a14:hiddenFill xmlns:a14="http://schemas.microsoft.com/office/drawing/2010/main">
+              <a14:hiddenFill xmlns:a14="http://schemas.microsoft.com/office/drawing/2010/main" xmlns="">
                 <a:solidFill>
                   <a:srgbClr val="FFFFFF"/>
                 </a:solidFill>
               </a14:hiddenFill>
             </a:ext>
             <a:ext uri="{91240B29-F687-4F45-9708-019B960494DF}">
-              <a14:hiddenLine xmlns:a14="http://schemas.microsoft.com/office/drawing/2010/main" w="9525">
+              <a14:hiddenLine xmlns:a14="http://schemas.microsoft.com/office/drawing/2010/main" xmlns="" w="9525">
                 <a:solidFill>
                   <a:srgbClr val="000000"/>
                 </a:solidFill>
@@ -26857,7 +26918,7 @@
           <p:cNvPr id="19" name="Rectangle 3">
             <a:extLst>
               <a:ext uri="{FF2B5EF4-FFF2-40B4-BE49-F238E27FC236}">
-                <a16:creationId xmlns:a16="http://schemas.microsoft.com/office/drawing/2014/main" id="{E08851F2-4353-491E-A041-B04E3E1ECBB9}"/>
+                <a16:creationId xmlns:a16="http://schemas.microsoft.com/office/drawing/2014/main" xmlns="" id="{E08851F2-4353-491E-A041-B04E3E1ECBB9}"/>
               </a:ext>
             </a:extLst>
           </p:cNvPr>
@@ -26926,7 +26987,7 @@
           <p:cNvPr id="10242" name="Rectangle 2">
             <a:extLst>
               <a:ext uri="{FF2B5EF4-FFF2-40B4-BE49-F238E27FC236}">
-                <a16:creationId xmlns:a16="http://schemas.microsoft.com/office/drawing/2014/main" id="{70C0E62E-A384-447E-A042-3B74711EFAA9}"/>
+                <a16:creationId xmlns:a16="http://schemas.microsoft.com/office/drawing/2014/main" xmlns="" id="{70C0E62E-A384-447E-A042-3B74711EFAA9}"/>
               </a:ext>
             </a:extLst>
           </p:cNvPr>
@@ -26962,7 +27023,7 @@
           <p:cNvPr id="10243" name="Rectangle 3">
             <a:extLst>
               <a:ext uri="{FF2B5EF4-FFF2-40B4-BE49-F238E27FC236}">
-                <a16:creationId xmlns:a16="http://schemas.microsoft.com/office/drawing/2014/main" id="{1841405A-35C0-4860-B057-B0028CD130BF}"/>
+                <a16:creationId xmlns:a16="http://schemas.microsoft.com/office/drawing/2014/main" xmlns="" id="{1841405A-35C0-4860-B057-B0028CD130BF}"/>
               </a:ext>
             </a:extLst>
           </p:cNvPr>
@@ -27164,7 +27225,7 @@
           <p:cNvPr id="11266" name="Rectangle 2">
             <a:extLst>
               <a:ext uri="{FF2B5EF4-FFF2-40B4-BE49-F238E27FC236}">
-                <a16:creationId xmlns:a16="http://schemas.microsoft.com/office/drawing/2014/main" id="{890E94E5-D878-4807-B19F-903191BCFD59}"/>
+                <a16:creationId xmlns:a16="http://schemas.microsoft.com/office/drawing/2014/main" xmlns="" id="{890E94E5-D878-4807-B19F-903191BCFD59}"/>
               </a:ext>
             </a:extLst>
           </p:cNvPr>
@@ -27195,7 +27256,7 @@
           <p:cNvPr id="11267" name="Rectangle 3">
             <a:extLst>
               <a:ext uri="{FF2B5EF4-FFF2-40B4-BE49-F238E27FC236}">
-                <a16:creationId xmlns:a16="http://schemas.microsoft.com/office/drawing/2014/main" id="{8F67FD52-734C-4B2C-928E-ABB9D30F37C4}"/>
+                <a16:creationId xmlns:a16="http://schemas.microsoft.com/office/drawing/2014/main" xmlns="" id="{8F67FD52-734C-4B2C-928E-ABB9D30F37C4}"/>
               </a:ext>
             </a:extLst>
           </p:cNvPr>
@@ -27320,7 +27381,7 @@
     </a:clrScheme>
     <a:fontScheme name="Cambria-Calibri">
       <a:majorFont>
-        <a:latin typeface="Cambria" panose="02040503050406030204"/>
+        <a:latin typeface="Cambria"/>
         <a:ea typeface=""/>
         <a:cs typeface=""/>
         <a:font script="Jpan" typeface="ＭＳ Ｐゴシック"/>
@@ -27355,7 +27416,7 @@
         <a:font script="Geor" typeface="Sylfaen"/>
       </a:majorFont>
       <a:minorFont>
-        <a:latin typeface="Calibri" panose="020F0502020204030204"/>
+        <a:latin typeface="Calibri"/>
         <a:ea typeface=""/>
         <a:cs typeface=""/>
         <a:font script="Jpan" typeface="ＭＳ Ｐゴシック"/>
@@ -27504,7 +27565,7 @@
   <a:extraClrSchemeLst/>
   <a:extLst>
     <a:ext uri="{05A4C25C-085E-4340-85A3-A5531E510DB2}">
-      <thm15:themeFamily xmlns:thm15="http://schemas.microsoft.com/office/thememl/2012/main" name="Organic" id="{28CDC826-8792-45C0-861B-85EB3ADEDA33}" vid="{E4E49EB0-FB00-41F5-9359-4843D783A23D}"/>
+      <thm15:themeFamily xmlns:thm15="http://schemas.microsoft.com/office/thememl/2012/main" xmlns="" name="Organic" id="{28CDC826-8792-45C0-861B-85EB3ADEDA33}" vid="{E4E49EB0-FB00-41F5-9359-4843D783A23D}"/>
     </a:ext>
   </a:extLst>
 </a:theme>
@@ -27553,7 +27614,7 @@
     </a:clrScheme>
     <a:fontScheme name="Office">
       <a:majorFont>
-        <a:latin typeface="等线 Light" panose="020F0302020204030204"/>
+        <a:latin typeface="等线 Light"/>
         <a:ea typeface=""/>
         <a:cs typeface=""/>
         <a:font script="Jpan" typeface="游ゴシック Light"/>
@@ -27605,7 +27666,7 @@
         <a:font script="Tfng" typeface="Ebrima"/>
       </a:majorFont>
       <a:minorFont>
-        <a:latin typeface="等线" panose="020F0502020204030204"/>
+        <a:latin typeface="等线"/>
         <a:ea typeface=""/>
         <a:cs typeface=""/>
         <a:font script="Jpan" typeface="游ゴシック"/>
@@ -27799,7 +27860,7 @@
   <a:extraClrSchemeLst/>
   <a:extLst>
     <a:ext uri="{05A4C25C-085E-4340-85A3-A5531E510DB2}">
-      <thm15:themeFamily xmlns:thm15="http://schemas.microsoft.com/office/thememl/2012/main" name="Office Theme" id="{62F939B6-93AF-4DB8-9C6B-D6C7DFDC589F}" vid="{4A3C46E8-61CC-4603-A589-7422A47A8E4A}"/>
+      <thm15:themeFamily xmlns:thm15="http://schemas.microsoft.com/office/thememl/2012/main" xmlns="" name="Office Theme" id="{62F939B6-93AF-4DB8-9C6B-D6C7DFDC589F}" vid="{4A3C46E8-61CC-4603-A589-7422A47A8E4A}"/>
     </a:ext>
   </a:extLst>
 </a:theme>
@@ -27848,7 +27909,7 @@
     </a:clrScheme>
     <a:fontScheme name="Office">
       <a:majorFont>
-        <a:latin typeface="等线 Light" panose="020F0302020204030204"/>
+        <a:latin typeface="等线 Light"/>
         <a:ea typeface=""/>
         <a:cs typeface=""/>
         <a:font script="Jpan" typeface="游ゴシック Light"/>
@@ -27900,7 +27961,7 @@
         <a:font script="Tfng" typeface="Ebrima"/>
       </a:majorFont>
       <a:minorFont>
-        <a:latin typeface="等线" panose="020F0502020204030204"/>
+        <a:latin typeface="等线"/>
         <a:ea typeface=""/>
         <a:cs typeface=""/>
         <a:font script="Jpan" typeface="游ゴシック"/>
@@ -28094,7 +28155,7 @@
   <a:extraClrSchemeLst/>
   <a:extLst>
     <a:ext uri="{05A4C25C-085E-4340-85A3-A5531E510DB2}">
-      <thm15:themeFamily xmlns:thm15="http://schemas.microsoft.com/office/thememl/2012/main" name="Office Theme" id="{62F939B6-93AF-4DB8-9C6B-D6C7DFDC589F}" vid="{4A3C46E8-61CC-4603-A589-7422A47A8E4A}"/>
+      <thm15:themeFamily xmlns:thm15="http://schemas.microsoft.com/office/thememl/2012/main" xmlns="" name="Office Theme" id="{62F939B6-93AF-4DB8-9C6B-D6C7DFDC589F}" vid="{4A3C46E8-61CC-4603-A589-7422A47A8E4A}"/>
     </a:ext>
   </a:extLst>
 </a:theme>
